--- a/documentation/it/Presentazione.pptx
+++ b/documentation/it/Presentazione.pptx
@@ -2,24 +2,26 @@
 <file path=ppt/presentation.xml><?xml version="1.0" encoding="utf-8"?>
 <p:presentation xmlns:a="http://schemas.openxmlformats.org/drawingml/2006/main" xmlns:r="http://schemas.openxmlformats.org/officeDocument/2006/relationships" xmlns:p="http://schemas.openxmlformats.org/presentationml/2006/main" saveSubsetFonts="1">
   <p:sldMasterIdLst>
-    <p:sldMasterId id="2147483648" r:id="rId1"/>
+    <p:sldMasterId id="2147483660" r:id="rId1"/>
   </p:sldMasterIdLst>
   <p:sldIdLst>
     <p:sldId id="256" r:id="rId2"/>
     <p:sldId id="257" r:id="rId3"/>
     <p:sldId id="258" r:id="rId4"/>
     <p:sldId id="259" r:id="rId5"/>
-    <p:sldId id="260" r:id="rId6"/>
-    <p:sldId id="261" r:id="rId7"/>
-    <p:sldId id="262" r:id="rId8"/>
+    <p:sldId id="263" r:id="rId6"/>
+    <p:sldId id="260" r:id="rId7"/>
+    <p:sldId id="261" r:id="rId8"/>
+    <p:sldId id="265" r:id="rId9"/>
+    <p:sldId id="267" r:id="rId10"/>
   </p:sldIdLst>
   <p:sldSz cx="12192000" cy="6858000"/>
   <p:notesSz cx="6858000" cy="9144000"/>
   <p:defaultTextStyle>
     <a:defPPr>
-      <a:defRPr lang="it-IT"/>
+      <a:defRPr lang="en-US"/>
     </a:defPPr>
-    <a:lvl1pPr marL="0" algn="l" defTabSz="914400" rtl="0" eaLnBrk="1" latinLnBrk="0" hangingPunct="1">
+    <a:lvl1pPr marL="0" algn="l" defTabSz="457200" rtl="0" eaLnBrk="1" latinLnBrk="0" hangingPunct="1">
       <a:defRPr sz="1800" kern="1200">
         <a:solidFill>
           <a:schemeClr val="tx1"/>
@@ -29,7 +31,7 @@
         <a:cs typeface="+mn-cs"/>
       </a:defRPr>
     </a:lvl1pPr>
-    <a:lvl2pPr marL="457200" algn="l" defTabSz="914400" rtl="0" eaLnBrk="1" latinLnBrk="0" hangingPunct="1">
+    <a:lvl2pPr marL="457200" algn="l" defTabSz="457200" rtl="0" eaLnBrk="1" latinLnBrk="0" hangingPunct="1">
       <a:defRPr sz="1800" kern="1200">
         <a:solidFill>
           <a:schemeClr val="tx1"/>
@@ -39,7 +41,7 @@
         <a:cs typeface="+mn-cs"/>
       </a:defRPr>
     </a:lvl2pPr>
-    <a:lvl3pPr marL="914400" algn="l" defTabSz="914400" rtl="0" eaLnBrk="1" latinLnBrk="0" hangingPunct="1">
+    <a:lvl3pPr marL="914400" algn="l" defTabSz="457200" rtl="0" eaLnBrk="1" latinLnBrk="0" hangingPunct="1">
       <a:defRPr sz="1800" kern="1200">
         <a:solidFill>
           <a:schemeClr val="tx1"/>
@@ -49,7 +51,7 @@
         <a:cs typeface="+mn-cs"/>
       </a:defRPr>
     </a:lvl3pPr>
-    <a:lvl4pPr marL="1371600" algn="l" defTabSz="914400" rtl="0" eaLnBrk="1" latinLnBrk="0" hangingPunct="1">
+    <a:lvl4pPr marL="1371600" algn="l" defTabSz="457200" rtl="0" eaLnBrk="1" latinLnBrk="0" hangingPunct="1">
       <a:defRPr sz="1800" kern="1200">
         <a:solidFill>
           <a:schemeClr val="tx1"/>
@@ -59,7 +61,7 @@
         <a:cs typeface="+mn-cs"/>
       </a:defRPr>
     </a:lvl4pPr>
-    <a:lvl5pPr marL="1828800" algn="l" defTabSz="914400" rtl="0" eaLnBrk="1" latinLnBrk="0" hangingPunct="1">
+    <a:lvl5pPr marL="1828800" algn="l" defTabSz="457200" rtl="0" eaLnBrk="1" latinLnBrk="0" hangingPunct="1">
       <a:defRPr sz="1800" kern="1200">
         <a:solidFill>
           <a:schemeClr val="tx1"/>
@@ -69,7 +71,7 @@
         <a:cs typeface="+mn-cs"/>
       </a:defRPr>
     </a:lvl5pPr>
-    <a:lvl6pPr marL="2286000" algn="l" defTabSz="914400" rtl="0" eaLnBrk="1" latinLnBrk="0" hangingPunct="1">
+    <a:lvl6pPr marL="2286000" algn="l" defTabSz="457200" rtl="0" eaLnBrk="1" latinLnBrk="0" hangingPunct="1">
       <a:defRPr sz="1800" kern="1200">
         <a:solidFill>
           <a:schemeClr val="tx1"/>
@@ -79,7 +81,7 @@
         <a:cs typeface="+mn-cs"/>
       </a:defRPr>
     </a:lvl6pPr>
-    <a:lvl7pPr marL="2743200" algn="l" defTabSz="914400" rtl="0" eaLnBrk="1" latinLnBrk="0" hangingPunct="1">
+    <a:lvl7pPr marL="2743200" algn="l" defTabSz="457200" rtl="0" eaLnBrk="1" latinLnBrk="0" hangingPunct="1">
       <a:defRPr sz="1800" kern="1200">
         <a:solidFill>
           <a:schemeClr val="tx1"/>
@@ -89,7 +91,7 @@
         <a:cs typeface="+mn-cs"/>
       </a:defRPr>
     </a:lvl7pPr>
-    <a:lvl8pPr marL="3200400" algn="l" defTabSz="914400" rtl="0" eaLnBrk="1" latinLnBrk="0" hangingPunct="1">
+    <a:lvl8pPr marL="3200400" algn="l" defTabSz="457200" rtl="0" eaLnBrk="1" latinLnBrk="0" hangingPunct="1">
       <a:defRPr sz="1800" kern="1200">
         <a:solidFill>
           <a:schemeClr val="tx1"/>
@@ -99,7 +101,7 @@
         <a:cs typeface="+mn-cs"/>
       </a:defRPr>
     </a:lvl8pPr>
-    <a:lvl9pPr marL="3657600" algn="l" defTabSz="914400" rtl="0" eaLnBrk="1" latinLnBrk="0" hangingPunct="1">
+    <a:lvl9pPr marL="3657600" algn="l" defTabSz="457200" rtl="0" eaLnBrk="1" latinLnBrk="0" hangingPunct="1">
       <a:defRPr sz="1800" kern="1200">
         <a:solidFill>
           <a:schemeClr val="tx1"/>
@@ -119,7 +121,7 @@
 </file>
 
 <file path=ppt/slideLayouts/slideLayout1.xml><?xml version="1.0" encoding="utf-8"?>
-<p:sldLayout xmlns:a="http://schemas.openxmlformats.org/drawingml/2006/main" xmlns:r="http://schemas.openxmlformats.org/officeDocument/2006/relationships" xmlns:p="http://schemas.openxmlformats.org/presentationml/2006/main" type="title" preserve="1">
+<p:sldLayout xmlns:a="http://schemas.openxmlformats.org/drawingml/2006/main" xmlns:r="http://schemas.openxmlformats.org/officeDocument/2006/relationships" xmlns:p="http://schemas.openxmlformats.org/presentationml/2006/main" showMasterSp="0" type="title" preserve="1">
   <p:cSld name="Title Slide">
     <p:spTree>
       <p:nvGrpSpPr>
@@ -135,15 +137,539 @@
           <a:chExt cx="0" cy="0"/>
         </a:xfrm>
       </p:grpSpPr>
-      <p:sp>
-        <p:nvSpPr>
-          <p:cNvPr id="2" name="Title 1">
-            <a:extLst>
-              <a:ext uri="{FF2B5EF4-FFF2-40B4-BE49-F238E27FC236}">
-                <a16:creationId xmlns:a16="http://schemas.microsoft.com/office/drawing/2014/main" id="{7129C8D4-E4BC-4BB4-9B51-2173E2EA7575}"/>
-              </a:ext>
-            </a:extLst>
-          </p:cNvPr>
+      <p:grpSp>
+        <p:nvGrpSpPr>
+          <p:cNvPr id="7" name="Group 6"/>
+          <p:cNvGrpSpPr/>
+          <p:nvPr/>
+        </p:nvGrpSpPr>
+        <p:grpSpPr>
+          <a:xfrm>
+            <a:off x="0" y="-8467"/>
+            <a:ext cx="12192000" cy="6866467"/>
+            <a:chOff x="0" y="-8467"/>
+            <a:chExt cx="12192000" cy="6866467"/>
+          </a:xfrm>
+        </p:grpSpPr>
+        <p:cxnSp>
+          <p:nvCxnSpPr>
+            <p:cNvPr id="32" name="Straight Connector 31"/>
+            <p:cNvCxnSpPr/>
+            <p:nvPr/>
+          </p:nvCxnSpPr>
+          <p:spPr>
+            <a:xfrm>
+              <a:off x="9371012" y="0"/>
+              <a:ext cx="1219200" cy="6858000"/>
+            </a:xfrm>
+            <a:prstGeom prst="line">
+              <a:avLst/>
+            </a:prstGeom>
+            <a:ln w="9525">
+              <a:solidFill>
+                <a:schemeClr val="bg1">
+                  <a:lumMod val="75000"/>
+                </a:schemeClr>
+              </a:solidFill>
+            </a:ln>
+          </p:spPr>
+          <p:style>
+            <a:lnRef idx="2">
+              <a:schemeClr val="accent1"/>
+            </a:lnRef>
+            <a:fillRef idx="0">
+              <a:schemeClr val="accent1"/>
+            </a:fillRef>
+            <a:effectRef idx="1">
+              <a:schemeClr val="accent1"/>
+            </a:effectRef>
+            <a:fontRef idx="minor">
+              <a:schemeClr val="tx1"/>
+            </a:fontRef>
+          </p:style>
+        </p:cxnSp>
+        <p:cxnSp>
+          <p:nvCxnSpPr>
+            <p:cNvPr id="21" name="Straight Connector 20"/>
+            <p:cNvCxnSpPr/>
+            <p:nvPr/>
+          </p:nvCxnSpPr>
+          <p:spPr>
+            <a:xfrm flipH="1">
+              <a:off x="7425267" y="3681413"/>
+              <a:ext cx="4763558" cy="3176587"/>
+            </a:xfrm>
+            <a:prstGeom prst="line">
+              <a:avLst/>
+            </a:prstGeom>
+            <a:ln w="9525">
+              <a:solidFill>
+                <a:schemeClr val="bg1">
+                  <a:lumMod val="85000"/>
+                </a:schemeClr>
+              </a:solidFill>
+            </a:ln>
+          </p:spPr>
+          <p:style>
+            <a:lnRef idx="2">
+              <a:schemeClr val="accent1"/>
+            </a:lnRef>
+            <a:fillRef idx="0">
+              <a:schemeClr val="accent1"/>
+            </a:fillRef>
+            <a:effectRef idx="1">
+              <a:schemeClr val="accent1"/>
+            </a:effectRef>
+            <a:fontRef idx="minor">
+              <a:schemeClr val="tx1"/>
+            </a:fontRef>
+          </p:style>
+        </p:cxnSp>
+        <p:sp>
+          <p:nvSpPr>
+            <p:cNvPr id="24" name="Rectangle 23"/>
+            <p:cNvSpPr/>
+            <p:nvPr/>
+          </p:nvSpPr>
+          <p:spPr>
+            <a:xfrm>
+              <a:off x="9181476" y="-8467"/>
+              <a:ext cx="3007349" cy="6866467"/>
+            </a:xfrm>
+            <a:custGeom>
+              <a:avLst/>
+              <a:gdLst/>
+              <a:ahLst/>
+              <a:cxnLst/>
+              <a:rect l="l" t="t" r="r" b="b"/>
+              <a:pathLst>
+                <a:path w="3007349" h="6866467">
+                  <a:moveTo>
+                    <a:pt x="2045532" y="0"/>
+                  </a:moveTo>
+                  <a:lnTo>
+                    <a:pt x="3007349" y="0"/>
+                  </a:lnTo>
+                  <a:lnTo>
+                    <a:pt x="3007349" y="6866467"/>
+                  </a:lnTo>
+                  <a:lnTo>
+                    <a:pt x="0" y="6866467"/>
+                  </a:lnTo>
+                  <a:lnTo>
+                    <a:pt x="2045532" y="0"/>
+                  </a:lnTo>
+                  <a:close/>
+                </a:path>
+              </a:pathLst>
+            </a:custGeom>
+            <a:solidFill>
+              <a:schemeClr val="accent1">
+                <a:alpha val="30000"/>
+              </a:schemeClr>
+            </a:solidFill>
+            <a:ln>
+              <a:noFill/>
+            </a:ln>
+            <a:effectLst/>
+          </p:spPr>
+          <p:style>
+            <a:lnRef idx="1">
+              <a:schemeClr val="accent1"/>
+            </a:lnRef>
+            <a:fillRef idx="3">
+              <a:schemeClr val="accent1"/>
+            </a:fillRef>
+            <a:effectRef idx="2">
+              <a:schemeClr val="accent1"/>
+            </a:effectRef>
+            <a:fontRef idx="minor">
+              <a:schemeClr val="lt1"/>
+            </a:fontRef>
+          </p:style>
+        </p:sp>
+        <p:sp>
+          <p:nvSpPr>
+            <p:cNvPr id="26" name="Rectangle 25"/>
+            <p:cNvSpPr/>
+            <p:nvPr/>
+          </p:nvSpPr>
+          <p:spPr>
+            <a:xfrm>
+              <a:off x="9603442" y="-8467"/>
+              <a:ext cx="2588558" cy="6866467"/>
+            </a:xfrm>
+            <a:custGeom>
+              <a:avLst/>
+              <a:gdLst/>
+              <a:ahLst/>
+              <a:cxnLst/>
+              <a:rect l="l" t="t" r="r" b="b"/>
+              <a:pathLst>
+                <a:path w="2573311" h="6866467">
+                  <a:moveTo>
+                    <a:pt x="0" y="0"/>
+                  </a:moveTo>
+                  <a:lnTo>
+                    <a:pt x="2573311" y="0"/>
+                  </a:lnTo>
+                  <a:lnTo>
+                    <a:pt x="2573311" y="6866467"/>
+                  </a:lnTo>
+                  <a:lnTo>
+                    <a:pt x="1202336" y="6866467"/>
+                  </a:lnTo>
+                  <a:lnTo>
+                    <a:pt x="0" y="0"/>
+                  </a:lnTo>
+                  <a:close/>
+                </a:path>
+              </a:pathLst>
+            </a:custGeom>
+            <a:solidFill>
+              <a:schemeClr val="accent1">
+                <a:alpha val="20000"/>
+              </a:schemeClr>
+            </a:solidFill>
+            <a:ln>
+              <a:noFill/>
+            </a:ln>
+            <a:effectLst/>
+          </p:spPr>
+          <p:style>
+            <a:lnRef idx="1">
+              <a:schemeClr val="accent1"/>
+            </a:lnRef>
+            <a:fillRef idx="3">
+              <a:schemeClr val="accent1"/>
+            </a:fillRef>
+            <a:effectRef idx="2">
+              <a:schemeClr val="accent1"/>
+            </a:effectRef>
+            <a:fontRef idx="minor">
+              <a:schemeClr val="lt1"/>
+            </a:fontRef>
+          </p:style>
+        </p:sp>
+        <p:sp>
+          <p:nvSpPr>
+            <p:cNvPr id="27" name="Isosceles Triangle 26"/>
+            <p:cNvSpPr/>
+            <p:nvPr/>
+          </p:nvSpPr>
+          <p:spPr>
+            <a:xfrm>
+              <a:off x="8932333" y="3048000"/>
+              <a:ext cx="3259667" cy="3810000"/>
+            </a:xfrm>
+            <a:prstGeom prst="triangle">
+              <a:avLst>
+                <a:gd name="adj" fmla="val 100000"/>
+              </a:avLst>
+            </a:prstGeom>
+            <a:solidFill>
+              <a:schemeClr val="accent2">
+                <a:alpha val="72000"/>
+              </a:schemeClr>
+            </a:solidFill>
+            <a:ln>
+              <a:noFill/>
+            </a:ln>
+            <a:effectLst/>
+          </p:spPr>
+          <p:style>
+            <a:lnRef idx="1">
+              <a:schemeClr val="accent1"/>
+            </a:lnRef>
+            <a:fillRef idx="3">
+              <a:schemeClr val="accent1"/>
+            </a:fillRef>
+            <a:effectRef idx="2">
+              <a:schemeClr val="accent1"/>
+            </a:effectRef>
+            <a:fontRef idx="minor">
+              <a:schemeClr val="lt1"/>
+            </a:fontRef>
+          </p:style>
+        </p:sp>
+        <p:sp>
+          <p:nvSpPr>
+            <p:cNvPr id="28" name="Rectangle 27"/>
+            <p:cNvSpPr/>
+            <p:nvPr/>
+          </p:nvSpPr>
+          <p:spPr>
+            <a:xfrm>
+              <a:off x="9334500" y="-8467"/>
+              <a:ext cx="2854326" cy="6866467"/>
+            </a:xfrm>
+            <a:custGeom>
+              <a:avLst/>
+              <a:gdLst/>
+              <a:ahLst/>
+              <a:cxnLst/>
+              <a:rect l="l" t="t" r="r" b="b"/>
+              <a:pathLst>
+                <a:path w="2858013" h="6866467">
+                  <a:moveTo>
+                    <a:pt x="0" y="0"/>
+                  </a:moveTo>
+                  <a:lnTo>
+                    <a:pt x="2858013" y="0"/>
+                  </a:lnTo>
+                  <a:lnTo>
+                    <a:pt x="2858013" y="6866467"/>
+                  </a:lnTo>
+                  <a:lnTo>
+                    <a:pt x="2473942" y="6866467"/>
+                  </a:lnTo>
+                  <a:lnTo>
+                    <a:pt x="0" y="0"/>
+                  </a:lnTo>
+                  <a:close/>
+                </a:path>
+              </a:pathLst>
+            </a:custGeom>
+            <a:solidFill>
+              <a:schemeClr val="accent2">
+                <a:lumMod val="75000"/>
+                <a:alpha val="70000"/>
+              </a:schemeClr>
+            </a:solidFill>
+            <a:ln>
+              <a:noFill/>
+            </a:ln>
+            <a:effectLst/>
+          </p:spPr>
+          <p:style>
+            <a:lnRef idx="1">
+              <a:schemeClr val="accent1"/>
+            </a:lnRef>
+            <a:fillRef idx="3">
+              <a:schemeClr val="accent1"/>
+            </a:fillRef>
+            <a:effectRef idx="2">
+              <a:schemeClr val="accent1"/>
+            </a:effectRef>
+            <a:fontRef idx="minor">
+              <a:schemeClr val="lt1"/>
+            </a:fontRef>
+          </p:style>
+        </p:sp>
+        <p:sp>
+          <p:nvSpPr>
+            <p:cNvPr id="29" name="Rectangle 28"/>
+            <p:cNvSpPr/>
+            <p:nvPr/>
+          </p:nvSpPr>
+          <p:spPr>
+            <a:xfrm>
+              <a:off x="10898730" y="-8467"/>
+              <a:ext cx="1290094" cy="6866467"/>
+            </a:xfrm>
+            <a:custGeom>
+              <a:avLst/>
+              <a:gdLst/>
+              <a:ahLst/>
+              <a:cxnLst/>
+              <a:rect l="l" t="t" r="r" b="b"/>
+              <a:pathLst>
+                <a:path w="1290094" h="6858000">
+                  <a:moveTo>
+                    <a:pt x="1019735" y="0"/>
+                  </a:moveTo>
+                  <a:lnTo>
+                    <a:pt x="1290094" y="0"/>
+                  </a:lnTo>
+                  <a:lnTo>
+                    <a:pt x="1290094" y="6858000"/>
+                  </a:lnTo>
+                  <a:lnTo>
+                    <a:pt x="0" y="6858000"/>
+                  </a:lnTo>
+                  <a:lnTo>
+                    <a:pt x="1019735" y="0"/>
+                  </a:lnTo>
+                  <a:close/>
+                </a:path>
+              </a:pathLst>
+            </a:custGeom>
+            <a:solidFill>
+              <a:schemeClr val="accent1">
+                <a:lumMod val="60000"/>
+                <a:lumOff val="40000"/>
+                <a:alpha val="70000"/>
+              </a:schemeClr>
+            </a:solidFill>
+            <a:ln>
+              <a:noFill/>
+            </a:ln>
+            <a:effectLst/>
+          </p:spPr>
+          <p:style>
+            <a:lnRef idx="1">
+              <a:schemeClr val="accent1"/>
+            </a:lnRef>
+            <a:fillRef idx="3">
+              <a:schemeClr val="accent1"/>
+            </a:fillRef>
+            <a:effectRef idx="2">
+              <a:schemeClr val="accent1"/>
+            </a:effectRef>
+            <a:fontRef idx="minor">
+              <a:schemeClr val="lt1"/>
+            </a:fontRef>
+          </p:style>
+        </p:sp>
+        <p:sp>
+          <p:nvSpPr>
+            <p:cNvPr id="30" name="Rectangle 29"/>
+            <p:cNvSpPr/>
+            <p:nvPr/>
+          </p:nvSpPr>
+          <p:spPr>
+            <a:xfrm>
+              <a:off x="10938999" y="-8467"/>
+              <a:ext cx="1249825" cy="6866467"/>
+            </a:xfrm>
+            <a:custGeom>
+              <a:avLst/>
+              <a:gdLst/>
+              <a:ahLst/>
+              <a:cxnLst/>
+              <a:rect l="l" t="t" r="r" b="b"/>
+              <a:pathLst>
+                <a:path w="1249825" h="6858000">
+                  <a:moveTo>
+                    <a:pt x="0" y="0"/>
+                  </a:moveTo>
+                  <a:lnTo>
+                    <a:pt x="1249825" y="0"/>
+                  </a:lnTo>
+                  <a:lnTo>
+                    <a:pt x="1249825" y="6858000"/>
+                  </a:lnTo>
+                  <a:lnTo>
+                    <a:pt x="1109382" y="6858000"/>
+                  </a:lnTo>
+                  <a:lnTo>
+                    <a:pt x="0" y="0"/>
+                  </a:lnTo>
+                  <a:close/>
+                </a:path>
+              </a:pathLst>
+            </a:custGeom>
+            <a:solidFill>
+              <a:schemeClr val="accent1">
+                <a:alpha val="65000"/>
+              </a:schemeClr>
+            </a:solidFill>
+            <a:ln>
+              <a:noFill/>
+            </a:ln>
+            <a:effectLst/>
+          </p:spPr>
+          <p:style>
+            <a:lnRef idx="1">
+              <a:schemeClr val="accent1"/>
+            </a:lnRef>
+            <a:fillRef idx="3">
+              <a:schemeClr val="accent1"/>
+            </a:fillRef>
+            <a:effectRef idx="2">
+              <a:schemeClr val="accent1"/>
+            </a:effectRef>
+            <a:fontRef idx="minor">
+              <a:schemeClr val="lt1"/>
+            </a:fontRef>
+          </p:style>
+        </p:sp>
+        <p:sp>
+          <p:nvSpPr>
+            <p:cNvPr id="31" name="Isosceles Triangle 30"/>
+            <p:cNvSpPr/>
+            <p:nvPr/>
+          </p:nvSpPr>
+          <p:spPr>
+            <a:xfrm>
+              <a:off x="10371666" y="3589867"/>
+              <a:ext cx="1817159" cy="3268133"/>
+            </a:xfrm>
+            <a:prstGeom prst="triangle">
+              <a:avLst>
+                <a:gd name="adj" fmla="val 100000"/>
+              </a:avLst>
+            </a:prstGeom>
+            <a:solidFill>
+              <a:schemeClr val="accent1">
+                <a:alpha val="80000"/>
+              </a:schemeClr>
+            </a:solidFill>
+            <a:ln>
+              <a:noFill/>
+            </a:ln>
+            <a:effectLst/>
+          </p:spPr>
+          <p:style>
+            <a:lnRef idx="1">
+              <a:schemeClr val="accent1"/>
+            </a:lnRef>
+            <a:fillRef idx="3">
+              <a:schemeClr val="accent1"/>
+            </a:fillRef>
+            <a:effectRef idx="2">
+              <a:schemeClr val="accent1"/>
+            </a:effectRef>
+            <a:fontRef idx="minor">
+              <a:schemeClr val="lt1"/>
+            </a:fontRef>
+          </p:style>
+        </p:sp>
+        <p:sp>
+          <p:nvSpPr>
+            <p:cNvPr id="19" name="Isosceles Triangle 18"/>
+            <p:cNvSpPr/>
+            <p:nvPr/>
+          </p:nvSpPr>
+          <p:spPr>
+            <a:xfrm rot="10800000">
+              <a:off x="0" y="0"/>
+              <a:ext cx="842596" cy="5666154"/>
+            </a:xfrm>
+            <a:prstGeom prst="triangle">
+              <a:avLst>
+                <a:gd name="adj" fmla="val 100000"/>
+              </a:avLst>
+            </a:prstGeom>
+            <a:solidFill>
+              <a:schemeClr val="accent1">
+                <a:alpha val="85000"/>
+              </a:schemeClr>
+            </a:solidFill>
+            <a:ln>
+              <a:noFill/>
+            </a:ln>
+            <a:effectLst/>
+          </p:spPr>
+          <p:style>
+            <a:lnRef idx="1">
+              <a:schemeClr val="accent1"/>
+            </a:lnRef>
+            <a:fillRef idx="3">
+              <a:schemeClr val="accent1"/>
+            </a:fillRef>
+            <a:effectRef idx="2">
+              <a:schemeClr val="accent1"/>
+            </a:effectRef>
+            <a:fontRef idx="minor">
+              <a:schemeClr val="lt1"/>
+            </a:fontRef>
+          </p:style>
+        </p:sp>
+      </p:grpSp>
+      <p:sp>
+        <p:nvSpPr>
+          <p:cNvPr id="2" name="Title 1"/>
           <p:cNvSpPr>
             <a:spLocks noGrp="1"/>
           </p:cNvSpPr>
@@ -153,15 +679,21 @@
         </p:nvSpPr>
         <p:spPr>
           <a:xfrm>
-            <a:off x="1524000" y="1122363"/>
-            <a:ext cx="9144000" cy="2387600"/>
+            <a:off x="1507067" y="2404534"/>
+            <a:ext cx="7766936" cy="1646302"/>
           </a:xfrm>
         </p:spPr>
         <p:txBody>
-          <a:bodyPr anchor="b"/>
+          <a:bodyPr anchor="b">
+            <a:noAutofit/>
+          </a:bodyPr>
           <a:lstStyle>
-            <a:lvl1pPr algn="ctr">
-              <a:defRPr sz="6000"/>
+            <a:lvl1pPr algn="r">
+              <a:defRPr sz="5400">
+                <a:solidFill>
+                  <a:schemeClr val="accent1"/>
+                </a:solidFill>
+              </a:defRPr>
             </a:lvl1pPr>
           </a:lstStyle>
           <a:p>
@@ -169,19 +701,13 @@
               <a:rPr lang="en-US"/>
               <a:t>Click to edit Master title style</a:t>
             </a:r>
-            <a:endParaRPr lang="it-IT"/>
-          </a:p>
-        </p:txBody>
-      </p:sp>
-      <p:sp>
-        <p:nvSpPr>
-          <p:cNvPr id="3" name="Subtitle 2">
-            <a:extLst>
-              <a:ext uri="{FF2B5EF4-FFF2-40B4-BE49-F238E27FC236}">
-                <a16:creationId xmlns:a16="http://schemas.microsoft.com/office/drawing/2014/main" id="{4657849A-C524-4A62-8BE2-365896C64CC4}"/>
-              </a:ext>
-            </a:extLst>
-          </p:cNvPr>
+            <a:endParaRPr lang="en-US" dirty="0"/>
+          </a:p>
+        </p:txBody>
+      </p:sp>
+      <p:sp>
+        <p:nvSpPr>
+          <p:cNvPr id="3" name="Subtitle 2"/>
           <p:cNvSpPr>
             <a:spLocks noGrp="1"/>
           </p:cNvSpPr>
@@ -191,48 +717,103 @@
         </p:nvSpPr>
         <p:spPr>
           <a:xfrm>
-            <a:off x="1524000" y="3602038"/>
-            <a:ext cx="9144000" cy="1655762"/>
+            <a:off x="1507067" y="4050833"/>
+            <a:ext cx="7766936" cy="1096899"/>
           </a:xfrm>
         </p:spPr>
         <p:txBody>
-          <a:bodyPr/>
+          <a:bodyPr anchor="t"/>
           <a:lstStyle>
-            <a:lvl1pPr marL="0" indent="0" algn="ctr">
-              <a:buNone/>
-              <a:defRPr sz="2400"/>
+            <a:lvl1pPr marL="0" indent="0" algn="r">
+              <a:buNone/>
+              <a:defRPr>
+                <a:solidFill>
+                  <a:schemeClr val="tx1">
+                    <a:lumMod val="50000"/>
+                    <a:lumOff val="50000"/>
+                  </a:schemeClr>
+                </a:solidFill>
+              </a:defRPr>
             </a:lvl1pPr>
             <a:lvl2pPr marL="457200" indent="0" algn="ctr">
               <a:buNone/>
-              <a:defRPr sz="2000"/>
+              <a:defRPr>
+                <a:solidFill>
+                  <a:schemeClr val="tx1">
+                    <a:tint val="75000"/>
+                  </a:schemeClr>
+                </a:solidFill>
+              </a:defRPr>
             </a:lvl2pPr>
             <a:lvl3pPr marL="914400" indent="0" algn="ctr">
               <a:buNone/>
-              <a:defRPr sz="1800"/>
+              <a:defRPr>
+                <a:solidFill>
+                  <a:schemeClr val="tx1">
+                    <a:tint val="75000"/>
+                  </a:schemeClr>
+                </a:solidFill>
+              </a:defRPr>
             </a:lvl3pPr>
             <a:lvl4pPr marL="1371600" indent="0" algn="ctr">
               <a:buNone/>
-              <a:defRPr sz="1600"/>
+              <a:defRPr>
+                <a:solidFill>
+                  <a:schemeClr val="tx1">
+                    <a:tint val="75000"/>
+                  </a:schemeClr>
+                </a:solidFill>
+              </a:defRPr>
             </a:lvl4pPr>
             <a:lvl5pPr marL="1828800" indent="0" algn="ctr">
               <a:buNone/>
-              <a:defRPr sz="1600"/>
+              <a:defRPr>
+                <a:solidFill>
+                  <a:schemeClr val="tx1">
+                    <a:tint val="75000"/>
+                  </a:schemeClr>
+                </a:solidFill>
+              </a:defRPr>
             </a:lvl5pPr>
             <a:lvl6pPr marL="2286000" indent="0" algn="ctr">
               <a:buNone/>
-              <a:defRPr sz="1600"/>
+              <a:defRPr>
+                <a:solidFill>
+                  <a:schemeClr val="tx1">
+                    <a:tint val="75000"/>
+                  </a:schemeClr>
+                </a:solidFill>
+              </a:defRPr>
             </a:lvl6pPr>
             <a:lvl7pPr marL="2743200" indent="0" algn="ctr">
               <a:buNone/>
-              <a:defRPr sz="1600"/>
+              <a:defRPr>
+                <a:solidFill>
+                  <a:schemeClr val="tx1">
+                    <a:tint val="75000"/>
+                  </a:schemeClr>
+                </a:solidFill>
+              </a:defRPr>
             </a:lvl7pPr>
             <a:lvl8pPr marL="3200400" indent="0" algn="ctr">
               <a:buNone/>
-              <a:defRPr sz="1600"/>
+              <a:defRPr>
+                <a:solidFill>
+                  <a:schemeClr val="tx1">
+                    <a:tint val="75000"/>
+                  </a:schemeClr>
+                </a:solidFill>
+              </a:defRPr>
             </a:lvl8pPr>
             <a:lvl9pPr marL="3657600" indent="0" algn="ctr">
               <a:buNone/>
-              <a:defRPr sz="1600"/>
+              <a:defRPr>
+                <a:solidFill>
+                  <a:schemeClr val="tx1">
+                    <a:tint val="75000"/>
+                  </a:schemeClr>
+                </a:solidFill>
+              </a:defRPr>
             </a:lvl9pPr>
           </a:lstStyle>
           <a:p>
@@ -240,19 +821,13 @@
               <a:rPr lang="en-US"/>
               <a:t>Click to edit Master subtitle style</a:t>
             </a:r>
-            <a:endParaRPr lang="it-IT"/>
-          </a:p>
-        </p:txBody>
-      </p:sp>
-      <p:sp>
-        <p:nvSpPr>
-          <p:cNvPr id="4" name="Date Placeholder 3">
-            <a:extLst>
-              <a:ext uri="{FF2B5EF4-FFF2-40B4-BE49-F238E27FC236}">
-                <a16:creationId xmlns:a16="http://schemas.microsoft.com/office/drawing/2014/main" id="{093CDBFC-2756-44BE-A890-BD05C608C19A}"/>
-              </a:ext>
-            </a:extLst>
-          </p:cNvPr>
+            <a:endParaRPr lang="en-US" dirty="0"/>
+          </a:p>
+        </p:txBody>
+      </p:sp>
+      <p:sp>
+        <p:nvSpPr>
+          <p:cNvPr id="4" name="Date Placeholder 3"/>
           <p:cNvSpPr>
             <a:spLocks noGrp="1"/>
           </p:cNvSpPr>
@@ -267,7 +842,7 @@
           <a:p>
             <a:fld id="{3EE63B68-DE22-4FED-B712-512938807F67}" type="datetimeFigureOut">
               <a:rPr lang="it-IT" smtClean="0"/>
-              <a:t>10/07/2018</a:t>
+              <a:t>15/07/2018</a:t>
             </a:fld>
             <a:endParaRPr lang="it-IT"/>
           </a:p>
@@ -275,13 +850,7 @@
       </p:sp>
       <p:sp>
         <p:nvSpPr>
-          <p:cNvPr id="5" name="Footer Placeholder 4">
-            <a:extLst>
-              <a:ext uri="{FF2B5EF4-FFF2-40B4-BE49-F238E27FC236}">
-                <a16:creationId xmlns:a16="http://schemas.microsoft.com/office/drawing/2014/main" id="{3A67BED8-F8A2-4954-B616-F8C423BB5F93}"/>
-              </a:ext>
-            </a:extLst>
-          </p:cNvPr>
+          <p:cNvPr id="5" name="Footer Placeholder 4"/>
           <p:cNvSpPr>
             <a:spLocks noGrp="1"/>
           </p:cNvSpPr>
@@ -300,13 +869,7 @@
       </p:sp>
       <p:sp>
         <p:nvSpPr>
-          <p:cNvPr id="6" name="Slide Number Placeholder 5">
-            <a:extLst>
-              <a:ext uri="{FF2B5EF4-FFF2-40B4-BE49-F238E27FC236}">
-                <a16:creationId xmlns:a16="http://schemas.microsoft.com/office/drawing/2014/main" id="{E41F1A8E-1684-44B9-9BA9-A336B1CB9997}"/>
-              </a:ext>
-            </a:extLst>
-          </p:cNvPr>
+          <p:cNvPr id="6" name="Slide Number Placeholder 5"/>
           <p:cNvSpPr>
             <a:spLocks noGrp="1"/>
           </p:cNvSpPr>
@@ -330,7 +893,7 @@
     </p:spTree>
     <p:extLst>
       <p:ext uri="{BB962C8B-B14F-4D97-AF65-F5344CB8AC3E}">
-        <p14:creationId xmlns:p14="http://schemas.microsoft.com/office/powerpoint/2010/main" val="1842894751"/>
+        <p14:creationId xmlns:p14="http://schemas.microsoft.com/office/powerpoint/2010/main" val="2104970621"/>
       </p:ext>
     </p:extLst>
   </p:cSld>
@@ -341,6 +904,1619 @@
 </file>
 
 <file path=ppt/slideLayouts/slideLayout10.xml><?xml version="1.0" encoding="utf-8"?>
+<p:sldLayout xmlns:a="http://schemas.openxmlformats.org/drawingml/2006/main" xmlns:r="http://schemas.openxmlformats.org/officeDocument/2006/relationships" xmlns:p="http://schemas.openxmlformats.org/presentationml/2006/main" preserve="1">
+  <p:cSld name="Title and Caption">
+    <p:spTree>
+      <p:nvGrpSpPr>
+        <p:cNvPr id="1" name=""/>
+        <p:cNvGrpSpPr/>
+        <p:nvPr/>
+      </p:nvGrpSpPr>
+      <p:grpSpPr>
+        <a:xfrm>
+          <a:off x="0" y="0"/>
+          <a:ext cx="0" cy="0"/>
+          <a:chOff x="0" y="0"/>
+          <a:chExt cx="0" cy="0"/>
+        </a:xfrm>
+      </p:grpSpPr>
+      <p:sp>
+        <p:nvSpPr>
+          <p:cNvPr id="2" name="Title 1"/>
+          <p:cNvSpPr>
+            <a:spLocks noGrp="1"/>
+          </p:cNvSpPr>
+          <p:nvPr>
+            <p:ph type="title"/>
+          </p:nvPr>
+        </p:nvSpPr>
+        <p:spPr>
+          <a:xfrm>
+            <a:off x="677335" y="609600"/>
+            <a:ext cx="8596668" cy="3403600"/>
+          </a:xfrm>
+        </p:spPr>
+        <p:txBody>
+          <a:bodyPr anchor="ctr">
+            <a:normAutofit/>
+          </a:bodyPr>
+          <a:lstStyle>
+            <a:lvl1pPr algn="l">
+              <a:defRPr sz="4400" b="0" cap="none"/>
+            </a:lvl1pPr>
+          </a:lstStyle>
+          <a:p>
+            <a:r>
+              <a:rPr lang="en-US"/>
+              <a:t>Click to edit Master title style</a:t>
+            </a:r>
+            <a:endParaRPr lang="en-US" dirty="0"/>
+          </a:p>
+        </p:txBody>
+      </p:sp>
+      <p:sp>
+        <p:nvSpPr>
+          <p:cNvPr id="3" name="Text Placeholder 2"/>
+          <p:cNvSpPr>
+            <a:spLocks noGrp="1"/>
+          </p:cNvSpPr>
+          <p:nvPr>
+            <p:ph type="body" idx="1"/>
+          </p:nvPr>
+        </p:nvSpPr>
+        <p:spPr>
+          <a:xfrm>
+            <a:off x="677335" y="4470400"/>
+            <a:ext cx="8596668" cy="1570962"/>
+          </a:xfrm>
+        </p:spPr>
+        <p:txBody>
+          <a:bodyPr anchor="ctr">
+            <a:normAutofit/>
+          </a:bodyPr>
+          <a:lstStyle>
+            <a:lvl1pPr marL="0" indent="0" algn="l">
+              <a:buNone/>
+              <a:defRPr sz="1800">
+                <a:solidFill>
+                  <a:schemeClr val="tx1">
+                    <a:lumMod val="75000"/>
+                    <a:lumOff val="25000"/>
+                  </a:schemeClr>
+                </a:solidFill>
+              </a:defRPr>
+            </a:lvl1pPr>
+            <a:lvl2pPr marL="457200" indent="0">
+              <a:buNone/>
+              <a:defRPr sz="1800">
+                <a:solidFill>
+                  <a:schemeClr val="tx1">
+                    <a:tint val="75000"/>
+                  </a:schemeClr>
+                </a:solidFill>
+              </a:defRPr>
+            </a:lvl2pPr>
+            <a:lvl3pPr marL="914400" indent="0">
+              <a:buNone/>
+              <a:defRPr sz="1600">
+                <a:solidFill>
+                  <a:schemeClr val="tx1">
+                    <a:tint val="75000"/>
+                  </a:schemeClr>
+                </a:solidFill>
+              </a:defRPr>
+            </a:lvl3pPr>
+            <a:lvl4pPr marL="1371600" indent="0">
+              <a:buNone/>
+              <a:defRPr sz="1400">
+                <a:solidFill>
+                  <a:schemeClr val="tx1">
+                    <a:tint val="75000"/>
+                  </a:schemeClr>
+                </a:solidFill>
+              </a:defRPr>
+            </a:lvl4pPr>
+            <a:lvl5pPr marL="1828800" indent="0">
+              <a:buNone/>
+              <a:defRPr sz="1400">
+                <a:solidFill>
+                  <a:schemeClr val="tx1">
+                    <a:tint val="75000"/>
+                  </a:schemeClr>
+                </a:solidFill>
+              </a:defRPr>
+            </a:lvl5pPr>
+            <a:lvl6pPr marL="2286000" indent="0">
+              <a:buNone/>
+              <a:defRPr sz="1400">
+                <a:solidFill>
+                  <a:schemeClr val="tx1">
+                    <a:tint val="75000"/>
+                  </a:schemeClr>
+                </a:solidFill>
+              </a:defRPr>
+            </a:lvl6pPr>
+            <a:lvl7pPr marL="2743200" indent="0">
+              <a:buNone/>
+              <a:defRPr sz="1400">
+                <a:solidFill>
+                  <a:schemeClr val="tx1">
+                    <a:tint val="75000"/>
+                  </a:schemeClr>
+                </a:solidFill>
+              </a:defRPr>
+            </a:lvl7pPr>
+            <a:lvl8pPr marL="3200400" indent="0">
+              <a:buNone/>
+              <a:defRPr sz="1400">
+                <a:solidFill>
+                  <a:schemeClr val="tx1">
+                    <a:tint val="75000"/>
+                  </a:schemeClr>
+                </a:solidFill>
+              </a:defRPr>
+            </a:lvl8pPr>
+            <a:lvl9pPr marL="3657600" indent="0">
+              <a:buNone/>
+              <a:defRPr sz="1400">
+                <a:solidFill>
+                  <a:schemeClr val="tx1">
+                    <a:tint val="75000"/>
+                  </a:schemeClr>
+                </a:solidFill>
+              </a:defRPr>
+            </a:lvl9pPr>
+          </a:lstStyle>
+          <a:p>
+            <a:pPr lvl="0"/>
+            <a:r>
+              <a:rPr lang="en-US"/>
+              <a:t>Edit Master text styles</a:t>
+            </a:r>
+          </a:p>
+        </p:txBody>
+      </p:sp>
+      <p:sp>
+        <p:nvSpPr>
+          <p:cNvPr id="4" name="Date Placeholder 3"/>
+          <p:cNvSpPr>
+            <a:spLocks noGrp="1"/>
+          </p:cNvSpPr>
+          <p:nvPr>
+            <p:ph type="dt" sz="half" idx="10"/>
+          </p:nvPr>
+        </p:nvSpPr>
+        <p:spPr/>
+        <p:txBody>
+          <a:bodyPr/>
+          <a:lstStyle/>
+          <a:p>
+            <a:fld id="{3EE63B68-DE22-4FED-B712-512938807F67}" type="datetimeFigureOut">
+              <a:rPr lang="it-IT" smtClean="0"/>
+              <a:t>15/07/2018</a:t>
+            </a:fld>
+            <a:endParaRPr lang="it-IT"/>
+          </a:p>
+        </p:txBody>
+      </p:sp>
+      <p:sp>
+        <p:nvSpPr>
+          <p:cNvPr id="5" name="Footer Placeholder 4"/>
+          <p:cNvSpPr>
+            <a:spLocks noGrp="1"/>
+          </p:cNvSpPr>
+          <p:nvPr>
+            <p:ph type="ftr" sz="quarter" idx="11"/>
+          </p:nvPr>
+        </p:nvSpPr>
+        <p:spPr/>
+        <p:txBody>
+          <a:bodyPr/>
+          <a:lstStyle/>
+          <a:p>
+            <a:endParaRPr lang="it-IT"/>
+          </a:p>
+        </p:txBody>
+      </p:sp>
+      <p:sp>
+        <p:nvSpPr>
+          <p:cNvPr id="6" name="Slide Number Placeholder 5"/>
+          <p:cNvSpPr>
+            <a:spLocks noGrp="1"/>
+          </p:cNvSpPr>
+          <p:nvPr>
+            <p:ph type="sldNum" sz="quarter" idx="12"/>
+          </p:nvPr>
+        </p:nvSpPr>
+        <p:spPr/>
+        <p:txBody>
+          <a:bodyPr/>
+          <a:lstStyle/>
+          <a:p>
+            <a:fld id="{E8AAA38B-53BF-4A81-B622-EA5020151E25}" type="slidenum">
+              <a:rPr lang="it-IT" smtClean="0"/>
+              <a:t>‹#›</a:t>
+            </a:fld>
+            <a:endParaRPr lang="it-IT"/>
+          </a:p>
+        </p:txBody>
+      </p:sp>
+    </p:spTree>
+    <p:extLst>
+      <p:ext uri="{BB962C8B-B14F-4D97-AF65-F5344CB8AC3E}">
+        <p14:creationId xmlns:p14="http://schemas.microsoft.com/office/powerpoint/2010/main" val="2581990391"/>
+      </p:ext>
+    </p:extLst>
+  </p:cSld>
+  <p:clrMapOvr>
+    <a:masterClrMapping/>
+  </p:clrMapOvr>
+</p:sldLayout>
+</file>
+
+<file path=ppt/slideLayouts/slideLayout11.xml><?xml version="1.0" encoding="utf-8"?>
+<p:sldLayout xmlns:a="http://schemas.openxmlformats.org/drawingml/2006/main" xmlns:r="http://schemas.openxmlformats.org/officeDocument/2006/relationships" xmlns:p="http://schemas.openxmlformats.org/presentationml/2006/main" preserve="1">
+  <p:cSld name="Quote with Caption">
+    <p:spTree>
+      <p:nvGrpSpPr>
+        <p:cNvPr id="1" name=""/>
+        <p:cNvGrpSpPr/>
+        <p:nvPr/>
+      </p:nvGrpSpPr>
+      <p:grpSpPr>
+        <a:xfrm>
+          <a:off x="0" y="0"/>
+          <a:ext cx="0" cy="0"/>
+          <a:chOff x="0" y="0"/>
+          <a:chExt cx="0" cy="0"/>
+        </a:xfrm>
+      </p:grpSpPr>
+      <p:sp>
+        <p:nvSpPr>
+          <p:cNvPr id="2" name="Title 1"/>
+          <p:cNvSpPr>
+            <a:spLocks noGrp="1"/>
+          </p:cNvSpPr>
+          <p:nvPr>
+            <p:ph type="title"/>
+          </p:nvPr>
+        </p:nvSpPr>
+        <p:spPr>
+          <a:xfrm>
+            <a:off x="931334" y="609600"/>
+            <a:ext cx="8094134" cy="3022600"/>
+          </a:xfrm>
+        </p:spPr>
+        <p:txBody>
+          <a:bodyPr anchor="ctr">
+            <a:normAutofit/>
+          </a:bodyPr>
+          <a:lstStyle>
+            <a:lvl1pPr algn="l">
+              <a:defRPr sz="4400" b="0" cap="none"/>
+            </a:lvl1pPr>
+          </a:lstStyle>
+          <a:p>
+            <a:r>
+              <a:rPr lang="en-US"/>
+              <a:t>Click to edit Master title style</a:t>
+            </a:r>
+            <a:endParaRPr lang="en-US" dirty="0"/>
+          </a:p>
+        </p:txBody>
+      </p:sp>
+      <p:sp>
+        <p:nvSpPr>
+          <p:cNvPr id="23" name="Text Placeholder 9"/>
+          <p:cNvSpPr>
+            <a:spLocks noGrp="1"/>
+          </p:cNvSpPr>
+          <p:nvPr>
+            <p:ph type="body" sz="quarter" idx="13"/>
+          </p:nvPr>
+        </p:nvSpPr>
+        <p:spPr>
+          <a:xfrm>
+            <a:off x="1366139" y="3632200"/>
+            <a:ext cx="7224524" cy="381000"/>
+          </a:xfrm>
+        </p:spPr>
+        <p:txBody>
+          <a:bodyPr anchor="ctr">
+            <a:noAutofit/>
+          </a:bodyPr>
+          <a:lstStyle>
+            <a:lvl1pPr marL="0" indent="0">
+              <a:buFontTx/>
+              <a:buNone/>
+              <a:defRPr sz="1600">
+                <a:solidFill>
+                  <a:schemeClr val="tx1">
+                    <a:lumMod val="50000"/>
+                    <a:lumOff val="50000"/>
+                  </a:schemeClr>
+                </a:solidFill>
+              </a:defRPr>
+            </a:lvl1pPr>
+            <a:lvl2pPr marL="457200" indent="0">
+              <a:buFontTx/>
+              <a:buNone/>
+              <a:defRPr/>
+            </a:lvl2pPr>
+            <a:lvl3pPr marL="914400" indent="0">
+              <a:buFontTx/>
+              <a:buNone/>
+              <a:defRPr/>
+            </a:lvl3pPr>
+            <a:lvl4pPr marL="1371600" indent="0">
+              <a:buFontTx/>
+              <a:buNone/>
+              <a:defRPr/>
+            </a:lvl4pPr>
+            <a:lvl5pPr marL="1828800" indent="0">
+              <a:buFontTx/>
+              <a:buNone/>
+              <a:defRPr/>
+            </a:lvl5pPr>
+          </a:lstStyle>
+          <a:p>
+            <a:pPr lvl="0"/>
+            <a:r>
+              <a:rPr lang="en-US"/>
+              <a:t>Edit Master text styles</a:t>
+            </a:r>
+          </a:p>
+        </p:txBody>
+      </p:sp>
+      <p:sp>
+        <p:nvSpPr>
+          <p:cNvPr id="3" name="Text Placeholder 2"/>
+          <p:cNvSpPr>
+            <a:spLocks noGrp="1"/>
+          </p:cNvSpPr>
+          <p:nvPr>
+            <p:ph type="body" idx="1"/>
+          </p:nvPr>
+        </p:nvSpPr>
+        <p:spPr>
+          <a:xfrm>
+            <a:off x="677335" y="4470400"/>
+            <a:ext cx="8596668" cy="1570962"/>
+          </a:xfrm>
+        </p:spPr>
+        <p:txBody>
+          <a:bodyPr anchor="ctr">
+            <a:normAutofit/>
+          </a:bodyPr>
+          <a:lstStyle>
+            <a:lvl1pPr marL="0" indent="0" algn="l">
+              <a:buNone/>
+              <a:defRPr sz="1800">
+                <a:solidFill>
+                  <a:schemeClr val="tx1">
+                    <a:lumMod val="75000"/>
+                    <a:lumOff val="25000"/>
+                  </a:schemeClr>
+                </a:solidFill>
+              </a:defRPr>
+            </a:lvl1pPr>
+            <a:lvl2pPr marL="457200" indent="0">
+              <a:buNone/>
+              <a:defRPr sz="1800">
+                <a:solidFill>
+                  <a:schemeClr val="tx1">
+                    <a:tint val="75000"/>
+                  </a:schemeClr>
+                </a:solidFill>
+              </a:defRPr>
+            </a:lvl2pPr>
+            <a:lvl3pPr marL="914400" indent="0">
+              <a:buNone/>
+              <a:defRPr sz="1600">
+                <a:solidFill>
+                  <a:schemeClr val="tx1">
+                    <a:tint val="75000"/>
+                  </a:schemeClr>
+                </a:solidFill>
+              </a:defRPr>
+            </a:lvl3pPr>
+            <a:lvl4pPr marL="1371600" indent="0">
+              <a:buNone/>
+              <a:defRPr sz="1400">
+                <a:solidFill>
+                  <a:schemeClr val="tx1">
+                    <a:tint val="75000"/>
+                  </a:schemeClr>
+                </a:solidFill>
+              </a:defRPr>
+            </a:lvl4pPr>
+            <a:lvl5pPr marL="1828800" indent="0">
+              <a:buNone/>
+              <a:defRPr sz="1400">
+                <a:solidFill>
+                  <a:schemeClr val="tx1">
+                    <a:tint val="75000"/>
+                  </a:schemeClr>
+                </a:solidFill>
+              </a:defRPr>
+            </a:lvl5pPr>
+            <a:lvl6pPr marL="2286000" indent="0">
+              <a:buNone/>
+              <a:defRPr sz="1400">
+                <a:solidFill>
+                  <a:schemeClr val="tx1">
+                    <a:tint val="75000"/>
+                  </a:schemeClr>
+                </a:solidFill>
+              </a:defRPr>
+            </a:lvl6pPr>
+            <a:lvl7pPr marL="2743200" indent="0">
+              <a:buNone/>
+              <a:defRPr sz="1400">
+                <a:solidFill>
+                  <a:schemeClr val="tx1">
+                    <a:tint val="75000"/>
+                  </a:schemeClr>
+                </a:solidFill>
+              </a:defRPr>
+            </a:lvl7pPr>
+            <a:lvl8pPr marL="3200400" indent="0">
+              <a:buNone/>
+              <a:defRPr sz="1400">
+                <a:solidFill>
+                  <a:schemeClr val="tx1">
+                    <a:tint val="75000"/>
+                  </a:schemeClr>
+                </a:solidFill>
+              </a:defRPr>
+            </a:lvl8pPr>
+            <a:lvl9pPr marL="3657600" indent="0">
+              <a:buNone/>
+              <a:defRPr sz="1400">
+                <a:solidFill>
+                  <a:schemeClr val="tx1">
+                    <a:tint val="75000"/>
+                  </a:schemeClr>
+                </a:solidFill>
+              </a:defRPr>
+            </a:lvl9pPr>
+          </a:lstStyle>
+          <a:p>
+            <a:pPr lvl="0"/>
+            <a:r>
+              <a:rPr lang="en-US"/>
+              <a:t>Edit Master text styles</a:t>
+            </a:r>
+          </a:p>
+        </p:txBody>
+      </p:sp>
+      <p:sp>
+        <p:nvSpPr>
+          <p:cNvPr id="4" name="Date Placeholder 3"/>
+          <p:cNvSpPr>
+            <a:spLocks noGrp="1"/>
+          </p:cNvSpPr>
+          <p:nvPr>
+            <p:ph type="dt" sz="half" idx="10"/>
+          </p:nvPr>
+        </p:nvSpPr>
+        <p:spPr/>
+        <p:txBody>
+          <a:bodyPr/>
+          <a:lstStyle/>
+          <a:p>
+            <a:fld id="{3EE63B68-DE22-4FED-B712-512938807F67}" type="datetimeFigureOut">
+              <a:rPr lang="it-IT" smtClean="0"/>
+              <a:t>15/07/2018</a:t>
+            </a:fld>
+            <a:endParaRPr lang="it-IT"/>
+          </a:p>
+        </p:txBody>
+      </p:sp>
+      <p:sp>
+        <p:nvSpPr>
+          <p:cNvPr id="5" name="Footer Placeholder 4"/>
+          <p:cNvSpPr>
+            <a:spLocks noGrp="1"/>
+          </p:cNvSpPr>
+          <p:nvPr>
+            <p:ph type="ftr" sz="quarter" idx="11"/>
+          </p:nvPr>
+        </p:nvSpPr>
+        <p:spPr/>
+        <p:txBody>
+          <a:bodyPr/>
+          <a:lstStyle/>
+          <a:p>
+            <a:endParaRPr lang="it-IT"/>
+          </a:p>
+        </p:txBody>
+      </p:sp>
+      <p:sp>
+        <p:nvSpPr>
+          <p:cNvPr id="6" name="Slide Number Placeholder 5"/>
+          <p:cNvSpPr>
+            <a:spLocks noGrp="1"/>
+          </p:cNvSpPr>
+          <p:nvPr>
+            <p:ph type="sldNum" sz="quarter" idx="12"/>
+          </p:nvPr>
+        </p:nvSpPr>
+        <p:spPr/>
+        <p:txBody>
+          <a:bodyPr/>
+          <a:lstStyle/>
+          <a:p>
+            <a:fld id="{E8AAA38B-53BF-4A81-B622-EA5020151E25}" type="slidenum">
+              <a:rPr lang="it-IT" smtClean="0"/>
+              <a:t>‹#›</a:t>
+            </a:fld>
+            <a:endParaRPr lang="it-IT"/>
+          </a:p>
+        </p:txBody>
+      </p:sp>
+      <p:sp>
+        <p:nvSpPr>
+          <p:cNvPr id="20" name="TextBox 19"/>
+          <p:cNvSpPr txBox="1"/>
+          <p:nvPr/>
+        </p:nvSpPr>
+        <p:spPr>
+          <a:xfrm>
+            <a:off x="541870" y="790378"/>
+            <a:ext cx="609600" cy="584776"/>
+          </a:xfrm>
+          <a:prstGeom prst="rect">
+            <a:avLst/>
+          </a:prstGeom>
+        </p:spPr>
+        <p:txBody>
+          <a:bodyPr vert="horz" lIns="91440" tIns="45720" rIns="91440" bIns="45720" rtlCol="0" anchor="ctr">
+            <a:noAutofit/>
+          </a:bodyPr>
+          <a:lstStyle/>
+          <a:p>
+            <a:pPr lvl="0"/>
+            <a:r>
+              <a:rPr lang="en-US" sz="8000" baseline="0" dirty="0">
+                <a:ln w="3175" cmpd="sng">
+                  <a:noFill/>
+                </a:ln>
+                <a:solidFill>
+                  <a:schemeClr val="accent1">
+                    <a:lumMod val="60000"/>
+                    <a:lumOff val="40000"/>
+                  </a:schemeClr>
+                </a:solidFill>
+                <a:effectLst/>
+                <a:latin typeface="Arial"/>
+              </a:rPr>
+              <a:t>“</a:t>
+            </a:r>
+          </a:p>
+        </p:txBody>
+      </p:sp>
+      <p:sp>
+        <p:nvSpPr>
+          <p:cNvPr id="22" name="TextBox 21"/>
+          <p:cNvSpPr txBox="1"/>
+          <p:nvPr/>
+        </p:nvSpPr>
+        <p:spPr>
+          <a:xfrm>
+            <a:off x="8893011" y="2886556"/>
+            <a:ext cx="609600" cy="584776"/>
+          </a:xfrm>
+          <a:prstGeom prst="rect">
+            <a:avLst/>
+          </a:prstGeom>
+        </p:spPr>
+        <p:txBody>
+          <a:bodyPr vert="horz" lIns="91440" tIns="45720" rIns="91440" bIns="45720" rtlCol="0" anchor="ctr">
+            <a:noAutofit/>
+          </a:bodyPr>
+          <a:lstStyle/>
+          <a:p>
+            <a:pPr lvl="0"/>
+            <a:r>
+              <a:rPr lang="en-US" sz="8000" baseline="0" dirty="0">
+                <a:ln w="3175" cmpd="sng">
+                  <a:noFill/>
+                </a:ln>
+                <a:solidFill>
+                  <a:schemeClr val="accent1">
+                    <a:lumMod val="60000"/>
+                    <a:lumOff val="40000"/>
+                  </a:schemeClr>
+                </a:solidFill>
+                <a:latin typeface="Arial"/>
+              </a:rPr>
+              <a:t>”</a:t>
+            </a:r>
+            <a:endParaRPr lang="en-US" dirty="0">
+              <a:solidFill>
+                <a:schemeClr val="accent1">
+                  <a:lumMod val="60000"/>
+                  <a:lumOff val="40000"/>
+                </a:schemeClr>
+              </a:solidFill>
+              <a:latin typeface="Arial"/>
+            </a:endParaRPr>
+          </a:p>
+        </p:txBody>
+      </p:sp>
+    </p:spTree>
+    <p:extLst>
+      <p:ext uri="{BB962C8B-B14F-4D97-AF65-F5344CB8AC3E}">
+        <p14:creationId xmlns:p14="http://schemas.microsoft.com/office/powerpoint/2010/main" val="4270511853"/>
+      </p:ext>
+    </p:extLst>
+  </p:cSld>
+  <p:clrMapOvr>
+    <a:masterClrMapping/>
+  </p:clrMapOvr>
+</p:sldLayout>
+</file>
+
+<file path=ppt/slideLayouts/slideLayout12.xml><?xml version="1.0" encoding="utf-8"?>
+<p:sldLayout xmlns:a="http://schemas.openxmlformats.org/drawingml/2006/main" xmlns:r="http://schemas.openxmlformats.org/officeDocument/2006/relationships" xmlns:p="http://schemas.openxmlformats.org/presentationml/2006/main" preserve="1">
+  <p:cSld name="Name Card">
+    <p:spTree>
+      <p:nvGrpSpPr>
+        <p:cNvPr id="1" name=""/>
+        <p:cNvGrpSpPr/>
+        <p:nvPr/>
+      </p:nvGrpSpPr>
+      <p:grpSpPr>
+        <a:xfrm>
+          <a:off x="0" y="0"/>
+          <a:ext cx="0" cy="0"/>
+          <a:chOff x="0" y="0"/>
+          <a:chExt cx="0" cy="0"/>
+        </a:xfrm>
+      </p:grpSpPr>
+      <p:sp>
+        <p:nvSpPr>
+          <p:cNvPr id="2" name="Title 1"/>
+          <p:cNvSpPr>
+            <a:spLocks noGrp="1"/>
+          </p:cNvSpPr>
+          <p:nvPr>
+            <p:ph type="title"/>
+          </p:nvPr>
+        </p:nvSpPr>
+        <p:spPr>
+          <a:xfrm>
+            <a:off x="677335" y="1931988"/>
+            <a:ext cx="8596668" cy="2595460"/>
+          </a:xfrm>
+        </p:spPr>
+        <p:txBody>
+          <a:bodyPr anchor="b">
+            <a:normAutofit/>
+          </a:bodyPr>
+          <a:lstStyle>
+            <a:lvl1pPr algn="l">
+              <a:defRPr sz="4400" b="0" cap="none"/>
+            </a:lvl1pPr>
+          </a:lstStyle>
+          <a:p>
+            <a:r>
+              <a:rPr lang="en-US"/>
+              <a:t>Click to edit Master title style</a:t>
+            </a:r>
+            <a:endParaRPr lang="en-US" dirty="0"/>
+          </a:p>
+        </p:txBody>
+      </p:sp>
+      <p:sp>
+        <p:nvSpPr>
+          <p:cNvPr id="3" name="Text Placeholder 2"/>
+          <p:cNvSpPr>
+            <a:spLocks noGrp="1"/>
+          </p:cNvSpPr>
+          <p:nvPr>
+            <p:ph type="body" idx="1"/>
+          </p:nvPr>
+        </p:nvSpPr>
+        <p:spPr>
+          <a:xfrm>
+            <a:off x="677335" y="4527448"/>
+            <a:ext cx="8596668" cy="1513914"/>
+          </a:xfrm>
+        </p:spPr>
+        <p:txBody>
+          <a:bodyPr anchor="t">
+            <a:normAutofit/>
+          </a:bodyPr>
+          <a:lstStyle>
+            <a:lvl1pPr marL="0" indent="0" algn="l">
+              <a:buNone/>
+              <a:defRPr sz="1800">
+                <a:solidFill>
+                  <a:schemeClr val="tx1">
+                    <a:lumMod val="75000"/>
+                    <a:lumOff val="25000"/>
+                  </a:schemeClr>
+                </a:solidFill>
+              </a:defRPr>
+            </a:lvl1pPr>
+            <a:lvl2pPr marL="457200" indent="0">
+              <a:buNone/>
+              <a:defRPr sz="1800">
+                <a:solidFill>
+                  <a:schemeClr val="tx1">
+                    <a:tint val="75000"/>
+                  </a:schemeClr>
+                </a:solidFill>
+              </a:defRPr>
+            </a:lvl2pPr>
+            <a:lvl3pPr marL="914400" indent="0">
+              <a:buNone/>
+              <a:defRPr sz="1600">
+                <a:solidFill>
+                  <a:schemeClr val="tx1">
+                    <a:tint val="75000"/>
+                  </a:schemeClr>
+                </a:solidFill>
+              </a:defRPr>
+            </a:lvl3pPr>
+            <a:lvl4pPr marL="1371600" indent="0">
+              <a:buNone/>
+              <a:defRPr sz="1400">
+                <a:solidFill>
+                  <a:schemeClr val="tx1">
+                    <a:tint val="75000"/>
+                  </a:schemeClr>
+                </a:solidFill>
+              </a:defRPr>
+            </a:lvl4pPr>
+            <a:lvl5pPr marL="1828800" indent="0">
+              <a:buNone/>
+              <a:defRPr sz="1400">
+                <a:solidFill>
+                  <a:schemeClr val="tx1">
+                    <a:tint val="75000"/>
+                  </a:schemeClr>
+                </a:solidFill>
+              </a:defRPr>
+            </a:lvl5pPr>
+            <a:lvl6pPr marL="2286000" indent="0">
+              <a:buNone/>
+              <a:defRPr sz="1400">
+                <a:solidFill>
+                  <a:schemeClr val="tx1">
+                    <a:tint val="75000"/>
+                  </a:schemeClr>
+                </a:solidFill>
+              </a:defRPr>
+            </a:lvl6pPr>
+            <a:lvl7pPr marL="2743200" indent="0">
+              <a:buNone/>
+              <a:defRPr sz="1400">
+                <a:solidFill>
+                  <a:schemeClr val="tx1">
+                    <a:tint val="75000"/>
+                  </a:schemeClr>
+                </a:solidFill>
+              </a:defRPr>
+            </a:lvl7pPr>
+            <a:lvl8pPr marL="3200400" indent="0">
+              <a:buNone/>
+              <a:defRPr sz="1400">
+                <a:solidFill>
+                  <a:schemeClr val="tx1">
+                    <a:tint val="75000"/>
+                  </a:schemeClr>
+                </a:solidFill>
+              </a:defRPr>
+            </a:lvl8pPr>
+            <a:lvl9pPr marL="3657600" indent="0">
+              <a:buNone/>
+              <a:defRPr sz="1400">
+                <a:solidFill>
+                  <a:schemeClr val="tx1">
+                    <a:tint val="75000"/>
+                  </a:schemeClr>
+                </a:solidFill>
+              </a:defRPr>
+            </a:lvl9pPr>
+          </a:lstStyle>
+          <a:p>
+            <a:pPr lvl="0"/>
+            <a:r>
+              <a:rPr lang="en-US"/>
+              <a:t>Edit Master text styles</a:t>
+            </a:r>
+          </a:p>
+        </p:txBody>
+      </p:sp>
+      <p:sp>
+        <p:nvSpPr>
+          <p:cNvPr id="4" name="Date Placeholder 3"/>
+          <p:cNvSpPr>
+            <a:spLocks noGrp="1"/>
+          </p:cNvSpPr>
+          <p:nvPr>
+            <p:ph type="dt" sz="half" idx="10"/>
+          </p:nvPr>
+        </p:nvSpPr>
+        <p:spPr/>
+        <p:txBody>
+          <a:bodyPr/>
+          <a:lstStyle/>
+          <a:p>
+            <a:fld id="{3EE63B68-DE22-4FED-B712-512938807F67}" type="datetimeFigureOut">
+              <a:rPr lang="it-IT" smtClean="0"/>
+              <a:t>15/07/2018</a:t>
+            </a:fld>
+            <a:endParaRPr lang="it-IT"/>
+          </a:p>
+        </p:txBody>
+      </p:sp>
+      <p:sp>
+        <p:nvSpPr>
+          <p:cNvPr id="5" name="Footer Placeholder 4"/>
+          <p:cNvSpPr>
+            <a:spLocks noGrp="1"/>
+          </p:cNvSpPr>
+          <p:nvPr>
+            <p:ph type="ftr" sz="quarter" idx="11"/>
+          </p:nvPr>
+        </p:nvSpPr>
+        <p:spPr/>
+        <p:txBody>
+          <a:bodyPr/>
+          <a:lstStyle/>
+          <a:p>
+            <a:endParaRPr lang="it-IT"/>
+          </a:p>
+        </p:txBody>
+      </p:sp>
+      <p:sp>
+        <p:nvSpPr>
+          <p:cNvPr id="6" name="Slide Number Placeholder 5"/>
+          <p:cNvSpPr>
+            <a:spLocks noGrp="1"/>
+          </p:cNvSpPr>
+          <p:nvPr>
+            <p:ph type="sldNum" sz="quarter" idx="12"/>
+          </p:nvPr>
+        </p:nvSpPr>
+        <p:spPr/>
+        <p:txBody>
+          <a:bodyPr/>
+          <a:lstStyle/>
+          <a:p>
+            <a:fld id="{E8AAA38B-53BF-4A81-B622-EA5020151E25}" type="slidenum">
+              <a:rPr lang="it-IT" smtClean="0"/>
+              <a:t>‹#›</a:t>
+            </a:fld>
+            <a:endParaRPr lang="it-IT"/>
+          </a:p>
+        </p:txBody>
+      </p:sp>
+    </p:spTree>
+    <p:extLst>
+      <p:ext uri="{BB962C8B-B14F-4D97-AF65-F5344CB8AC3E}">
+        <p14:creationId xmlns:p14="http://schemas.microsoft.com/office/powerpoint/2010/main" val="867984135"/>
+      </p:ext>
+    </p:extLst>
+  </p:cSld>
+  <p:clrMapOvr>
+    <a:masterClrMapping/>
+  </p:clrMapOvr>
+</p:sldLayout>
+</file>
+
+<file path=ppt/slideLayouts/slideLayout13.xml><?xml version="1.0" encoding="utf-8"?>
+<p:sldLayout xmlns:a="http://schemas.openxmlformats.org/drawingml/2006/main" xmlns:r="http://schemas.openxmlformats.org/officeDocument/2006/relationships" xmlns:p="http://schemas.openxmlformats.org/presentationml/2006/main" preserve="1">
+  <p:cSld name="Quote Name Card">
+    <p:spTree>
+      <p:nvGrpSpPr>
+        <p:cNvPr id="1" name=""/>
+        <p:cNvGrpSpPr/>
+        <p:nvPr/>
+      </p:nvGrpSpPr>
+      <p:grpSpPr>
+        <a:xfrm>
+          <a:off x="0" y="0"/>
+          <a:ext cx="0" cy="0"/>
+          <a:chOff x="0" y="0"/>
+          <a:chExt cx="0" cy="0"/>
+        </a:xfrm>
+      </p:grpSpPr>
+      <p:sp>
+        <p:nvSpPr>
+          <p:cNvPr id="2" name="Title 1"/>
+          <p:cNvSpPr>
+            <a:spLocks noGrp="1"/>
+          </p:cNvSpPr>
+          <p:nvPr>
+            <p:ph type="title"/>
+          </p:nvPr>
+        </p:nvSpPr>
+        <p:spPr>
+          <a:xfrm>
+            <a:off x="931334" y="609600"/>
+            <a:ext cx="8094134" cy="3022600"/>
+          </a:xfrm>
+        </p:spPr>
+        <p:txBody>
+          <a:bodyPr anchor="ctr">
+            <a:normAutofit/>
+          </a:bodyPr>
+          <a:lstStyle>
+            <a:lvl1pPr algn="l">
+              <a:defRPr sz="4400" b="0" cap="none"/>
+            </a:lvl1pPr>
+          </a:lstStyle>
+          <a:p>
+            <a:r>
+              <a:rPr lang="en-US"/>
+              <a:t>Click to edit Master title style</a:t>
+            </a:r>
+            <a:endParaRPr lang="en-US" dirty="0"/>
+          </a:p>
+        </p:txBody>
+      </p:sp>
+      <p:sp>
+        <p:nvSpPr>
+          <p:cNvPr id="23" name="Text Placeholder 9"/>
+          <p:cNvSpPr>
+            <a:spLocks noGrp="1"/>
+          </p:cNvSpPr>
+          <p:nvPr>
+            <p:ph type="body" sz="quarter" idx="13"/>
+          </p:nvPr>
+        </p:nvSpPr>
+        <p:spPr>
+          <a:xfrm>
+            <a:off x="677332" y="4013200"/>
+            <a:ext cx="8596669" cy="514248"/>
+          </a:xfrm>
+        </p:spPr>
+        <p:txBody>
+          <a:bodyPr anchor="b">
+            <a:noAutofit/>
+          </a:bodyPr>
+          <a:lstStyle>
+            <a:lvl1pPr marL="0" indent="0">
+              <a:buFontTx/>
+              <a:buNone/>
+              <a:defRPr sz="2400">
+                <a:solidFill>
+                  <a:schemeClr val="tx1">
+                    <a:lumMod val="75000"/>
+                    <a:lumOff val="25000"/>
+                  </a:schemeClr>
+                </a:solidFill>
+              </a:defRPr>
+            </a:lvl1pPr>
+            <a:lvl2pPr marL="457200" indent="0">
+              <a:buFontTx/>
+              <a:buNone/>
+              <a:defRPr/>
+            </a:lvl2pPr>
+            <a:lvl3pPr marL="914400" indent="0">
+              <a:buFontTx/>
+              <a:buNone/>
+              <a:defRPr/>
+            </a:lvl3pPr>
+            <a:lvl4pPr marL="1371600" indent="0">
+              <a:buFontTx/>
+              <a:buNone/>
+              <a:defRPr/>
+            </a:lvl4pPr>
+            <a:lvl5pPr marL="1828800" indent="0">
+              <a:buFontTx/>
+              <a:buNone/>
+              <a:defRPr/>
+            </a:lvl5pPr>
+          </a:lstStyle>
+          <a:p>
+            <a:pPr lvl="0"/>
+            <a:r>
+              <a:rPr lang="en-US"/>
+              <a:t>Edit Master text styles</a:t>
+            </a:r>
+          </a:p>
+        </p:txBody>
+      </p:sp>
+      <p:sp>
+        <p:nvSpPr>
+          <p:cNvPr id="3" name="Text Placeholder 2"/>
+          <p:cNvSpPr>
+            <a:spLocks noGrp="1"/>
+          </p:cNvSpPr>
+          <p:nvPr>
+            <p:ph type="body" idx="1"/>
+          </p:nvPr>
+        </p:nvSpPr>
+        <p:spPr>
+          <a:xfrm>
+            <a:off x="677335" y="4527448"/>
+            <a:ext cx="8596668" cy="1513914"/>
+          </a:xfrm>
+        </p:spPr>
+        <p:txBody>
+          <a:bodyPr anchor="t">
+            <a:normAutofit/>
+          </a:bodyPr>
+          <a:lstStyle>
+            <a:lvl1pPr marL="0" indent="0" algn="l">
+              <a:buNone/>
+              <a:defRPr sz="1800">
+                <a:solidFill>
+                  <a:schemeClr val="tx1">
+                    <a:lumMod val="50000"/>
+                    <a:lumOff val="50000"/>
+                  </a:schemeClr>
+                </a:solidFill>
+              </a:defRPr>
+            </a:lvl1pPr>
+            <a:lvl2pPr marL="457200" indent="0">
+              <a:buNone/>
+              <a:defRPr sz="1800">
+                <a:solidFill>
+                  <a:schemeClr val="tx1">
+                    <a:tint val="75000"/>
+                  </a:schemeClr>
+                </a:solidFill>
+              </a:defRPr>
+            </a:lvl2pPr>
+            <a:lvl3pPr marL="914400" indent="0">
+              <a:buNone/>
+              <a:defRPr sz="1600">
+                <a:solidFill>
+                  <a:schemeClr val="tx1">
+                    <a:tint val="75000"/>
+                  </a:schemeClr>
+                </a:solidFill>
+              </a:defRPr>
+            </a:lvl3pPr>
+            <a:lvl4pPr marL="1371600" indent="0">
+              <a:buNone/>
+              <a:defRPr sz="1400">
+                <a:solidFill>
+                  <a:schemeClr val="tx1">
+                    <a:tint val="75000"/>
+                  </a:schemeClr>
+                </a:solidFill>
+              </a:defRPr>
+            </a:lvl4pPr>
+            <a:lvl5pPr marL="1828800" indent="0">
+              <a:buNone/>
+              <a:defRPr sz="1400">
+                <a:solidFill>
+                  <a:schemeClr val="tx1">
+                    <a:tint val="75000"/>
+                  </a:schemeClr>
+                </a:solidFill>
+              </a:defRPr>
+            </a:lvl5pPr>
+            <a:lvl6pPr marL="2286000" indent="0">
+              <a:buNone/>
+              <a:defRPr sz="1400">
+                <a:solidFill>
+                  <a:schemeClr val="tx1">
+                    <a:tint val="75000"/>
+                  </a:schemeClr>
+                </a:solidFill>
+              </a:defRPr>
+            </a:lvl6pPr>
+            <a:lvl7pPr marL="2743200" indent="0">
+              <a:buNone/>
+              <a:defRPr sz="1400">
+                <a:solidFill>
+                  <a:schemeClr val="tx1">
+                    <a:tint val="75000"/>
+                  </a:schemeClr>
+                </a:solidFill>
+              </a:defRPr>
+            </a:lvl7pPr>
+            <a:lvl8pPr marL="3200400" indent="0">
+              <a:buNone/>
+              <a:defRPr sz="1400">
+                <a:solidFill>
+                  <a:schemeClr val="tx1">
+                    <a:tint val="75000"/>
+                  </a:schemeClr>
+                </a:solidFill>
+              </a:defRPr>
+            </a:lvl8pPr>
+            <a:lvl9pPr marL="3657600" indent="0">
+              <a:buNone/>
+              <a:defRPr sz="1400">
+                <a:solidFill>
+                  <a:schemeClr val="tx1">
+                    <a:tint val="75000"/>
+                  </a:schemeClr>
+                </a:solidFill>
+              </a:defRPr>
+            </a:lvl9pPr>
+          </a:lstStyle>
+          <a:p>
+            <a:pPr lvl="0"/>
+            <a:r>
+              <a:rPr lang="en-US"/>
+              <a:t>Edit Master text styles</a:t>
+            </a:r>
+          </a:p>
+        </p:txBody>
+      </p:sp>
+      <p:sp>
+        <p:nvSpPr>
+          <p:cNvPr id="4" name="Date Placeholder 3"/>
+          <p:cNvSpPr>
+            <a:spLocks noGrp="1"/>
+          </p:cNvSpPr>
+          <p:nvPr>
+            <p:ph type="dt" sz="half" idx="10"/>
+          </p:nvPr>
+        </p:nvSpPr>
+        <p:spPr/>
+        <p:txBody>
+          <a:bodyPr/>
+          <a:lstStyle/>
+          <a:p>
+            <a:fld id="{3EE63B68-DE22-4FED-B712-512938807F67}" type="datetimeFigureOut">
+              <a:rPr lang="it-IT" smtClean="0"/>
+              <a:t>15/07/2018</a:t>
+            </a:fld>
+            <a:endParaRPr lang="it-IT"/>
+          </a:p>
+        </p:txBody>
+      </p:sp>
+      <p:sp>
+        <p:nvSpPr>
+          <p:cNvPr id="5" name="Footer Placeholder 4"/>
+          <p:cNvSpPr>
+            <a:spLocks noGrp="1"/>
+          </p:cNvSpPr>
+          <p:nvPr>
+            <p:ph type="ftr" sz="quarter" idx="11"/>
+          </p:nvPr>
+        </p:nvSpPr>
+        <p:spPr/>
+        <p:txBody>
+          <a:bodyPr/>
+          <a:lstStyle/>
+          <a:p>
+            <a:endParaRPr lang="it-IT"/>
+          </a:p>
+        </p:txBody>
+      </p:sp>
+      <p:sp>
+        <p:nvSpPr>
+          <p:cNvPr id="6" name="Slide Number Placeholder 5"/>
+          <p:cNvSpPr>
+            <a:spLocks noGrp="1"/>
+          </p:cNvSpPr>
+          <p:nvPr>
+            <p:ph type="sldNum" sz="quarter" idx="12"/>
+          </p:nvPr>
+        </p:nvSpPr>
+        <p:spPr/>
+        <p:txBody>
+          <a:bodyPr/>
+          <a:lstStyle/>
+          <a:p>
+            <a:fld id="{E8AAA38B-53BF-4A81-B622-EA5020151E25}" type="slidenum">
+              <a:rPr lang="it-IT" smtClean="0"/>
+              <a:t>‹#›</a:t>
+            </a:fld>
+            <a:endParaRPr lang="it-IT"/>
+          </a:p>
+        </p:txBody>
+      </p:sp>
+      <p:sp>
+        <p:nvSpPr>
+          <p:cNvPr id="24" name="TextBox 23"/>
+          <p:cNvSpPr txBox="1"/>
+          <p:nvPr/>
+        </p:nvSpPr>
+        <p:spPr>
+          <a:xfrm>
+            <a:off x="541870" y="790378"/>
+            <a:ext cx="609600" cy="584776"/>
+          </a:xfrm>
+          <a:prstGeom prst="rect">
+            <a:avLst/>
+          </a:prstGeom>
+        </p:spPr>
+        <p:txBody>
+          <a:bodyPr vert="horz" lIns="91440" tIns="45720" rIns="91440" bIns="45720" rtlCol="0" anchor="ctr">
+            <a:noAutofit/>
+          </a:bodyPr>
+          <a:lstStyle/>
+          <a:p>
+            <a:pPr lvl="0"/>
+            <a:r>
+              <a:rPr lang="en-US" sz="8000" baseline="0" dirty="0">
+                <a:ln w="3175" cmpd="sng">
+                  <a:noFill/>
+                </a:ln>
+                <a:solidFill>
+                  <a:schemeClr val="accent1">
+                    <a:lumMod val="60000"/>
+                    <a:lumOff val="40000"/>
+                  </a:schemeClr>
+                </a:solidFill>
+                <a:effectLst/>
+                <a:latin typeface="Arial"/>
+              </a:rPr>
+              <a:t>“</a:t>
+            </a:r>
+          </a:p>
+        </p:txBody>
+      </p:sp>
+      <p:sp>
+        <p:nvSpPr>
+          <p:cNvPr id="25" name="TextBox 24"/>
+          <p:cNvSpPr txBox="1"/>
+          <p:nvPr/>
+        </p:nvSpPr>
+        <p:spPr>
+          <a:xfrm>
+            <a:off x="8893011" y="2886556"/>
+            <a:ext cx="609600" cy="584776"/>
+          </a:xfrm>
+          <a:prstGeom prst="rect">
+            <a:avLst/>
+          </a:prstGeom>
+        </p:spPr>
+        <p:txBody>
+          <a:bodyPr vert="horz" lIns="91440" tIns="45720" rIns="91440" bIns="45720" rtlCol="0" anchor="ctr">
+            <a:noAutofit/>
+          </a:bodyPr>
+          <a:lstStyle/>
+          <a:p>
+            <a:pPr lvl="0"/>
+            <a:r>
+              <a:rPr lang="en-US" sz="8000" baseline="0" dirty="0">
+                <a:ln w="3175" cmpd="sng">
+                  <a:noFill/>
+                </a:ln>
+                <a:solidFill>
+                  <a:schemeClr val="accent1">
+                    <a:lumMod val="60000"/>
+                    <a:lumOff val="40000"/>
+                  </a:schemeClr>
+                </a:solidFill>
+                <a:effectLst/>
+                <a:latin typeface="Arial"/>
+              </a:rPr>
+              <a:t>”</a:t>
+            </a:r>
+          </a:p>
+        </p:txBody>
+      </p:sp>
+    </p:spTree>
+    <p:extLst>
+      <p:ext uri="{BB962C8B-B14F-4D97-AF65-F5344CB8AC3E}">
+        <p14:creationId xmlns:p14="http://schemas.microsoft.com/office/powerpoint/2010/main" val="1910447266"/>
+      </p:ext>
+    </p:extLst>
+  </p:cSld>
+  <p:clrMapOvr>
+    <a:masterClrMapping/>
+  </p:clrMapOvr>
+</p:sldLayout>
+</file>
+
+<file path=ppt/slideLayouts/slideLayout14.xml><?xml version="1.0" encoding="utf-8"?>
+<p:sldLayout xmlns:a="http://schemas.openxmlformats.org/drawingml/2006/main" xmlns:r="http://schemas.openxmlformats.org/officeDocument/2006/relationships" xmlns:p="http://schemas.openxmlformats.org/presentationml/2006/main" preserve="1">
+  <p:cSld name="True or False">
+    <p:spTree>
+      <p:nvGrpSpPr>
+        <p:cNvPr id="1" name=""/>
+        <p:cNvGrpSpPr/>
+        <p:nvPr/>
+      </p:nvGrpSpPr>
+      <p:grpSpPr>
+        <a:xfrm>
+          <a:off x="0" y="0"/>
+          <a:ext cx="0" cy="0"/>
+          <a:chOff x="0" y="0"/>
+          <a:chExt cx="0" cy="0"/>
+        </a:xfrm>
+      </p:grpSpPr>
+      <p:sp>
+        <p:nvSpPr>
+          <p:cNvPr id="2" name="Title 1"/>
+          <p:cNvSpPr>
+            <a:spLocks noGrp="1"/>
+          </p:cNvSpPr>
+          <p:nvPr>
+            <p:ph type="title"/>
+          </p:nvPr>
+        </p:nvSpPr>
+        <p:spPr>
+          <a:xfrm>
+            <a:off x="685799" y="609600"/>
+            <a:ext cx="8588203" cy="3022600"/>
+          </a:xfrm>
+        </p:spPr>
+        <p:txBody>
+          <a:bodyPr anchor="ctr">
+            <a:normAutofit/>
+          </a:bodyPr>
+          <a:lstStyle>
+            <a:lvl1pPr algn="l">
+              <a:defRPr sz="4400" b="0" cap="none"/>
+            </a:lvl1pPr>
+          </a:lstStyle>
+          <a:p>
+            <a:r>
+              <a:rPr lang="en-US"/>
+              <a:t>Click to edit Master title style</a:t>
+            </a:r>
+            <a:endParaRPr lang="en-US" dirty="0"/>
+          </a:p>
+        </p:txBody>
+      </p:sp>
+      <p:sp>
+        <p:nvSpPr>
+          <p:cNvPr id="23" name="Text Placeholder 9"/>
+          <p:cNvSpPr>
+            <a:spLocks noGrp="1"/>
+          </p:cNvSpPr>
+          <p:nvPr>
+            <p:ph type="body" sz="quarter" idx="13"/>
+          </p:nvPr>
+        </p:nvSpPr>
+        <p:spPr>
+          <a:xfrm>
+            <a:off x="677332" y="4013200"/>
+            <a:ext cx="8596669" cy="514248"/>
+          </a:xfrm>
+        </p:spPr>
+        <p:txBody>
+          <a:bodyPr anchor="b">
+            <a:noAutofit/>
+          </a:bodyPr>
+          <a:lstStyle>
+            <a:lvl1pPr marL="0" indent="0">
+              <a:buFontTx/>
+              <a:buNone/>
+              <a:defRPr sz="2400">
+                <a:solidFill>
+                  <a:schemeClr val="accent1"/>
+                </a:solidFill>
+              </a:defRPr>
+            </a:lvl1pPr>
+            <a:lvl2pPr marL="457200" indent="0">
+              <a:buFontTx/>
+              <a:buNone/>
+              <a:defRPr/>
+            </a:lvl2pPr>
+            <a:lvl3pPr marL="914400" indent="0">
+              <a:buFontTx/>
+              <a:buNone/>
+              <a:defRPr/>
+            </a:lvl3pPr>
+            <a:lvl4pPr marL="1371600" indent="0">
+              <a:buFontTx/>
+              <a:buNone/>
+              <a:defRPr/>
+            </a:lvl4pPr>
+            <a:lvl5pPr marL="1828800" indent="0">
+              <a:buFontTx/>
+              <a:buNone/>
+              <a:defRPr/>
+            </a:lvl5pPr>
+          </a:lstStyle>
+          <a:p>
+            <a:pPr lvl="0"/>
+            <a:r>
+              <a:rPr lang="en-US"/>
+              <a:t>Edit Master text styles</a:t>
+            </a:r>
+          </a:p>
+        </p:txBody>
+      </p:sp>
+      <p:sp>
+        <p:nvSpPr>
+          <p:cNvPr id="3" name="Text Placeholder 2"/>
+          <p:cNvSpPr>
+            <a:spLocks noGrp="1"/>
+          </p:cNvSpPr>
+          <p:nvPr>
+            <p:ph type="body" idx="1"/>
+          </p:nvPr>
+        </p:nvSpPr>
+        <p:spPr>
+          <a:xfrm>
+            <a:off x="677335" y="4527448"/>
+            <a:ext cx="8596668" cy="1513914"/>
+          </a:xfrm>
+        </p:spPr>
+        <p:txBody>
+          <a:bodyPr anchor="t">
+            <a:normAutofit/>
+          </a:bodyPr>
+          <a:lstStyle>
+            <a:lvl1pPr marL="0" indent="0" algn="l">
+              <a:buNone/>
+              <a:defRPr sz="1800">
+                <a:solidFill>
+                  <a:schemeClr val="tx1">
+                    <a:lumMod val="50000"/>
+                    <a:lumOff val="50000"/>
+                  </a:schemeClr>
+                </a:solidFill>
+              </a:defRPr>
+            </a:lvl1pPr>
+            <a:lvl2pPr marL="457200" indent="0">
+              <a:buNone/>
+              <a:defRPr sz="1800">
+                <a:solidFill>
+                  <a:schemeClr val="tx1">
+                    <a:tint val="75000"/>
+                  </a:schemeClr>
+                </a:solidFill>
+              </a:defRPr>
+            </a:lvl2pPr>
+            <a:lvl3pPr marL="914400" indent="0">
+              <a:buNone/>
+              <a:defRPr sz="1600">
+                <a:solidFill>
+                  <a:schemeClr val="tx1">
+                    <a:tint val="75000"/>
+                  </a:schemeClr>
+                </a:solidFill>
+              </a:defRPr>
+            </a:lvl3pPr>
+            <a:lvl4pPr marL="1371600" indent="0">
+              <a:buNone/>
+              <a:defRPr sz="1400">
+                <a:solidFill>
+                  <a:schemeClr val="tx1">
+                    <a:tint val="75000"/>
+                  </a:schemeClr>
+                </a:solidFill>
+              </a:defRPr>
+            </a:lvl4pPr>
+            <a:lvl5pPr marL="1828800" indent="0">
+              <a:buNone/>
+              <a:defRPr sz="1400">
+                <a:solidFill>
+                  <a:schemeClr val="tx1">
+                    <a:tint val="75000"/>
+                  </a:schemeClr>
+                </a:solidFill>
+              </a:defRPr>
+            </a:lvl5pPr>
+            <a:lvl6pPr marL="2286000" indent="0">
+              <a:buNone/>
+              <a:defRPr sz="1400">
+                <a:solidFill>
+                  <a:schemeClr val="tx1">
+                    <a:tint val="75000"/>
+                  </a:schemeClr>
+                </a:solidFill>
+              </a:defRPr>
+            </a:lvl6pPr>
+            <a:lvl7pPr marL="2743200" indent="0">
+              <a:buNone/>
+              <a:defRPr sz="1400">
+                <a:solidFill>
+                  <a:schemeClr val="tx1">
+                    <a:tint val="75000"/>
+                  </a:schemeClr>
+                </a:solidFill>
+              </a:defRPr>
+            </a:lvl7pPr>
+            <a:lvl8pPr marL="3200400" indent="0">
+              <a:buNone/>
+              <a:defRPr sz="1400">
+                <a:solidFill>
+                  <a:schemeClr val="tx1">
+                    <a:tint val="75000"/>
+                  </a:schemeClr>
+                </a:solidFill>
+              </a:defRPr>
+            </a:lvl8pPr>
+            <a:lvl9pPr marL="3657600" indent="0">
+              <a:buNone/>
+              <a:defRPr sz="1400">
+                <a:solidFill>
+                  <a:schemeClr val="tx1">
+                    <a:tint val="75000"/>
+                  </a:schemeClr>
+                </a:solidFill>
+              </a:defRPr>
+            </a:lvl9pPr>
+          </a:lstStyle>
+          <a:p>
+            <a:pPr lvl="0"/>
+            <a:r>
+              <a:rPr lang="en-US"/>
+              <a:t>Edit Master text styles</a:t>
+            </a:r>
+          </a:p>
+        </p:txBody>
+      </p:sp>
+      <p:sp>
+        <p:nvSpPr>
+          <p:cNvPr id="4" name="Date Placeholder 3"/>
+          <p:cNvSpPr>
+            <a:spLocks noGrp="1"/>
+          </p:cNvSpPr>
+          <p:nvPr>
+            <p:ph type="dt" sz="half" idx="10"/>
+          </p:nvPr>
+        </p:nvSpPr>
+        <p:spPr/>
+        <p:txBody>
+          <a:bodyPr/>
+          <a:lstStyle/>
+          <a:p>
+            <a:fld id="{3EE63B68-DE22-4FED-B712-512938807F67}" type="datetimeFigureOut">
+              <a:rPr lang="it-IT" smtClean="0"/>
+              <a:t>15/07/2018</a:t>
+            </a:fld>
+            <a:endParaRPr lang="it-IT"/>
+          </a:p>
+        </p:txBody>
+      </p:sp>
+      <p:sp>
+        <p:nvSpPr>
+          <p:cNvPr id="5" name="Footer Placeholder 4"/>
+          <p:cNvSpPr>
+            <a:spLocks noGrp="1"/>
+          </p:cNvSpPr>
+          <p:nvPr>
+            <p:ph type="ftr" sz="quarter" idx="11"/>
+          </p:nvPr>
+        </p:nvSpPr>
+        <p:spPr/>
+        <p:txBody>
+          <a:bodyPr/>
+          <a:lstStyle/>
+          <a:p>
+            <a:endParaRPr lang="it-IT"/>
+          </a:p>
+        </p:txBody>
+      </p:sp>
+      <p:sp>
+        <p:nvSpPr>
+          <p:cNvPr id="6" name="Slide Number Placeholder 5"/>
+          <p:cNvSpPr>
+            <a:spLocks noGrp="1"/>
+          </p:cNvSpPr>
+          <p:nvPr>
+            <p:ph type="sldNum" sz="quarter" idx="12"/>
+          </p:nvPr>
+        </p:nvSpPr>
+        <p:spPr/>
+        <p:txBody>
+          <a:bodyPr/>
+          <a:lstStyle/>
+          <a:p>
+            <a:fld id="{E8AAA38B-53BF-4A81-B622-EA5020151E25}" type="slidenum">
+              <a:rPr lang="it-IT" smtClean="0"/>
+              <a:t>‹#›</a:t>
+            </a:fld>
+            <a:endParaRPr lang="it-IT"/>
+          </a:p>
+        </p:txBody>
+      </p:sp>
+    </p:spTree>
+    <p:extLst>
+      <p:ext uri="{BB962C8B-B14F-4D97-AF65-F5344CB8AC3E}">
+        <p14:creationId xmlns:p14="http://schemas.microsoft.com/office/powerpoint/2010/main" val="3949714216"/>
+      </p:ext>
+    </p:extLst>
+  </p:cSld>
+  <p:clrMapOvr>
+    <a:masterClrMapping/>
+  </p:clrMapOvr>
+</p:sldLayout>
+</file>
+
+<file path=ppt/slideLayouts/slideLayout15.xml><?xml version="1.0" encoding="utf-8"?>
 <p:sldLayout xmlns:a="http://schemas.openxmlformats.org/drawingml/2006/main" xmlns:r="http://schemas.openxmlformats.org/officeDocument/2006/relationships" xmlns:p="http://schemas.openxmlformats.org/presentationml/2006/main" type="vertTx" preserve="1">
   <p:cSld name="Title and Vertical Text">
     <p:spTree>
@@ -359,13 +2535,7 @@
       </p:grpSpPr>
       <p:sp>
         <p:nvSpPr>
-          <p:cNvPr id="2" name="Title 1">
-            <a:extLst>
-              <a:ext uri="{FF2B5EF4-FFF2-40B4-BE49-F238E27FC236}">
-                <a16:creationId xmlns:a16="http://schemas.microsoft.com/office/drawing/2014/main" id="{79B5450C-815E-4B90-A1C9-02E2B3B81F22}"/>
-              </a:ext>
-            </a:extLst>
-          </p:cNvPr>
+          <p:cNvPr id="2" name="Title 1"/>
           <p:cNvSpPr>
             <a:spLocks noGrp="1"/>
           </p:cNvSpPr>
@@ -382,19 +2552,13 @@
               <a:rPr lang="en-US"/>
               <a:t>Click to edit Master title style</a:t>
             </a:r>
-            <a:endParaRPr lang="it-IT"/>
-          </a:p>
-        </p:txBody>
-      </p:sp>
-      <p:sp>
-        <p:nvSpPr>
-          <p:cNvPr id="3" name="Vertical Text Placeholder 2">
-            <a:extLst>
-              <a:ext uri="{FF2B5EF4-FFF2-40B4-BE49-F238E27FC236}">
-                <a16:creationId xmlns:a16="http://schemas.microsoft.com/office/drawing/2014/main" id="{DE2A8B7C-76EA-4A7A-AE99-ECAB44FC088B}"/>
-              </a:ext>
-            </a:extLst>
-          </p:cNvPr>
+            <a:endParaRPr lang="en-US" dirty="0"/>
+          </a:p>
+        </p:txBody>
+      </p:sp>
+      <p:sp>
+        <p:nvSpPr>
+          <p:cNvPr id="3" name="Vertical Text Placeholder 2"/>
           <p:cNvSpPr>
             <a:spLocks noGrp="1"/>
           </p:cNvSpPr>
@@ -440,19 +2604,13 @@
               <a:rPr lang="en-US"/>
               <a:t>Fifth level</a:t>
             </a:r>
-            <a:endParaRPr lang="it-IT"/>
-          </a:p>
-        </p:txBody>
-      </p:sp>
-      <p:sp>
-        <p:nvSpPr>
-          <p:cNvPr id="4" name="Date Placeholder 3">
-            <a:extLst>
-              <a:ext uri="{FF2B5EF4-FFF2-40B4-BE49-F238E27FC236}">
-                <a16:creationId xmlns:a16="http://schemas.microsoft.com/office/drawing/2014/main" id="{D67DF5E3-B300-4C79-BB33-803EEDF5987F}"/>
-              </a:ext>
-            </a:extLst>
-          </p:cNvPr>
+            <a:endParaRPr lang="en-US" dirty="0"/>
+          </a:p>
+        </p:txBody>
+      </p:sp>
+      <p:sp>
+        <p:nvSpPr>
+          <p:cNvPr id="4" name="Date Placeholder 3"/>
           <p:cNvSpPr>
             <a:spLocks noGrp="1"/>
           </p:cNvSpPr>
@@ -467,7 +2625,7 @@
           <a:p>
             <a:fld id="{3EE63B68-DE22-4FED-B712-512938807F67}" type="datetimeFigureOut">
               <a:rPr lang="it-IT" smtClean="0"/>
-              <a:t>10/07/2018</a:t>
+              <a:t>15/07/2018</a:t>
             </a:fld>
             <a:endParaRPr lang="it-IT"/>
           </a:p>
@@ -475,13 +2633,7 @@
       </p:sp>
       <p:sp>
         <p:nvSpPr>
-          <p:cNvPr id="5" name="Footer Placeholder 4">
-            <a:extLst>
-              <a:ext uri="{FF2B5EF4-FFF2-40B4-BE49-F238E27FC236}">
-                <a16:creationId xmlns:a16="http://schemas.microsoft.com/office/drawing/2014/main" id="{5EDDEA4F-958C-48BD-AE8A-0A963605BE5A}"/>
-              </a:ext>
-            </a:extLst>
-          </p:cNvPr>
+          <p:cNvPr id="5" name="Footer Placeholder 4"/>
           <p:cNvSpPr>
             <a:spLocks noGrp="1"/>
           </p:cNvSpPr>
@@ -500,13 +2652,7 @@
       </p:sp>
       <p:sp>
         <p:nvSpPr>
-          <p:cNvPr id="6" name="Slide Number Placeholder 5">
-            <a:extLst>
-              <a:ext uri="{FF2B5EF4-FFF2-40B4-BE49-F238E27FC236}">
-                <a16:creationId xmlns:a16="http://schemas.microsoft.com/office/drawing/2014/main" id="{457AFD95-5AA0-4D70-99E3-CC8CF06C9027}"/>
-              </a:ext>
-            </a:extLst>
-          </p:cNvPr>
+          <p:cNvPr id="6" name="Slide Number Placeholder 5"/>
           <p:cNvSpPr>
             <a:spLocks noGrp="1"/>
           </p:cNvSpPr>
@@ -530,7 +2676,7 @@
     </p:spTree>
     <p:extLst>
       <p:ext uri="{BB962C8B-B14F-4D97-AF65-F5344CB8AC3E}">
-        <p14:creationId xmlns:p14="http://schemas.microsoft.com/office/powerpoint/2010/main" val="381136473"/>
+        <p14:creationId xmlns:p14="http://schemas.microsoft.com/office/powerpoint/2010/main" val="1671938729"/>
       </p:ext>
     </p:extLst>
   </p:cSld>
@@ -540,7 +2686,7 @@
 </p:sldLayout>
 </file>
 
-<file path=ppt/slideLayouts/slideLayout11.xml><?xml version="1.0" encoding="utf-8"?>
+<file path=ppt/slideLayouts/slideLayout16.xml><?xml version="1.0" encoding="utf-8"?>
 <p:sldLayout xmlns:a="http://schemas.openxmlformats.org/drawingml/2006/main" xmlns:r="http://schemas.openxmlformats.org/officeDocument/2006/relationships" xmlns:p="http://schemas.openxmlformats.org/presentationml/2006/main" type="vertTitleAndTx" preserve="1">
   <p:cSld name="Vertical Title and Text">
     <p:spTree>
@@ -559,13 +2705,7 @@
       </p:grpSpPr>
       <p:sp>
         <p:nvSpPr>
-          <p:cNvPr id="2" name="Vertical Title 1">
-            <a:extLst>
-              <a:ext uri="{FF2B5EF4-FFF2-40B4-BE49-F238E27FC236}">
-                <a16:creationId xmlns:a16="http://schemas.microsoft.com/office/drawing/2014/main" id="{8585A5A2-2797-41A3-BA01-50FDEE48C540}"/>
-              </a:ext>
-            </a:extLst>
-          </p:cNvPr>
+          <p:cNvPr id="2" name="Vertical Title 1"/>
           <p:cNvSpPr>
             <a:spLocks noGrp="1"/>
           </p:cNvSpPr>
@@ -575,31 +2715,25 @@
         </p:nvSpPr>
         <p:spPr>
           <a:xfrm>
-            <a:off x="8724900" y="365125"/>
-            <a:ext cx="2628900" cy="5811838"/>
+            <a:off x="7967673" y="609599"/>
+            <a:ext cx="1304743" cy="5251451"/>
           </a:xfrm>
         </p:spPr>
         <p:txBody>
-          <a:bodyPr vert="eaVert"/>
+          <a:bodyPr vert="eaVert" anchor="ctr"/>
           <a:lstStyle/>
           <a:p>
             <a:r>
               <a:rPr lang="en-US"/>
               <a:t>Click to edit Master title style</a:t>
             </a:r>
-            <a:endParaRPr lang="it-IT"/>
-          </a:p>
-        </p:txBody>
-      </p:sp>
-      <p:sp>
-        <p:nvSpPr>
-          <p:cNvPr id="3" name="Vertical Text Placeholder 2">
-            <a:extLst>
-              <a:ext uri="{FF2B5EF4-FFF2-40B4-BE49-F238E27FC236}">
-                <a16:creationId xmlns:a16="http://schemas.microsoft.com/office/drawing/2014/main" id="{CF8EB16E-4397-4194-855D-C41D9451B50D}"/>
-              </a:ext>
-            </a:extLst>
-          </p:cNvPr>
+            <a:endParaRPr lang="en-US" dirty="0"/>
+          </a:p>
+        </p:txBody>
+      </p:sp>
+      <p:sp>
+        <p:nvSpPr>
+          <p:cNvPr id="3" name="Vertical Text Placeholder 2"/>
           <p:cNvSpPr>
             <a:spLocks noGrp="1"/>
           </p:cNvSpPr>
@@ -609,8 +2743,8 @@
         </p:nvSpPr>
         <p:spPr>
           <a:xfrm>
-            <a:off x="838200" y="365125"/>
-            <a:ext cx="7734300" cy="5811838"/>
+            <a:off x="677335" y="609600"/>
+            <a:ext cx="7060150" cy="5251450"/>
           </a:xfrm>
         </p:spPr>
         <p:txBody>
@@ -650,19 +2784,13 @@
               <a:rPr lang="en-US"/>
               <a:t>Fifth level</a:t>
             </a:r>
-            <a:endParaRPr lang="it-IT"/>
-          </a:p>
-        </p:txBody>
-      </p:sp>
-      <p:sp>
-        <p:nvSpPr>
-          <p:cNvPr id="4" name="Date Placeholder 3">
-            <a:extLst>
-              <a:ext uri="{FF2B5EF4-FFF2-40B4-BE49-F238E27FC236}">
-                <a16:creationId xmlns:a16="http://schemas.microsoft.com/office/drawing/2014/main" id="{8628034E-2033-40EA-A57F-860D6C99D3C8}"/>
-              </a:ext>
-            </a:extLst>
-          </p:cNvPr>
+            <a:endParaRPr lang="en-US" dirty="0"/>
+          </a:p>
+        </p:txBody>
+      </p:sp>
+      <p:sp>
+        <p:nvSpPr>
+          <p:cNvPr id="4" name="Date Placeholder 3"/>
           <p:cNvSpPr>
             <a:spLocks noGrp="1"/>
           </p:cNvSpPr>
@@ -677,7 +2805,7 @@
           <a:p>
             <a:fld id="{3EE63B68-DE22-4FED-B712-512938807F67}" type="datetimeFigureOut">
               <a:rPr lang="it-IT" smtClean="0"/>
-              <a:t>10/07/2018</a:t>
+              <a:t>15/07/2018</a:t>
             </a:fld>
             <a:endParaRPr lang="it-IT"/>
           </a:p>
@@ -685,13 +2813,7 @@
       </p:sp>
       <p:sp>
         <p:nvSpPr>
-          <p:cNvPr id="5" name="Footer Placeholder 4">
-            <a:extLst>
-              <a:ext uri="{FF2B5EF4-FFF2-40B4-BE49-F238E27FC236}">
-                <a16:creationId xmlns:a16="http://schemas.microsoft.com/office/drawing/2014/main" id="{0936D491-FA8D-47E3-8F85-ECF4041E837D}"/>
-              </a:ext>
-            </a:extLst>
-          </p:cNvPr>
+          <p:cNvPr id="5" name="Footer Placeholder 4"/>
           <p:cNvSpPr>
             <a:spLocks noGrp="1"/>
           </p:cNvSpPr>
@@ -710,13 +2832,7 @@
       </p:sp>
       <p:sp>
         <p:nvSpPr>
-          <p:cNvPr id="6" name="Slide Number Placeholder 5">
-            <a:extLst>
-              <a:ext uri="{FF2B5EF4-FFF2-40B4-BE49-F238E27FC236}">
-                <a16:creationId xmlns:a16="http://schemas.microsoft.com/office/drawing/2014/main" id="{997E60E4-ED77-4413-B54F-5247D8E3EC41}"/>
-              </a:ext>
-            </a:extLst>
-          </p:cNvPr>
+          <p:cNvPr id="6" name="Slide Number Placeholder 5"/>
           <p:cNvSpPr>
             <a:spLocks noGrp="1"/>
           </p:cNvSpPr>
@@ -740,7 +2856,7 @@
     </p:spTree>
     <p:extLst>
       <p:ext uri="{BB962C8B-B14F-4D97-AF65-F5344CB8AC3E}">
-        <p14:creationId xmlns:p14="http://schemas.microsoft.com/office/powerpoint/2010/main" val="2984472898"/>
+        <p14:creationId xmlns:p14="http://schemas.microsoft.com/office/powerpoint/2010/main" val="602076891"/>
       </p:ext>
     </p:extLst>
   </p:cSld>
@@ -769,13 +2885,7 @@
       </p:grpSpPr>
       <p:sp>
         <p:nvSpPr>
-          <p:cNvPr id="2" name="Title 1">
-            <a:extLst>
-              <a:ext uri="{FF2B5EF4-FFF2-40B4-BE49-F238E27FC236}">
-                <a16:creationId xmlns:a16="http://schemas.microsoft.com/office/drawing/2014/main" id="{3FB37BC9-8C8E-4D38-AE1C-824E31D87804}"/>
-              </a:ext>
-            </a:extLst>
-          </p:cNvPr>
+          <p:cNvPr id="2" name="Title 1"/>
           <p:cNvSpPr>
             <a:spLocks noGrp="1"/>
           </p:cNvSpPr>
@@ -785,38 +2895,38 @@
         </p:nvSpPr>
         <p:spPr/>
         <p:txBody>
+          <a:bodyPr>
+            <a:normAutofit/>
+          </a:bodyPr>
+          <a:lstStyle>
+            <a:lvl1pPr>
+              <a:defRPr sz="3600"/>
+            </a:lvl1pPr>
+          </a:lstStyle>
+          <a:p>
+            <a:r>
+              <a:rPr lang="en-US"/>
+              <a:t>Click to edit Master title style</a:t>
+            </a:r>
+            <a:endParaRPr lang="en-US" dirty="0"/>
+          </a:p>
+        </p:txBody>
+      </p:sp>
+      <p:sp>
+        <p:nvSpPr>
+          <p:cNvPr id="3" name="Content Placeholder 2"/>
+          <p:cNvSpPr>
+            <a:spLocks noGrp="1"/>
+          </p:cNvSpPr>
+          <p:nvPr>
+            <p:ph idx="1"/>
+          </p:nvPr>
+        </p:nvSpPr>
+        <p:spPr/>
+        <p:txBody>
           <a:bodyPr/>
           <a:lstStyle/>
           <a:p>
-            <a:r>
-              <a:rPr lang="en-US"/>
-              <a:t>Click to edit Master title style</a:t>
-            </a:r>
-            <a:endParaRPr lang="it-IT"/>
-          </a:p>
-        </p:txBody>
-      </p:sp>
-      <p:sp>
-        <p:nvSpPr>
-          <p:cNvPr id="3" name="Content Placeholder 2">
-            <a:extLst>
-              <a:ext uri="{FF2B5EF4-FFF2-40B4-BE49-F238E27FC236}">
-                <a16:creationId xmlns:a16="http://schemas.microsoft.com/office/drawing/2014/main" id="{0B616110-AA59-4971-B8C4-1BBEA178FE98}"/>
-              </a:ext>
-            </a:extLst>
-          </p:cNvPr>
-          <p:cNvSpPr>
-            <a:spLocks noGrp="1"/>
-          </p:cNvSpPr>
-          <p:nvPr>
-            <p:ph idx="1"/>
-          </p:nvPr>
-        </p:nvSpPr>
-        <p:spPr/>
-        <p:txBody>
-          <a:bodyPr/>
-          <a:lstStyle/>
-          <a:p>
             <a:pPr lvl="0"/>
             <a:r>
               <a:rPr lang="en-US"/>
@@ -850,19 +2960,13 @@
               <a:rPr lang="en-US"/>
               <a:t>Fifth level</a:t>
             </a:r>
-            <a:endParaRPr lang="it-IT"/>
-          </a:p>
-        </p:txBody>
-      </p:sp>
-      <p:sp>
-        <p:nvSpPr>
-          <p:cNvPr id="4" name="Date Placeholder 3">
-            <a:extLst>
-              <a:ext uri="{FF2B5EF4-FFF2-40B4-BE49-F238E27FC236}">
-                <a16:creationId xmlns:a16="http://schemas.microsoft.com/office/drawing/2014/main" id="{E3F22932-1E1F-439B-8AF6-DE5032BD1088}"/>
-              </a:ext>
-            </a:extLst>
-          </p:cNvPr>
+            <a:endParaRPr lang="en-US" dirty="0"/>
+          </a:p>
+        </p:txBody>
+      </p:sp>
+      <p:sp>
+        <p:nvSpPr>
+          <p:cNvPr id="4" name="Date Placeholder 3"/>
           <p:cNvSpPr>
             <a:spLocks noGrp="1"/>
           </p:cNvSpPr>
@@ -877,7 +2981,7 @@
           <a:p>
             <a:fld id="{3EE63B68-DE22-4FED-B712-512938807F67}" type="datetimeFigureOut">
               <a:rPr lang="it-IT" smtClean="0"/>
-              <a:t>10/07/2018</a:t>
+              <a:t>15/07/2018</a:t>
             </a:fld>
             <a:endParaRPr lang="it-IT"/>
           </a:p>
@@ -885,13 +2989,7 @@
       </p:sp>
       <p:sp>
         <p:nvSpPr>
-          <p:cNvPr id="5" name="Footer Placeholder 4">
-            <a:extLst>
-              <a:ext uri="{FF2B5EF4-FFF2-40B4-BE49-F238E27FC236}">
-                <a16:creationId xmlns:a16="http://schemas.microsoft.com/office/drawing/2014/main" id="{3FBF0E20-10FF-44C0-AAF9-2B35F14F933F}"/>
-              </a:ext>
-            </a:extLst>
-          </p:cNvPr>
+          <p:cNvPr id="5" name="Footer Placeholder 4"/>
           <p:cNvSpPr>
             <a:spLocks noGrp="1"/>
           </p:cNvSpPr>
@@ -910,13 +3008,7 @@
       </p:sp>
       <p:sp>
         <p:nvSpPr>
-          <p:cNvPr id="6" name="Slide Number Placeholder 5">
-            <a:extLst>
-              <a:ext uri="{FF2B5EF4-FFF2-40B4-BE49-F238E27FC236}">
-                <a16:creationId xmlns:a16="http://schemas.microsoft.com/office/drawing/2014/main" id="{DA3B5CAB-C89A-4281-8366-FF0326BEB88E}"/>
-              </a:ext>
-            </a:extLst>
-          </p:cNvPr>
+          <p:cNvPr id="6" name="Slide Number Placeholder 5"/>
           <p:cNvSpPr>
             <a:spLocks noGrp="1"/>
           </p:cNvSpPr>
@@ -940,7 +3032,7 @@
     </p:spTree>
     <p:extLst>
       <p:ext uri="{BB962C8B-B14F-4D97-AF65-F5344CB8AC3E}">
-        <p14:creationId xmlns:p14="http://schemas.microsoft.com/office/powerpoint/2010/main" val="1310364630"/>
+        <p14:creationId xmlns:p14="http://schemas.microsoft.com/office/powerpoint/2010/main" val="3828576822"/>
       </p:ext>
     </p:extLst>
   </p:cSld>
@@ -969,13 +3061,7 @@
       </p:grpSpPr>
       <p:sp>
         <p:nvSpPr>
-          <p:cNvPr id="2" name="Title 1">
-            <a:extLst>
-              <a:ext uri="{FF2B5EF4-FFF2-40B4-BE49-F238E27FC236}">
-                <a16:creationId xmlns:a16="http://schemas.microsoft.com/office/drawing/2014/main" id="{F1DBFAF4-6FB7-485A-B5B4-E9F5142DDAD1}"/>
-              </a:ext>
-            </a:extLst>
-          </p:cNvPr>
+          <p:cNvPr id="2" name="Title 1"/>
           <p:cNvSpPr>
             <a:spLocks noGrp="1"/>
           </p:cNvSpPr>
@@ -985,15 +3071,15 @@
         </p:nvSpPr>
         <p:spPr>
           <a:xfrm>
-            <a:off x="831850" y="1709738"/>
-            <a:ext cx="10515600" cy="2852737"/>
+            <a:off x="677335" y="2700867"/>
+            <a:ext cx="8596668" cy="1826581"/>
           </a:xfrm>
         </p:spPr>
         <p:txBody>
           <a:bodyPr anchor="b"/>
           <a:lstStyle>
-            <a:lvl1pPr>
-              <a:defRPr sz="6000"/>
+            <a:lvl1pPr algn="l">
+              <a:defRPr sz="4000" b="0" cap="none"/>
             </a:lvl1pPr>
           </a:lstStyle>
           <a:p>
@@ -1001,19 +3087,13 @@
               <a:rPr lang="en-US"/>
               <a:t>Click to edit Master title style</a:t>
             </a:r>
-            <a:endParaRPr lang="it-IT"/>
-          </a:p>
-        </p:txBody>
-      </p:sp>
-      <p:sp>
-        <p:nvSpPr>
-          <p:cNvPr id="3" name="Text Placeholder 2">
-            <a:extLst>
-              <a:ext uri="{FF2B5EF4-FFF2-40B4-BE49-F238E27FC236}">
-                <a16:creationId xmlns:a16="http://schemas.microsoft.com/office/drawing/2014/main" id="{DA69B8B6-B8D1-4E60-9D28-146DC77E76A1}"/>
-              </a:ext>
-            </a:extLst>
-          </p:cNvPr>
+            <a:endParaRPr lang="en-US" dirty="0"/>
+          </a:p>
+        </p:txBody>
+      </p:sp>
+      <p:sp>
+        <p:nvSpPr>
+          <p:cNvPr id="3" name="Text Placeholder 2"/>
           <p:cNvSpPr>
             <a:spLocks noGrp="1"/>
           </p:cNvSpPr>
@@ -1023,102 +3103,103 @@
         </p:nvSpPr>
         <p:spPr>
           <a:xfrm>
-            <a:off x="831850" y="4589463"/>
-            <a:ext cx="10515600" cy="1500187"/>
+            <a:off x="677335" y="4527448"/>
+            <a:ext cx="8596668" cy="860400"/>
           </a:xfrm>
         </p:spPr>
         <p:txBody>
-          <a:bodyPr/>
+          <a:bodyPr anchor="t"/>
           <a:lstStyle>
-            <a:lvl1pPr marL="0" indent="0">
-              <a:buNone/>
-              <a:defRPr sz="2400">
+            <a:lvl1pPr marL="0" indent="0" algn="l">
+              <a:buNone/>
+              <a:defRPr sz="2000">
+                <a:solidFill>
+                  <a:schemeClr val="tx1">
+                    <a:lumMod val="50000"/>
+                    <a:lumOff val="50000"/>
+                  </a:schemeClr>
+                </a:solidFill>
+              </a:defRPr>
+            </a:lvl1pPr>
+            <a:lvl2pPr marL="457200" indent="0">
+              <a:buNone/>
+              <a:defRPr sz="1800">
                 <a:solidFill>
                   <a:schemeClr val="tx1">
                     <a:tint val="75000"/>
                   </a:schemeClr>
                 </a:solidFill>
               </a:defRPr>
-            </a:lvl1pPr>
-            <a:lvl2pPr marL="457200" indent="0">
-              <a:buNone/>
-              <a:defRPr sz="2000">
+            </a:lvl2pPr>
+            <a:lvl3pPr marL="914400" indent="0">
+              <a:buNone/>
+              <a:defRPr sz="1600">
                 <a:solidFill>
                   <a:schemeClr val="tx1">
                     <a:tint val="75000"/>
                   </a:schemeClr>
                 </a:solidFill>
               </a:defRPr>
-            </a:lvl2pPr>
-            <a:lvl3pPr marL="914400" indent="0">
-              <a:buNone/>
-              <a:defRPr sz="1800">
+            </a:lvl3pPr>
+            <a:lvl4pPr marL="1371600" indent="0">
+              <a:buNone/>
+              <a:defRPr sz="1400">
                 <a:solidFill>
                   <a:schemeClr val="tx1">
                     <a:tint val="75000"/>
                   </a:schemeClr>
                 </a:solidFill>
               </a:defRPr>
-            </a:lvl3pPr>
-            <a:lvl4pPr marL="1371600" indent="0">
-              <a:buNone/>
-              <a:defRPr sz="1600">
+            </a:lvl4pPr>
+            <a:lvl5pPr marL="1828800" indent="0">
+              <a:buNone/>
+              <a:defRPr sz="1400">
                 <a:solidFill>
                   <a:schemeClr val="tx1">
                     <a:tint val="75000"/>
                   </a:schemeClr>
                 </a:solidFill>
               </a:defRPr>
-            </a:lvl4pPr>
-            <a:lvl5pPr marL="1828800" indent="0">
-              <a:buNone/>
-              <a:defRPr sz="1600">
+            </a:lvl5pPr>
+            <a:lvl6pPr marL="2286000" indent="0">
+              <a:buNone/>
+              <a:defRPr sz="1400">
                 <a:solidFill>
                   <a:schemeClr val="tx1">
                     <a:tint val="75000"/>
                   </a:schemeClr>
                 </a:solidFill>
               </a:defRPr>
-            </a:lvl5pPr>
-            <a:lvl6pPr marL="2286000" indent="0">
-              <a:buNone/>
-              <a:defRPr sz="1600">
+            </a:lvl6pPr>
+            <a:lvl7pPr marL="2743200" indent="0">
+              <a:buNone/>
+              <a:defRPr sz="1400">
                 <a:solidFill>
                   <a:schemeClr val="tx1">
                     <a:tint val="75000"/>
                   </a:schemeClr>
                 </a:solidFill>
               </a:defRPr>
-            </a:lvl6pPr>
-            <a:lvl7pPr marL="2743200" indent="0">
-              <a:buNone/>
-              <a:defRPr sz="1600">
+            </a:lvl7pPr>
+            <a:lvl8pPr marL="3200400" indent="0">
+              <a:buNone/>
+              <a:defRPr sz="1400">
                 <a:solidFill>
                   <a:schemeClr val="tx1">
                     <a:tint val="75000"/>
                   </a:schemeClr>
                 </a:solidFill>
               </a:defRPr>
-            </a:lvl7pPr>
-            <a:lvl8pPr marL="3200400" indent="0">
-              <a:buNone/>
-              <a:defRPr sz="1600">
+            </a:lvl8pPr>
+            <a:lvl9pPr marL="3657600" indent="0">
+              <a:buNone/>
+              <a:defRPr sz="1400">
                 <a:solidFill>
                   <a:schemeClr val="tx1">
                     <a:tint val="75000"/>
                   </a:schemeClr>
                 </a:solidFill>
               </a:defRPr>
-            </a:lvl8pPr>
-            <a:lvl9pPr marL="3657600" indent="0">
-              <a:buNone/>
-              <a:defRPr sz="1600">
-                <a:solidFill>
-                  <a:schemeClr val="tx1">
-                    <a:tint val="75000"/>
-                  </a:schemeClr>
-                </a:solidFill>
-              </a:defRPr>
             </a:lvl9pPr>
           </a:lstStyle>
           <a:p>
@@ -1132,13 +3213,7 @@
       </p:sp>
       <p:sp>
         <p:nvSpPr>
-          <p:cNvPr id="4" name="Date Placeholder 3">
-            <a:extLst>
-              <a:ext uri="{FF2B5EF4-FFF2-40B4-BE49-F238E27FC236}">
-                <a16:creationId xmlns:a16="http://schemas.microsoft.com/office/drawing/2014/main" id="{D3697804-745F-443D-BA27-500F2690B3B5}"/>
-              </a:ext>
-            </a:extLst>
-          </p:cNvPr>
+          <p:cNvPr id="4" name="Date Placeholder 3"/>
           <p:cNvSpPr>
             <a:spLocks noGrp="1"/>
           </p:cNvSpPr>
@@ -1153,7 +3228,7 @@
           <a:p>
             <a:fld id="{3EE63B68-DE22-4FED-B712-512938807F67}" type="datetimeFigureOut">
               <a:rPr lang="it-IT" smtClean="0"/>
-              <a:t>10/07/2018</a:t>
+              <a:t>15/07/2018</a:t>
             </a:fld>
             <a:endParaRPr lang="it-IT"/>
           </a:p>
@@ -1161,13 +3236,7 @@
       </p:sp>
       <p:sp>
         <p:nvSpPr>
-          <p:cNvPr id="5" name="Footer Placeholder 4">
-            <a:extLst>
-              <a:ext uri="{FF2B5EF4-FFF2-40B4-BE49-F238E27FC236}">
-                <a16:creationId xmlns:a16="http://schemas.microsoft.com/office/drawing/2014/main" id="{9E8E5DBA-C78B-4BC6-B983-7BC14D164E2E}"/>
-              </a:ext>
-            </a:extLst>
-          </p:cNvPr>
+          <p:cNvPr id="5" name="Footer Placeholder 4"/>
           <p:cNvSpPr>
             <a:spLocks noGrp="1"/>
           </p:cNvSpPr>
@@ -1186,13 +3255,7 @@
       </p:sp>
       <p:sp>
         <p:nvSpPr>
-          <p:cNvPr id="6" name="Slide Number Placeholder 5">
-            <a:extLst>
-              <a:ext uri="{FF2B5EF4-FFF2-40B4-BE49-F238E27FC236}">
-                <a16:creationId xmlns:a16="http://schemas.microsoft.com/office/drawing/2014/main" id="{3E70D4D5-504B-409D-A7D1-8AD1CE0C2E55}"/>
-              </a:ext>
-            </a:extLst>
-          </p:cNvPr>
+          <p:cNvPr id="6" name="Slide Number Placeholder 5"/>
           <p:cNvSpPr>
             <a:spLocks noGrp="1"/>
           </p:cNvSpPr>
@@ -1216,7 +3279,7 @@
     </p:spTree>
     <p:extLst>
       <p:ext uri="{BB962C8B-B14F-4D97-AF65-F5344CB8AC3E}">
-        <p14:creationId xmlns:p14="http://schemas.microsoft.com/office/powerpoint/2010/main" val="99297728"/>
+        <p14:creationId xmlns:p14="http://schemas.microsoft.com/office/powerpoint/2010/main" val="3576824952"/>
       </p:ext>
     </p:extLst>
   </p:cSld>
@@ -1245,13 +3308,7 @@
       </p:grpSpPr>
       <p:sp>
         <p:nvSpPr>
-          <p:cNvPr id="2" name="Title 1">
-            <a:extLst>
-              <a:ext uri="{FF2B5EF4-FFF2-40B4-BE49-F238E27FC236}">
-                <a16:creationId xmlns:a16="http://schemas.microsoft.com/office/drawing/2014/main" id="{30E99956-F90F-422C-8EAC-F36DDF72C5B6}"/>
-              </a:ext>
-            </a:extLst>
-          </p:cNvPr>
+          <p:cNvPr id="2" name="Title 1"/>
           <p:cNvSpPr>
             <a:spLocks noGrp="1"/>
           </p:cNvSpPr>
@@ -1268,19 +3325,13 @@
               <a:rPr lang="en-US"/>
               <a:t>Click to edit Master title style</a:t>
             </a:r>
-            <a:endParaRPr lang="it-IT"/>
-          </a:p>
-        </p:txBody>
-      </p:sp>
-      <p:sp>
-        <p:nvSpPr>
-          <p:cNvPr id="3" name="Content Placeholder 2">
-            <a:extLst>
-              <a:ext uri="{FF2B5EF4-FFF2-40B4-BE49-F238E27FC236}">
-                <a16:creationId xmlns:a16="http://schemas.microsoft.com/office/drawing/2014/main" id="{188E36E3-2C02-44AB-8C1B-F9F2A23FCD33}"/>
-              </a:ext>
-            </a:extLst>
-          </p:cNvPr>
+            <a:endParaRPr lang="en-US" dirty="0"/>
+          </a:p>
+        </p:txBody>
+      </p:sp>
+      <p:sp>
+        <p:nvSpPr>
+          <p:cNvPr id="3" name="Content Placeholder 2"/>
           <p:cNvSpPr>
             <a:spLocks noGrp="1"/>
           </p:cNvSpPr>
@@ -1290,8 +3341,8 @@
         </p:nvSpPr>
         <p:spPr>
           <a:xfrm>
-            <a:off x="838200" y="1825625"/>
-            <a:ext cx="5181600" cy="4351338"/>
+            <a:off x="677334" y="2160589"/>
+            <a:ext cx="4184035" cy="3880772"/>
           </a:xfrm>
         </p:spPr>
         <p:txBody>
@@ -1331,19 +3382,13 @@
               <a:rPr lang="en-US"/>
               <a:t>Fifth level</a:t>
             </a:r>
-            <a:endParaRPr lang="it-IT"/>
-          </a:p>
-        </p:txBody>
-      </p:sp>
-      <p:sp>
-        <p:nvSpPr>
-          <p:cNvPr id="4" name="Content Placeholder 3">
-            <a:extLst>
-              <a:ext uri="{FF2B5EF4-FFF2-40B4-BE49-F238E27FC236}">
-                <a16:creationId xmlns:a16="http://schemas.microsoft.com/office/drawing/2014/main" id="{DC9F8822-76BC-4338-AF2E-C2AC301B457E}"/>
-              </a:ext>
-            </a:extLst>
-          </p:cNvPr>
+            <a:endParaRPr lang="en-US" dirty="0"/>
+          </a:p>
+        </p:txBody>
+      </p:sp>
+      <p:sp>
+        <p:nvSpPr>
+          <p:cNvPr id="4" name="Content Placeholder 3"/>
           <p:cNvSpPr>
             <a:spLocks noGrp="1"/>
           </p:cNvSpPr>
@@ -1353,8 +3398,8 @@
         </p:nvSpPr>
         <p:spPr>
           <a:xfrm>
-            <a:off x="6172200" y="1825625"/>
-            <a:ext cx="5181600" cy="4351338"/>
+            <a:off x="5089970" y="2160589"/>
+            <a:ext cx="4184034" cy="3880773"/>
           </a:xfrm>
         </p:spPr>
         <p:txBody>
@@ -1394,19 +3439,13 @@
               <a:rPr lang="en-US"/>
               <a:t>Fifth level</a:t>
             </a:r>
-            <a:endParaRPr lang="it-IT"/>
-          </a:p>
-        </p:txBody>
-      </p:sp>
-      <p:sp>
-        <p:nvSpPr>
-          <p:cNvPr id="5" name="Date Placeholder 4">
-            <a:extLst>
-              <a:ext uri="{FF2B5EF4-FFF2-40B4-BE49-F238E27FC236}">
-                <a16:creationId xmlns:a16="http://schemas.microsoft.com/office/drawing/2014/main" id="{462C074F-6DCE-4CBD-BD81-225C84707C98}"/>
-              </a:ext>
-            </a:extLst>
-          </p:cNvPr>
+            <a:endParaRPr lang="en-US" dirty="0"/>
+          </a:p>
+        </p:txBody>
+      </p:sp>
+      <p:sp>
+        <p:nvSpPr>
+          <p:cNvPr id="5" name="Date Placeholder 4"/>
           <p:cNvSpPr>
             <a:spLocks noGrp="1"/>
           </p:cNvSpPr>
@@ -1421,7 +3460,7 @@
           <a:p>
             <a:fld id="{3EE63B68-DE22-4FED-B712-512938807F67}" type="datetimeFigureOut">
               <a:rPr lang="it-IT" smtClean="0"/>
-              <a:t>10/07/2018</a:t>
+              <a:t>15/07/2018</a:t>
             </a:fld>
             <a:endParaRPr lang="it-IT"/>
           </a:p>
@@ -1429,13 +3468,7 @@
       </p:sp>
       <p:sp>
         <p:nvSpPr>
-          <p:cNvPr id="6" name="Footer Placeholder 5">
-            <a:extLst>
-              <a:ext uri="{FF2B5EF4-FFF2-40B4-BE49-F238E27FC236}">
-                <a16:creationId xmlns:a16="http://schemas.microsoft.com/office/drawing/2014/main" id="{A39CE2B5-4F0D-4724-888F-5666D5B55F29}"/>
-              </a:ext>
-            </a:extLst>
-          </p:cNvPr>
+          <p:cNvPr id="6" name="Footer Placeholder 5"/>
           <p:cNvSpPr>
             <a:spLocks noGrp="1"/>
           </p:cNvSpPr>
@@ -1454,13 +3487,7 @@
       </p:sp>
       <p:sp>
         <p:nvSpPr>
-          <p:cNvPr id="7" name="Slide Number Placeholder 6">
-            <a:extLst>
-              <a:ext uri="{FF2B5EF4-FFF2-40B4-BE49-F238E27FC236}">
-                <a16:creationId xmlns:a16="http://schemas.microsoft.com/office/drawing/2014/main" id="{63348032-93BB-48F5-ACF5-140AACAD3F48}"/>
-              </a:ext>
-            </a:extLst>
-          </p:cNvPr>
+          <p:cNvPr id="7" name="Slide Number Placeholder 6"/>
           <p:cNvSpPr>
             <a:spLocks noGrp="1"/>
           </p:cNvSpPr>
@@ -1484,7 +3511,7 @@
     </p:spTree>
     <p:extLst>
       <p:ext uri="{BB962C8B-B14F-4D97-AF65-F5344CB8AC3E}">
-        <p14:creationId xmlns:p14="http://schemas.microsoft.com/office/powerpoint/2010/main" val="992283075"/>
+        <p14:creationId xmlns:p14="http://schemas.microsoft.com/office/powerpoint/2010/main" val="3015952999"/>
       </p:ext>
     </p:extLst>
   </p:cSld>
@@ -1513,66 +3540,55 @@
       </p:grpSpPr>
       <p:sp>
         <p:nvSpPr>
-          <p:cNvPr id="2" name="Title 1">
-            <a:extLst>
-              <a:ext uri="{FF2B5EF4-FFF2-40B4-BE49-F238E27FC236}">
-                <a16:creationId xmlns:a16="http://schemas.microsoft.com/office/drawing/2014/main" id="{BFBEC57F-0DB3-4D8F-A1C2-3E6AFC3D641C}"/>
-              </a:ext>
-            </a:extLst>
-          </p:cNvPr>
+          <p:cNvPr id="2" name="Title 1"/>
           <p:cNvSpPr>
             <a:spLocks noGrp="1"/>
           </p:cNvSpPr>
           <p:nvPr>
             <p:ph type="title"/>
+          </p:nvPr>
+        </p:nvSpPr>
+        <p:spPr/>
+        <p:txBody>
+          <a:bodyPr/>
+          <a:lstStyle>
+            <a:lvl1pPr>
+              <a:defRPr/>
+            </a:lvl1pPr>
+          </a:lstStyle>
+          <a:p>
+            <a:r>
+              <a:rPr lang="en-US"/>
+              <a:t>Click to edit Master title style</a:t>
+            </a:r>
+            <a:endParaRPr lang="en-US" dirty="0"/>
+          </a:p>
+        </p:txBody>
+      </p:sp>
+      <p:sp>
+        <p:nvSpPr>
+          <p:cNvPr id="3" name="Text Placeholder 2"/>
+          <p:cNvSpPr>
+            <a:spLocks noGrp="1"/>
+          </p:cNvSpPr>
+          <p:nvPr>
+            <p:ph type="body" idx="1"/>
           </p:nvPr>
         </p:nvSpPr>
         <p:spPr>
           <a:xfrm>
-            <a:off x="839788" y="365125"/>
-            <a:ext cx="10515600" cy="1325563"/>
+            <a:off x="675745" y="2160983"/>
+            <a:ext cx="4185623" cy="576262"/>
           </a:xfrm>
         </p:spPr>
         <p:txBody>
-          <a:bodyPr/>
-          <a:lstStyle/>
-          <a:p>
-            <a:r>
-              <a:rPr lang="en-US"/>
-              <a:t>Click to edit Master title style</a:t>
-            </a:r>
-            <a:endParaRPr lang="it-IT"/>
-          </a:p>
-        </p:txBody>
-      </p:sp>
-      <p:sp>
-        <p:nvSpPr>
-          <p:cNvPr id="3" name="Text Placeholder 2">
-            <a:extLst>
-              <a:ext uri="{FF2B5EF4-FFF2-40B4-BE49-F238E27FC236}">
-                <a16:creationId xmlns:a16="http://schemas.microsoft.com/office/drawing/2014/main" id="{EEB0A968-28CB-4D46-A0A5-84127DE4E968}"/>
-              </a:ext>
-            </a:extLst>
-          </p:cNvPr>
-          <p:cNvSpPr>
-            <a:spLocks noGrp="1"/>
-          </p:cNvSpPr>
-          <p:nvPr>
-            <p:ph type="body" idx="1"/>
-          </p:nvPr>
-        </p:nvSpPr>
-        <p:spPr>
-          <a:xfrm>
-            <a:off x="839788" y="1681163"/>
-            <a:ext cx="5157787" cy="823912"/>
-          </a:xfrm>
-        </p:spPr>
-        <p:txBody>
-          <a:bodyPr anchor="b"/>
+          <a:bodyPr anchor="b">
+            <a:noAutofit/>
+          </a:bodyPr>
           <a:lstStyle>
             <a:lvl1pPr marL="0" indent="0">
               <a:buNone/>
-              <a:defRPr sz="2400" b="1"/>
+              <a:defRPr sz="2400" b="0"/>
             </a:lvl1pPr>
             <a:lvl2pPr marL="457200" indent="0">
               <a:buNone/>
@@ -1618,13 +3634,7 @@
       </p:sp>
       <p:sp>
         <p:nvSpPr>
-          <p:cNvPr id="4" name="Content Placeholder 3">
-            <a:extLst>
-              <a:ext uri="{FF2B5EF4-FFF2-40B4-BE49-F238E27FC236}">
-                <a16:creationId xmlns:a16="http://schemas.microsoft.com/office/drawing/2014/main" id="{C8C6E1FB-C109-4416-A7A8-51A35E023470}"/>
-              </a:ext>
-            </a:extLst>
-          </p:cNvPr>
+          <p:cNvPr id="4" name="Content Placeholder 3"/>
           <p:cNvSpPr>
             <a:spLocks noGrp="1"/>
           </p:cNvSpPr>
@@ -1634,12 +3644,14 @@
         </p:nvSpPr>
         <p:spPr>
           <a:xfrm>
-            <a:off x="839788" y="2505075"/>
-            <a:ext cx="5157787" cy="3684588"/>
+            <a:off x="675745" y="2737245"/>
+            <a:ext cx="4185623" cy="3304117"/>
           </a:xfrm>
         </p:spPr>
         <p:txBody>
-          <a:bodyPr/>
+          <a:bodyPr>
+            <a:normAutofit/>
+          </a:bodyPr>
           <a:lstStyle/>
           <a:p>
             <a:pPr lvl="0"/>
@@ -1675,19 +3687,13 @@
               <a:rPr lang="en-US"/>
               <a:t>Fifth level</a:t>
             </a:r>
-            <a:endParaRPr lang="it-IT"/>
-          </a:p>
-        </p:txBody>
-      </p:sp>
-      <p:sp>
-        <p:nvSpPr>
-          <p:cNvPr id="5" name="Text Placeholder 4">
-            <a:extLst>
-              <a:ext uri="{FF2B5EF4-FFF2-40B4-BE49-F238E27FC236}">
-                <a16:creationId xmlns:a16="http://schemas.microsoft.com/office/drawing/2014/main" id="{DF47F650-8B23-4347-B3EC-57D70B27EACE}"/>
-              </a:ext>
-            </a:extLst>
-          </p:cNvPr>
+            <a:endParaRPr lang="en-US" dirty="0"/>
+          </a:p>
+        </p:txBody>
+      </p:sp>
+      <p:sp>
+        <p:nvSpPr>
+          <p:cNvPr id="5" name="Text Placeholder 4"/>
           <p:cNvSpPr>
             <a:spLocks noGrp="1"/>
           </p:cNvSpPr>
@@ -1697,16 +3703,18 @@
         </p:nvSpPr>
         <p:spPr>
           <a:xfrm>
-            <a:off x="6172200" y="1681163"/>
-            <a:ext cx="5183188" cy="823912"/>
+            <a:off x="5088383" y="2160983"/>
+            <a:ext cx="4185618" cy="576262"/>
           </a:xfrm>
         </p:spPr>
         <p:txBody>
-          <a:bodyPr anchor="b"/>
+          <a:bodyPr anchor="b">
+            <a:noAutofit/>
+          </a:bodyPr>
           <a:lstStyle>
             <a:lvl1pPr marL="0" indent="0">
               <a:buNone/>
-              <a:defRPr sz="2400" b="1"/>
+              <a:defRPr sz="2400" b="0"/>
             </a:lvl1pPr>
             <a:lvl2pPr marL="457200" indent="0">
               <a:buNone/>
@@ -1752,13 +3760,7 @@
       </p:sp>
       <p:sp>
         <p:nvSpPr>
-          <p:cNvPr id="6" name="Content Placeholder 5">
-            <a:extLst>
-              <a:ext uri="{FF2B5EF4-FFF2-40B4-BE49-F238E27FC236}">
-                <a16:creationId xmlns:a16="http://schemas.microsoft.com/office/drawing/2014/main" id="{DBAC5A61-954A-4A64-8DCA-D7AE02E8B839}"/>
-              </a:ext>
-            </a:extLst>
-          </p:cNvPr>
+          <p:cNvPr id="6" name="Content Placeholder 5"/>
           <p:cNvSpPr>
             <a:spLocks noGrp="1"/>
           </p:cNvSpPr>
@@ -1768,12 +3770,14 @@
         </p:nvSpPr>
         <p:spPr>
           <a:xfrm>
-            <a:off x="6172200" y="2505075"/>
-            <a:ext cx="5183188" cy="3684588"/>
+            <a:off x="5088384" y="2737245"/>
+            <a:ext cx="4185617" cy="3304117"/>
           </a:xfrm>
         </p:spPr>
         <p:txBody>
-          <a:bodyPr/>
+          <a:bodyPr>
+            <a:normAutofit/>
+          </a:bodyPr>
           <a:lstStyle/>
           <a:p>
             <a:pPr lvl="0"/>
@@ -1809,19 +3813,13 @@
               <a:rPr lang="en-US"/>
               <a:t>Fifth level</a:t>
             </a:r>
-            <a:endParaRPr lang="it-IT"/>
-          </a:p>
-        </p:txBody>
-      </p:sp>
-      <p:sp>
-        <p:nvSpPr>
-          <p:cNvPr id="7" name="Date Placeholder 6">
-            <a:extLst>
-              <a:ext uri="{FF2B5EF4-FFF2-40B4-BE49-F238E27FC236}">
-                <a16:creationId xmlns:a16="http://schemas.microsoft.com/office/drawing/2014/main" id="{7E6AF539-A92D-423E-90B9-9566AAECEDB9}"/>
-              </a:ext>
-            </a:extLst>
-          </p:cNvPr>
+            <a:endParaRPr lang="en-US" dirty="0"/>
+          </a:p>
+        </p:txBody>
+      </p:sp>
+      <p:sp>
+        <p:nvSpPr>
+          <p:cNvPr id="7" name="Date Placeholder 6"/>
           <p:cNvSpPr>
             <a:spLocks noGrp="1"/>
           </p:cNvSpPr>
@@ -1836,7 +3834,7 @@
           <a:p>
             <a:fld id="{3EE63B68-DE22-4FED-B712-512938807F67}" type="datetimeFigureOut">
               <a:rPr lang="it-IT" smtClean="0"/>
-              <a:t>10/07/2018</a:t>
+              <a:t>15/07/2018</a:t>
             </a:fld>
             <a:endParaRPr lang="it-IT"/>
           </a:p>
@@ -1844,13 +3842,7 @@
       </p:sp>
       <p:sp>
         <p:nvSpPr>
-          <p:cNvPr id="8" name="Footer Placeholder 7">
-            <a:extLst>
-              <a:ext uri="{FF2B5EF4-FFF2-40B4-BE49-F238E27FC236}">
-                <a16:creationId xmlns:a16="http://schemas.microsoft.com/office/drawing/2014/main" id="{B005C52A-341B-430F-A375-BD2A8A08F9F9}"/>
-              </a:ext>
-            </a:extLst>
-          </p:cNvPr>
+          <p:cNvPr id="8" name="Footer Placeholder 7"/>
           <p:cNvSpPr>
             <a:spLocks noGrp="1"/>
           </p:cNvSpPr>
@@ -1869,13 +3861,7 @@
       </p:sp>
       <p:sp>
         <p:nvSpPr>
-          <p:cNvPr id="9" name="Slide Number Placeholder 8">
-            <a:extLst>
-              <a:ext uri="{FF2B5EF4-FFF2-40B4-BE49-F238E27FC236}">
-                <a16:creationId xmlns:a16="http://schemas.microsoft.com/office/drawing/2014/main" id="{4292E564-EE2C-4C83-9467-6A47B450CF28}"/>
-              </a:ext>
-            </a:extLst>
-          </p:cNvPr>
+          <p:cNvPr id="9" name="Slide Number Placeholder 8"/>
           <p:cNvSpPr>
             <a:spLocks noGrp="1"/>
           </p:cNvSpPr>
@@ -1899,7 +3885,7 @@
     </p:spTree>
     <p:extLst>
       <p:ext uri="{BB962C8B-B14F-4D97-AF65-F5344CB8AC3E}">
-        <p14:creationId xmlns:p14="http://schemas.microsoft.com/office/powerpoint/2010/main" val="3188006832"/>
+        <p14:creationId xmlns:p14="http://schemas.microsoft.com/office/powerpoint/2010/main" val="483612187"/>
       </p:ext>
     </p:extLst>
   </p:cSld>
@@ -1928,13 +3914,7 @@
       </p:grpSpPr>
       <p:sp>
         <p:nvSpPr>
-          <p:cNvPr id="2" name="Title 1">
-            <a:extLst>
-              <a:ext uri="{FF2B5EF4-FFF2-40B4-BE49-F238E27FC236}">
-                <a16:creationId xmlns:a16="http://schemas.microsoft.com/office/drawing/2014/main" id="{7B6F90D6-2185-4A37-9A32-6068EC3D3176}"/>
-              </a:ext>
-            </a:extLst>
-          </p:cNvPr>
+          <p:cNvPr id="2" name="Title 1"/>
           <p:cNvSpPr>
             <a:spLocks noGrp="1"/>
           </p:cNvSpPr>
@@ -1942,7 +3922,12 @@
             <p:ph type="title"/>
           </p:nvPr>
         </p:nvSpPr>
-        <p:spPr/>
+        <p:spPr>
+          <a:xfrm>
+            <a:off x="677334" y="609600"/>
+            <a:ext cx="8596668" cy="1320800"/>
+          </a:xfrm>
+        </p:spPr>
         <p:txBody>
           <a:bodyPr/>
           <a:lstStyle/>
@@ -1951,19 +3936,13 @@
               <a:rPr lang="en-US"/>
               <a:t>Click to edit Master title style</a:t>
             </a:r>
-            <a:endParaRPr lang="it-IT"/>
-          </a:p>
-        </p:txBody>
-      </p:sp>
-      <p:sp>
-        <p:nvSpPr>
-          <p:cNvPr id="3" name="Date Placeholder 2">
-            <a:extLst>
-              <a:ext uri="{FF2B5EF4-FFF2-40B4-BE49-F238E27FC236}">
-                <a16:creationId xmlns:a16="http://schemas.microsoft.com/office/drawing/2014/main" id="{15533A74-C90F-417F-84BF-5637144B6541}"/>
-              </a:ext>
-            </a:extLst>
-          </p:cNvPr>
+            <a:endParaRPr lang="en-US" dirty="0"/>
+          </a:p>
+        </p:txBody>
+      </p:sp>
+      <p:sp>
+        <p:nvSpPr>
+          <p:cNvPr id="3" name="Date Placeholder 2"/>
           <p:cNvSpPr>
             <a:spLocks noGrp="1"/>
           </p:cNvSpPr>
@@ -1978,7 +3957,7 @@
           <a:p>
             <a:fld id="{3EE63B68-DE22-4FED-B712-512938807F67}" type="datetimeFigureOut">
               <a:rPr lang="it-IT" smtClean="0"/>
-              <a:t>10/07/2018</a:t>
+              <a:t>15/07/2018</a:t>
             </a:fld>
             <a:endParaRPr lang="it-IT"/>
           </a:p>
@@ -1986,13 +3965,7 @@
       </p:sp>
       <p:sp>
         <p:nvSpPr>
-          <p:cNvPr id="4" name="Footer Placeholder 3">
-            <a:extLst>
-              <a:ext uri="{FF2B5EF4-FFF2-40B4-BE49-F238E27FC236}">
-                <a16:creationId xmlns:a16="http://schemas.microsoft.com/office/drawing/2014/main" id="{1C1D35F2-B686-4F1D-AC94-AFE34E795553}"/>
-              </a:ext>
-            </a:extLst>
-          </p:cNvPr>
+          <p:cNvPr id="4" name="Footer Placeholder 3"/>
           <p:cNvSpPr>
             <a:spLocks noGrp="1"/>
           </p:cNvSpPr>
@@ -2011,13 +3984,7 @@
       </p:sp>
       <p:sp>
         <p:nvSpPr>
-          <p:cNvPr id="5" name="Slide Number Placeholder 4">
-            <a:extLst>
-              <a:ext uri="{FF2B5EF4-FFF2-40B4-BE49-F238E27FC236}">
-                <a16:creationId xmlns:a16="http://schemas.microsoft.com/office/drawing/2014/main" id="{5013375E-CAD3-459D-8DE7-89704D5791A7}"/>
-              </a:ext>
-            </a:extLst>
-          </p:cNvPr>
+          <p:cNvPr id="5" name="Slide Number Placeholder 4"/>
           <p:cNvSpPr>
             <a:spLocks noGrp="1"/>
           </p:cNvSpPr>
@@ -2041,7 +4008,7 @@
     </p:spTree>
     <p:extLst>
       <p:ext uri="{BB962C8B-B14F-4D97-AF65-F5344CB8AC3E}">
-        <p14:creationId xmlns:p14="http://schemas.microsoft.com/office/powerpoint/2010/main" val="1505518281"/>
+        <p14:creationId xmlns:p14="http://schemas.microsoft.com/office/powerpoint/2010/main" val="3443717241"/>
       </p:ext>
     </p:extLst>
   </p:cSld>
@@ -2070,13 +4037,7 @@
       </p:grpSpPr>
       <p:sp>
         <p:nvSpPr>
-          <p:cNvPr id="2" name="Date Placeholder 1">
-            <a:extLst>
-              <a:ext uri="{FF2B5EF4-FFF2-40B4-BE49-F238E27FC236}">
-                <a16:creationId xmlns:a16="http://schemas.microsoft.com/office/drawing/2014/main" id="{47AF93DA-F586-429E-A0AB-3B1695F2BBA8}"/>
-              </a:ext>
-            </a:extLst>
-          </p:cNvPr>
+          <p:cNvPr id="2" name="Date Placeholder 1"/>
           <p:cNvSpPr>
             <a:spLocks noGrp="1"/>
           </p:cNvSpPr>
@@ -2091,7 +4052,7 @@
           <a:p>
             <a:fld id="{3EE63B68-DE22-4FED-B712-512938807F67}" type="datetimeFigureOut">
               <a:rPr lang="it-IT" smtClean="0"/>
-              <a:t>10/07/2018</a:t>
+              <a:t>15/07/2018</a:t>
             </a:fld>
             <a:endParaRPr lang="it-IT"/>
           </a:p>
@@ -2099,13 +4060,7 @@
       </p:sp>
       <p:sp>
         <p:nvSpPr>
-          <p:cNvPr id="3" name="Footer Placeholder 2">
-            <a:extLst>
-              <a:ext uri="{FF2B5EF4-FFF2-40B4-BE49-F238E27FC236}">
-                <a16:creationId xmlns:a16="http://schemas.microsoft.com/office/drawing/2014/main" id="{85A0483C-C430-45B9-9BA4-0BA9820284A8}"/>
-              </a:ext>
-            </a:extLst>
-          </p:cNvPr>
+          <p:cNvPr id="3" name="Footer Placeholder 2"/>
           <p:cNvSpPr>
             <a:spLocks noGrp="1"/>
           </p:cNvSpPr>
@@ -2124,13 +4079,7 @@
       </p:sp>
       <p:sp>
         <p:nvSpPr>
-          <p:cNvPr id="4" name="Slide Number Placeholder 3">
-            <a:extLst>
-              <a:ext uri="{FF2B5EF4-FFF2-40B4-BE49-F238E27FC236}">
-                <a16:creationId xmlns:a16="http://schemas.microsoft.com/office/drawing/2014/main" id="{CA90EF44-001D-451F-A43D-7B15E4E54ED5}"/>
-              </a:ext>
-            </a:extLst>
-          </p:cNvPr>
+          <p:cNvPr id="4" name="Slide Number Placeholder 3"/>
           <p:cNvSpPr>
             <a:spLocks noGrp="1"/>
           </p:cNvSpPr>
@@ -2154,7 +4103,7 @@
     </p:spTree>
     <p:extLst>
       <p:ext uri="{BB962C8B-B14F-4D97-AF65-F5344CB8AC3E}">
-        <p14:creationId xmlns:p14="http://schemas.microsoft.com/office/powerpoint/2010/main" val="2399722189"/>
+        <p14:creationId xmlns:p14="http://schemas.microsoft.com/office/powerpoint/2010/main" val="1610312298"/>
       </p:ext>
     </p:extLst>
   </p:cSld>
@@ -2183,13 +4132,7 @@
       </p:grpSpPr>
       <p:sp>
         <p:nvSpPr>
-          <p:cNvPr id="2" name="Title 1">
-            <a:extLst>
-              <a:ext uri="{FF2B5EF4-FFF2-40B4-BE49-F238E27FC236}">
-                <a16:creationId xmlns:a16="http://schemas.microsoft.com/office/drawing/2014/main" id="{430E0EE0-DD5C-4F81-8BA7-5CEA3D358D5F}"/>
-              </a:ext>
-            </a:extLst>
-          </p:cNvPr>
+          <p:cNvPr id="2" name="Title 1"/>
           <p:cNvSpPr>
             <a:spLocks noGrp="1"/>
           </p:cNvSpPr>
@@ -2199,15 +4142,17 @@
         </p:nvSpPr>
         <p:spPr>
           <a:xfrm>
-            <a:off x="839788" y="457200"/>
-            <a:ext cx="3932237" cy="1600200"/>
+            <a:off x="677334" y="1498604"/>
+            <a:ext cx="3854528" cy="1278466"/>
           </a:xfrm>
         </p:spPr>
         <p:txBody>
-          <a:bodyPr anchor="b"/>
+          <a:bodyPr anchor="b">
+            <a:normAutofit/>
+          </a:bodyPr>
           <a:lstStyle>
             <a:lvl1pPr>
-              <a:defRPr sz="3200"/>
+              <a:defRPr sz="2000"/>
             </a:lvl1pPr>
           </a:lstStyle>
           <a:p>
@@ -2215,19 +4160,13 @@
               <a:rPr lang="en-US"/>
               <a:t>Click to edit Master title style</a:t>
             </a:r>
-            <a:endParaRPr lang="it-IT"/>
-          </a:p>
-        </p:txBody>
-      </p:sp>
-      <p:sp>
-        <p:nvSpPr>
-          <p:cNvPr id="3" name="Content Placeholder 2">
-            <a:extLst>
-              <a:ext uri="{FF2B5EF4-FFF2-40B4-BE49-F238E27FC236}">
-                <a16:creationId xmlns:a16="http://schemas.microsoft.com/office/drawing/2014/main" id="{F88FA273-4CA4-44F5-BB9A-22C145254AED}"/>
-              </a:ext>
-            </a:extLst>
-          </p:cNvPr>
+            <a:endParaRPr lang="en-US" dirty="0"/>
+          </a:p>
+        </p:txBody>
+      </p:sp>
+      <p:sp>
+        <p:nvSpPr>
+          <p:cNvPr id="3" name="Content Placeholder 2"/>
           <p:cNvSpPr>
             <a:spLocks noGrp="1"/>
           </p:cNvSpPr>
@@ -2237,41 +4176,15 @@
         </p:nvSpPr>
         <p:spPr>
           <a:xfrm>
-            <a:off x="5183188" y="987425"/>
-            <a:ext cx="6172200" cy="4873625"/>
+            <a:off x="4760461" y="514924"/>
+            <a:ext cx="4513541" cy="5526437"/>
           </a:xfrm>
         </p:spPr>
         <p:txBody>
-          <a:bodyPr/>
-          <a:lstStyle>
-            <a:lvl1pPr>
-              <a:defRPr sz="3200"/>
-            </a:lvl1pPr>
-            <a:lvl2pPr>
-              <a:defRPr sz="2800"/>
-            </a:lvl2pPr>
-            <a:lvl3pPr>
-              <a:defRPr sz="2400"/>
-            </a:lvl3pPr>
-            <a:lvl4pPr>
-              <a:defRPr sz="2000"/>
-            </a:lvl4pPr>
-            <a:lvl5pPr>
-              <a:defRPr sz="2000"/>
-            </a:lvl5pPr>
-            <a:lvl6pPr>
-              <a:defRPr sz="2000"/>
-            </a:lvl6pPr>
-            <a:lvl7pPr>
-              <a:defRPr sz="2000"/>
-            </a:lvl7pPr>
-            <a:lvl8pPr>
-              <a:defRPr sz="2000"/>
-            </a:lvl8pPr>
-            <a:lvl9pPr>
-              <a:defRPr sz="2000"/>
-            </a:lvl9pPr>
-          </a:lstStyle>
+          <a:bodyPr>
+            <a:normAutofit/>
+          </a:bodyPr>
+          <a:lstStyle/>
           <a:p>
             <a:pPr lvl="0"/>
             <a:r>
@@ -2306,19 +4219,13 @@
               <a:rPr lang="en-US"/>
               <a:t>Fifth level</a:t>
             </a:r>
-            <a:endParaRPr lang="it-IT"/>
-          </a:p>
-        </p:txBody>
-      </p:sp>
-      <p:sp>
-        <p:nvSpPr>
-          <p:cNvPr id="4" name="Text Placeholder 3">
-            <a:extLst>
-              <a:ext uri="{FF2B5EF4-FFF2-40B4-BE49-F238E27FC236}">
-                <a16:creationId xmlns:a16="http://schemas.microsoft.com/office/drawing/2014/main" id="{85D25772-CFAC-4412-BCA4-04497496F680}"/>
-              </a:ext>
-            </a:extLst>
-          </p:cNvPr>
+            <a:endParaRPr lang="en-US" dirty="0"/>
+          </a:p>
+        </p:txBody>
+      </p:sp>
+      <p:sp>
+        <p:nvSpPr>
+          <p:cNvPr id="4" name="Text Placeholder 3"/>
           <p:cNvSpPr>
             <a:spLocks noGrp="1"/>
           </p:cNvSpPr>
@@ -2328,46 +4235,48 @@
         </p:nvSpPr>
         <p:spPr>
           <a:xfrm>
-            <a:off x="839788" y="2057400"/>
-            <a:ext cx="3932237" cy="3811588"/>
+            <a:off x="677334" y="2777069"/>
+            <a:ext cx="3854528" cy="2584449"/>
           </a:xfrm>
         </p:spPr>
         <p:txBody>
-          <a:bodyPr/>
+          <a:bodyPr>
+            <a:normAutofit/>
+          </a:bodyPr>
           <a:lstStyle>
             <a:lvl1pPr marL="0" indent="0">
               <a:buNone/>
-              <a:defRPr sz="1600"/>
+              <a:defRPr sz="1400"/>
             </a:lvl1pPr>
-            <a:lvl2pPr marL="457200" indent="0">
+            <a:lvl2pPr marL="457063" indent="0">
               <a:buNone/>
               <a:defRPr sz="1400"/>
             </a:lvl2pPr>
-            <a:lvl3pPr marL="914400" indent="0">
+            <a:lvl3pPr marL="914126" indent="0">
               <a:buNone/>
               <a:defRPr sz="1200"/>
             </a:lvl3pPr>
-            <a:lvl4pPr marL="1371600" indent="0">
+            <a:lvl4pPr marL="1371189" indent="0">
               <a:buNone/>
               <a:defRPr sz="1000"/>
             </a:lvl4pPr>
-            <a:lvl5pPr marL="1828800" indent="0">
+            <a:lvl5pPr marL="1828251" indent="0">
               <a:buNone/>
               <a:defRPr sz="1000"/>
             </a:lvl5pPr>
-            <a:lvl6pPr marL="2286000" indent="0">
+            <a:lvl6pPr marL="2285314" indent="0">
               <a:buNone/>
               <a:defRPr sz="1000"/>
             </a:lvl6pPr>
-            <a:lvl7pPr marL="2743200" indent="0">
+            <a:lvl7pPr marL="2742377" indent="0">
               <a:buNone/>
               <a:defRPr sz="1000"/>
             </a:lvl7pPr>
-            <a:lvl8pPr marL="3200400" indent="0">
+            <a:lvl8pPr marL="3199440" indent="0">
               <a:buNone/>
               <a:defRPr sz="1000"/>
             </a:lvl8pPr>
-            <a:lvl9pPr marL="3657600" indent="0">
+            <a:lvl9pPr marL="3656503" indent="0">
               <a:buNone/>
               <a:defRPr sz="1000"/>
             </a:lvl9pPr>
@@ -2383,13 +4292,7 @@
       </p:sp>
       <p:sp>
         <p:nvSpPr>
-          <p:cNvPr id="5" name="Date Placeholder 4">
-            <a:extLst>
-              <a:ext uri="{FF2B5EF4-FFF2-40B4-BE49-F238E27FC236}">
-                <a16:creationId xmlns:a16="http://schemas.microsoft.com/office/drawing/2014/main" id="{3BFBD04A-6C2C-4561-887F-24C69C017BCF}"/>
-              </a:ext>
-            </a:extLst>
-          </p:cNvPr>
+          <p:cNvPr id="5" name="Date Placeholder 4"/>
           <p:cNvSpPr>
             <a:spLocks noGrp="1"/>
           </p:cNvSpPr>
@@ -2404,7 +4307,7 @@
           <a:p>
             <a:fld id="{3EE63B68-DE22-4FED-B712-512938807F67}" type="datetimeFigureOut">
               <a:rPr lang="it-IT" smtClean="0"/>
-              <a:t>10/07/2018</a:t>
+              <a:t>15/07/2018</a:t>
             </a:fld>
             <a:endParaRPr lang="it-IT"/>
           </a:p>
@@ -2412,13 +4315,7 @@
       </p:sp>
       <p:sp>
         <p:nvSpPr>
-          <p:cNvPr id="6" name="Footer Placeholder 5">
-            <a:extLst>
-              <a:ext uri="{FF2B5EF4-FFF2-40B4-BE49-F238E27FC236}">
-                <a16:creationId xmlns:a16="http://schemas.microsoft.com/office/drawing/2014/main" id="{421EE3C8-CCB0-4E64-B62B-A38AE456D700}"/>
-              </a:ext>
-            </a:extLst>
-          </p:cNvPr>
+          <p:cNvPr id="6" name="Footer Placeholder 5"/>
           <p:cNvSpPr>
             <a:spLocks noGrp="1"/>
           </p:cNvSpPr>
@@ -2437,13 +4334,7 @@
       </p:sp>
       <p:sp>
         <p:nvSpPr>
-          <p:cNvPr id="7" name="Slide Number Placeholder 6">
-            <a:extLst>
-              <a:ext uri="{FF2B5EF4-FFF2-40B4-BE49-F238E27FC236}">
-                <a16:creationId xmlns:a16="http://schemas.microsoft.com/office/drawing/2014/main" id="{7F9EBCBA-EEF4-4367-AF0E-1598CF69CB08}"/>
-              </a:ext>
-            </a:extLst>
-          </p:cNvPr>
+          <p:cNvPr id="7" name="Slide Number Placeholder 6"/>
           <p:cNvSpPr>
             <a:spLocks noGrp="1"/>
           </p:cNvSpPr>
@@ -2467,7 +4358,7 @@
     </p:spTree>
     <p:extLst>
       <p:ext uri="{BB962C8B-B14F-4D97-AF65-F5344CB8AC3E}">
-        <p14:creationId xmlns:p14="http://schemas.microsoft.com/office/powerpoint/2010/main" val="2401245442"/>
+        <p14:creationId xmlns:p14="http://schemas.microsoft.com/office/powerpoint/2010/main" val="2404894028"/>
       </p:ext>
     </p:extLst>
   </p:cSld>
@@ -2496,13 +4387,7 @@
       </p:grpSpPr>
       <p:sp>
         <p:nvSpPr>
-          <p:cNvPr id="2" name="Title 1">
-            <a:extLst>
-              <a:ext uri="{FF2B5EF4-FFF2-40B4-BE49-F238E27FC236}">
-                <a16:creationId xmlns:a16="http://schemas.microsoft.com/office/drawing/2014/main" id="{42D5DE4E-8C85-4022-A791-132DAF5674C3}"/>
-              </a:ext>
-            </a:extLst>
-          </p:cNvPr>
+          <p:cNvPr id="2" name="Title 1"/>
           <p:cNvSpPr>
             <a:spLocks noGrp="1"/>
           </p:cNvSpPr>
@@ -2512,15 +4397,17 @@
         </p:nvSpPr>
         <p:spPr>
           <a:xfrm>
-            <a:off x="839788" y="457200"/>
-            <a:ext cx="3932237" cy="1600200"/>
+            <a:off x="677334" y="4800600"/>
+            <a:ext cx="8596667" cy="566738"/>
           </a:xfrm>
         </p:spPr>
         <p:txBody>
-          <a:bodyPr anchor="b"/>
+          <a:bodyPr anchor="b">
+            <a:normAutofit/>
+          </a:bodyPr>
           <a:lstStyle>
-            <a:lvl1pPr>
-              <a:defRPr sz="3200"/>
+            <a:lvl1pPr algn="l">
+              <a:defRPr sz="2400" b="0"/>
             </a:lvl1pPr>
           </a:lstStyle>
           <a:p>
@@ -2528,21 +4415,15 @@
               <a:rPr lang="en-US"/>
               <a:t>Click to edit Master title style</a:t>
             </a:r>
-            <a:endParaRPr lang="it-IT"/>
-          </a:p>
-        </p:txBody>
-      </p:sp>
-      <p:sp>
-        <p:nvSpPr>
-          <p:cNvPr id="3" name="Picture Placeholder 2">
-            <a:extLst>
-              <a:ext uri="{FF2B5EF4-FFF2-40B4-BE49-F238E27FC236}">
-                <a16:creationId xmlns:a16="http://schemas.microsoft.com/office/drawing/2014/main" id="{E122F379-21DB-473F-97DF-91FA3B67A2A0}"/>
-              </a:ext>
-            </a:extLst>
-          </p:cNvPr>
-          <p:cNvSpPr>
-            <a:spLocks noGrp="1"/>
+            <a:endParaRPr lang="en-US" dirty="0"/>
+          </a:p>
+        </p:txBody>
+      </p:sp>
+      <p:sp>
+        <p:nvSpPr>
+          <p:cNvPr id="3" name="Picture Placeholder 2"/>
+          <p:cNvSpPr>
+            <a:spLocks noGrp="1" noChangeAspect="1"/>
           </p:cNvSpPr>
           <p:nvPr>
             <p:ph type="pic" idx="1"/>
@@ -2550,118 +4431,120 @@
         </p:nvSpPr>
         <p:spPr>
           <a:xfrm>
-            <a:off x="5183188" y="987425"/>
-            <a:ext cx="6172200" cy="4873625"/>
+            <a:off x="677334" y="609600"/>
+            <a:ext cx="8596668" cy="3845718"/>
           </a:xfrm>
         </p:spPr>
         <p:txBody>
-          <a:bodyPr/>
+          <a:bodyPr anchor="t">
+            <a:normAutofit/>
+          </a:bodyPr>
           <a:lstStyle>
-            <a:lvl1pPr marL="0" indent="0">
-              <a:buNone/>
-              <a:defRPr sz="3200"/>
-            </a:lvl1pPr>
-            <a:lvl2pPr marL="457200" indent="0">
-              <a:buNone/>
-              <a:defRPr sz="2800"/>
-            </a:lvl2pPr>
-            <a:lvl3pPr marL="914400" indent="0">
-              <a:buNone/>
-              <a:defRPr sz="2400"/>
-            </a:lvl3pPr>
-            <a:lvl4pPr marL="1371600" indent="0">
-              <a:buNone/>
-              <a:defRPr sz="2000"/>
-            </a:lvl4pPr>
-            <a:lvl5pPr marL="1828800" indent="0">
-              <a:buNone/>
-              <a:defRPr sz="2000"/>
-            </a:lvl5pPr>
-            <a:lvl6pPr marL="2286000" indent="0">
-              <a:buNone/>
-              <a:defRPr sz="2000"/>
-            </a:lvl6pPr>
-            <a:lvl7pPr marL="2743200" indent="0">
-              <a:buNone/>
-              <a:defRPr sz="2000"/>
-            </a:lvl7pPr>
-            <a:lvl8pPr marL="3200400" indent="0">
-              <a:buNone/>
-              <a:defRPr sz="2000"/>
-            </a:lvl8pPr>
-            <a:lvl9pPr marL="3657600" indent="0">
-              <a:buNone/>
-              <a:defRPr sz="2000"/>
-            </a:lvl9pPr>
-          </a:lstStyle>
-          <a:p>
-            <a:endParaRPr lang="it-IT"/>
-          </a:p>
-        </p:txBody>
-      </p:sp>
-      <p:sp>
-        <p:nvSpPr>
-          <p:cNvPr id="4" name="Text Placeholder 3">
-            <a:extLst>
-              <a:ext uri="{FF2B5EF4-FFF2-40B4-BE49-F238E27FC236}">
-                <a16:creationId xmlns:a16="http://schemas.microsoft.com/office/drawing/2014/main" id="{01745BB4-E2F1-48C2-BACF-2D215998FB0E}"/>
-              </a:ext>
-            </a:extLst>
-          </p:cNvPr>
-          <p:cNvSpPr>
-            <a:spLocks noGrp="1"/>
-          </p:cNvSpPr>
-          <p:nvPr>
-            <p:ph type="body" sz="half" idx="2"/>
-          </p:nvPr>
-        </p:nvSpPr>
-        <p:spPr>
-          <a:xfrm>
-            <a:off x="839788" y="2057400"/>
-            <a:ext cx="3932237" cy="3811588"/>
-          </a:xfrm>
-        </p:spPr>
-        <p:txBody>
-          <a:bodyPr/>
-          <a:lstStyle>
-            <a:lvl1pPr marL="0" indent="0">
+            <a:lvl1pPr marL="0" indent="0" algn="ctr">
               <a:buNone/>
               <a:defRPr sz="1600"/>
             </a:lvl1pPr>
             <a:lvl2pPr marL="457200" indent="0">
               <a:buNone/>
-              <a:defRPr sz="1400"/>
+              <a:defRPr sz="1600"/>
             </a:lvl2pPr>
             <a:lvl3pPr marL="914400" indent="0">
               <a:buNone/>
-              <a:defRPr sz="1200"/>
+              <a:defRPr sz="1600"/>
             </a:lvl3pPr>
             <a:lvl4pPr marL="1371600" indent="0">
               <a:buNone/>
-              <a:defRPr sz="1000"/>
+              <a:defRPr sz="1600"/>
             </a:lvl4pPr>
             <a:lvl5pPr marL="1828800" indent="0">
               <a:buNone/>
-              <a:defRPr sz="1000"/>
+              <a:defRPr sz="1600"/>
             </a:lvl5pPr>
             <a:lvl6pPr marL="2286000" indent="0">
               <a:buNone/>
-              <a:defRPr sz="1000"/>
+              <a:defRPr sz="1600"/>
             </a:lvl6pPr>
             <a:lvl7pPr marL="2743200" indent="0">
               <a:buNone/>
-              <a:defRPr sz="1000"/>
+              <a:defRPr sz="1600"/>
             </a:lvl7pPr>
             <a:lvl8pPr marL="3200400" indent="0">
               <a:buNone/>
-              <a:defRPr sz="1000"/>
+              <a:defRPr sz="1600"/>
             </a:lvl8pPr>
             <a:lvl9pPr marL="3657600" indent="0">
               <a:buNone/>
-              <a:defRPr sz="1000"/>
+              <a:defRPr sz="1600"/>
             </a:lvl9pPr>
           </a:lstStyle>
           <a:p>
+            <a:r>
+              <a:rPr lang="en-US"/>
+              <a:t>Click icon to add picture</a:t>
+            </a:r>
+            <a:endParaRPr lang="en-US" dirty="0"/>
+          </a:p>
+        </p:txBody>
+      </p:sp>
+      <p:sp>
+        <p:nvSpPr>
+          <p:cNvPr id="4" name="Text Placeholder 3"/>
+          <p:cNvSpPr>
+            <a:spLocks noGrp="1"/>
+          </p:cNvSpPr>
+          <p:nvPr>
+            <p:ph type="body" sz="half" idx="2"/>
+          </p:nvPr>
+        </p:nvSpPr>
+        <p:spPr>
+          <a:xfrm>
+            <a:off x="677334" y="5367338"/>
+            <a:ext cx="8596667" cy="674024"/>
+          </a:xfrm>
+        </p:spPr>
+        <p:txBody>
+          <a:bodyPr>
+            <a:normAutofit/>
+          </a:bodyPr>
+          <a:lstStyle>
+            <a:lvl1pPr marL="0" indent="0">
+              <a:buNone/>
+              <a:defRPr sz="1200"/>
+            </a:lvl1pPr>
+            <a:lvl2pPr marL="457200" indent="0">
+              <a:buNone/>
+              <a:defRPr sz="1200"/>
+            </a:lvl2pPr>
+            <a:lvl3pPr marL="914400" indent="0">
+              <a:buNone/>
+              <a:defRPr sz="1000"/>
+            </a:lvl3pPr>
+            <a:lvl4pPr marL="1371600" indent="0">
+              <a:buNone/>
+              <a:defRPr sz="900"/>
+            </a:lvl4pPr>
+            <a:lvl5pPr marL="1828800" indent="0">
+              <a:buNone/>
+              <a:defRPr sz="900"/>
+            </a:lvl5pPr>
+            <a:lvl6pPr marL="2286000" indent="0">
+              <a:buNone/>
+              <a:defRPr sz="900"/>
+            </a:lvl6pPr>
+            <a:lvl7pPr marL="2743200" indent="0">
+              <a:buNone/>
+              <a:defRPr sz="900"/>
+            </a:lvl7pPr>
+            <a:lvl8pPr marL="3200400" indent="0">
+              <a:buNone/>
+              <a:defRPr sz="900"/>
+            </a:lvl8pPr>
+            <a:lvl9pPr marL="3657600" indent="0">
+              <a:buNone/>
+              <a:defRPr sz="900"/>
+            </a:lvl9pPr>
+          </a:lstStyle>
+          <a:p>
             <a:pPr lvl="0"/>
             <a:r>
               <a:rPr lang="en-US"/>
@@ -2672,13 +4555,7 @@
       </p:sp>
       <p:sp>
         <p:nvSpPr>
-          <p:cNvPr id="5" name="Date Placeholder 4">
-            <a:extLst>
-              <a:ext uri="{FF2B5EF4-FFF2-40B4-BE49-F238E27FC236}">
-                <a16:creationId xmlns:a16="http://schemas.microsoft.com/office/drawing/2014/main" id="{A5323684-5B4A-4D53-A994-57D631F43382}"/>
-              </a:ext>
-            </a:extLst>
-          </p:cNvPr>
+          <p:cNvPr id="5" name="Date Placeholder 4"/>
           <p:cNvSpPr>
             <a:spLocks noGrp="1"/>
           </p:cNvSpPr>
@@ -2693,7 +4570,7 @@
           <a:p>
             <a:fld id="{3EE63B68-DE22-4FED-B712-512938807F67}" type="datetimeFigureOut">
               <a:rPr lang="it-IT" smtClean="0"/>
-              <a:t>10/07/2018</a:t>
+              <a:t>15/07/2018</a:t>
             </a:fld>
             <a:endParaRPr lang="it-IT"/>
           </a:p>
@@ -2701,13 +4578,7 @@
       </p:sp>
       <p:sp>
         <p:nvSpPr>
-          <p:cNvPr id="6" name="Footer Placeholder 5">
-            <a:extLst>
-              <a:ext uri="{FF2B5EF4-FFF2-40B4-BE49-F238E27FC236}">
-                <a16:creationId xmlns:a16="http://schemas.microsoft.com/office/drawing/2014/main" id="{22291BE5-B079-40F5-AFB3-8758F4BDA99F}"/>
-              </a:ext>
-            </a:extLst>
-          </p:cNvPr>
+          <p:cNvPr id="6" name="Footer Placeholder 5"/>
           <p:cNvSpPr>
             <a:spLocks noGrp="1"/>
           </p:cNvSpPr>
@@ -2726,13 +4597,7 @@
       </p:sp>
       <p:sp>
         <p:nvSpPr>
-          <p:cNvPr id="7" name="Slide Number Placeholder 6">
-            <a:extLst>
-              <a:ext uri="{FF2B5EF4-FFF2-40B4-BE49-F238E27FC236}">
-                <a16:creationId xmlns:a16="http://schemas.microsoft.com/office/drawing/2014/main" id="{3C382617-7AF6-4383-996F-E8D1BF3F2CA0}"/>
-              </a:ext>
-            </a:extLst>
-          </p:cNvPr>
+          <p:cNvPr id="7" name="Slide Number Placeholder 6"/>
           <p:cNvSpPr>
             <a:spLocks noGrp="1"/>
           </p:cNvSpPr>
@@ -2756,7 +4621,7 @@
     </p:spTree>
     <p:extLst>
       <p:ext uri="{BB962C8B-B14F-4D97-AF65-F5344CB8AC3E}">
-        <p14:creationId xmlns:p14="http://schemas.microsoft.com/office/powerpoint/2010/main" val="2176607861"/>
+        <p14:creationId xmlns:p14="http://schemas.microsoft.com/office/powerpoint/2010/main" val="2341016599"/>
       </p:ext>
     </p:extLst>
   </p:cSld>
@@ -2788,15 +4653,539 @@
           <a:chExt cx="0" cy="0"/>
         </a:xfrm>
       </p:grpSpPr>
-      <p:sp>
-        <p:nvSpPr>
-          <p:cNvPr id="2" name="Title Placeholder 1">
-            <a:extLst>
-              <a:ext uri="{FF2B5EF4-FFF2-40B4-BE49-F238E27FC236}">
-                <a16:creationId xmlns:a16="http://schemas.microsoft.com/office/drawing/2014/main" id="{F1522262-0560-447F-9266-95E7D3D8D234}"/>
-              </a:ext>
-            </a:extLst>
-          </p:cNvPr>
+      <p:grpSp>
+        <p:nvGrpSpPr>
+          <p:cNvPr id="7" name="Group 6"/>
+          <p:cNvGrpSpPr/>
+          <p:nvPr/>
+        </p:nvGrpSpPr>
+        <p:grpSpPr>
+          <a:xfrm>
+            <a:off x="0" y="-8467"/>
+            <a:ext cx="12192000" cy="6866467"/>
+            <a:chOff x="0" y="-8467"/>
+            <a:chExt cx="12192000" cy="6866467"/>
+          </a:xfrm>
+        </p:grpSpPr>
+        <p:cxnSp>
+          <p:nvCxnSpPr>
+            <p:cNvPr id="20" name="Straight Connector 19"/>
+            <p:cNvCxnSpPr/>
+            <p:nvPr/>
+          </p:nvCxnSpPr>
+          <p:spPr>
+            <a:xfrm>
+              <a:off x="9371012" y="0"/>
+              <a:ext cx="1219200" cy="6858000"/>
+            </a:xfrm>
+            <a:prstGeom prst="line">
+              <a:avLst/>
+            </a:prstGeom>
+            <a:ln w="9525">
+              <a:solidFill>
+                <a:schemeClr val="bg1">
+                  <a:lumMod val="75000"/>
+                </a:schemeClr>
+              </a:solidFill>
+            </a:ln>
+          </p:spPr>
+          <p:style>
+            <a:lnRef idx="2">
+              <a:schemeClr val="accent1"/>
+            </a:lnRef>
+            <a:fillRef idx="0">
+              <a:schemeClr val="accent1"/>
+            </a:fillRef>
+            <a:effectRef idx="1">
+              <a:schemeClr val="accent1"/>
+            </a:effectRef>
+            <a:fontRef idx="minor">
+              <a:schemeClr val="tx1"/>
+            </a:fontRef>
+          </p:style>
+        </p:cxnSp>
+        <p:cxnSp>
+          <p:nvCxnSpPr>
+            <p:cNvPr id="21" name="Straight Connector 20"/>
+            <p:cNvCxnSpPr/>
+            <p:nvPr/>
+          </p:nvCxnSpPr>
+          <p:spPr>
+            <a:xfrm flipH="1">
+              <a:off x="7425267" y="3681413"/>
+              <a:ext cx="4763558" cy="3176587"/>
+            </a:xfrm>
+            <a:prstGeom prst="line">
+              <a:avLst/>
+            </a:prstGeom>
+            <a:ln w="9525">
+              <a:solidFill>
+                <a:schemeClr val="bg1">
+                  <a:lumMod val="85000"/>
+                </a:schemeClr>
+              </a:solidFill>
+            </a:ln>
+          </p:spPr>
+          <p:style>
+            <a:lnRef idx="2">
+              <a:schemeClr val="accent1"/>
+            </a:lnRef>
+            <a:fillRef idx="0">
+              <a:schemeClr val="accent1"/>
+            </a:fillRef>
+            <a:effectRef idx="1">
+              <a:schemeClr val="accent1"/>
+            </a:effectRef>
+            <a:fontRef idx="minor">
+              <a:schemeClr val="tx1"/>
+            </a:fontRef>
+          </p:style>
+        </p:cxnSp>
+        <p:sp>
+          <p:nvSpPr>
+            <p:cNvPr id="22" name="Rectangle 23"/>
+            <p:cNvSpPr/>
+            <p:nvPr/>
+          </p:nvSpPr>
+          <p:spPr>
+            <a:xfrm>
+              <a:off x="9181476" y="-8467"/>
+              <a:ext cx="3007349" cy="6866467"/>
+            </a:xfrm>
+            <a:custGeom>
+              <a:avLst/>
+              <a:gdLst/>
+              <a:ahLst/>
+              <a:cxnLst/>
+              <a:rect l="l" t="t" r="r" b="b"/>
+              <a:pathLst>
+                <a:path w="3007349" h="6866467">
+                  <a:moveTo>
+                    <a:pt x="2045532" y="0"/>
+                  </a:moveTo>
+                  <a:lnTo>
+                    <a:pt x="3007349" y="0"/>
+                  </a:lnTo>
+                  <a:lnTo>
+                    <a:pt x="3007349" y="6866467"/>
+                  </a:lnTo>
+                  <a:lnTo>
+                    <a:pt x="0" y="6866467"/>
+                  </a:lnTo>
+                  <a:lnTo>
+                    <a:pt x="2045532" y="0"/>
+                  </a:lnTo>
+                  <a:close/>
+                </a:path>
+              </a:pathLst>
+            </a:custGeom>
+            <a:solidFill>
+              <a:schemeClr val="accent1">
+                <a:alpha val="30000"/>
+              </a:schemeClr>
+            </a:solidFill>
+            <a:ln>
+              <a:noFill/>
+            </a:ln>
+            <a:effectLst/>
+          </p:spPr>
+          <p:style>
+            <a:lnRef idx="1">
+              <a:schemeClr val="accent1"/>
+            </a:lnRef>
+            <a:fillRef idx="3">
+              <a:schemeClr val="accent1"/>
+            </a:fillRef>
+            <a:effectRef idx="2">
+              <a:schemeClr val="accent1"/>
+            </a:effectRef>
+            <a:fontRef idx="minor">
+              <a:schemeClr val="lt1"/>
+            </a:fontRef>
+          </p:style>
+        </p:sp>
+        <p:sp>
+          <p:nvSpPr>
+            <p:cNvPr id="23" name="Rectangle 25"/>
+            <p:cNvSpPr/>
+            <p:nvPr/>
+          </p:nvSpPr>
+          <p:spPr>
+            <a:xfrm>
+              <a:off x="9603442" y="-8467"/>
+              <a:ext cx="2588558" cy="6866467"/>
+            </a:xfrm>
+            <a:custGeom>
+              <a:avLst/>
+              <a:gdLst/>
+              <a:ahLst/>
+              <a:cxnLst/>
+              <a:rect l="l" t="t" r="r" b="b"/>
+              <a:pathLst>
+                <a:path w="2573311" h="6866467">
+                  <a:moveTo>
+                    <a:pt x="0" y="0"/>
+                  </a:moveTo>
+                  <a:lnTo>
+                    <a:pt x="2573311" y="0"/>
+                  </a:lnTo>
+                  <a:lnTo>
+                    <a:pt x="2573311" y="6866467"/>
+                  </a:lnTo>
+                  <a:lnTo>
+                    <a:pt x="1202336" y="6866467"/>
+                  </a:lnTo>
+                  <a:lnTo>
+                    <a:pt x="0" y="0"/>
+                  </a:lnTo>
+                  <a:close/>
+                </a:path>
+              </a:pathLst>
+            </a:custGeom>
+            <a:solidFill>
+              <a:schemeClr val="accent1">
+                <a:alpha val="20000"/>
+              </a:schemeClr>
+            </a:solidFill>
+            <a:ln>
+              <a:noFill/>
+            </a:ln>
+            <a:effectLst/>
+          </p:spPr>
+          <p:style>
+            <a:lnRef idx="1">
+              <a:schemeClr val="accent1"/>
+            </a:lnRef>
+            <a:fillRef idx="3">
+              <a:schemeClr val="accent1"/>
+            </a:fillRef>
+            <a:effectRef idx="2">
+              <a:schemeClr val="accent1"/>
+            </a:effectRef>
+            <a:fontRef idx="minor">
+              <a:schemeClr val="lt1"/>
+            </a:fontRef>
+          </p:style>
+        </p:sp>
+        <p:sp>
+          <p:nvSpPr>
+            <p:cNvPr id="24" name="Isosceles Triangle 23"/>
+            <p:cNvSpPr/>
+            <p:nvPr/>
+          </p:nvSpPr>
+          <p:spPr>
+            <a:xfrm>
+              <a:off x="8932333" y="3048000"/>
+              <a:ext cx="3259667" cy="3810000"/>
+            </a:xfrm>
+            <a:prstGeom prst="triangle">
+              <a:avLst>
+                <a:gd name="adj" fmla="val 100000"/>
+              </a:avLst>
+            </a:prstGeom>
+            <a:solidFill>
+              <a:schemeClr val="accent2">
+                <a:alpha val="72000"/>
+              </a:schemeClr>
+            </a:solidFill>
+            <a:ln>
+              <a:noFill/>
+            </a:ln>
+            <a:effectLst/>
+          </p:spPr>
+          <p:style>
+            <a:lnRef idx="1">
+              <a:schemeClr val="accent1"/>
+            </a:lnRef>
+            <a:fillRef idx="3">
+              <a:schemeClr val="accent1"/>
+            </a:fillRef>
+            <a:effectRef idx="2">
+              <a:schemeClr val="accent1"/>
+            </a:effectRef>
+            <a:fontRef idx="minor">
+              <a:schemeClr val="lt1"/>
+            </a:fontRef>
+          </p:style>
+        </p:sp>
+        <p:sp>
+          <p:nvSpPr>
+            <p:cNvPr id="25" name="Rectangle 27"/>
+            <p:cNvSpPr/>
+            <p:nvPr/>
+          </p:nvSpPr>
+          <p:spPr>
+            <a:xfrm>
+              <a:off x="9334500" y="-8467"/>
+              <a:ext cx="2854326" cy="6866467"/>
+            </a:xfrm>
+            <a:custGeom>
+              <a:avLst/>
+              <a:gdLst/>
+              <a:ahLst/>
+              <a:cxnLst/>
+              <a:rect l="l" t="t" r="r" b="b"/>
+              <a:pathLst>
+                <a:path w="2858013" h="6866467">
+                  <a:moveTo>
+                    <a:pt x="0" y="0"/>
+                  </a:moveTo>
+                  <a:lnTo>
+                    <a:pt x="2858013" y="0"/>
+                  </a:lnTo>
+                  <a:lnTo>
+                    <a:pt x="2858013" y="6866467"/>
+                  </a:lnTo>
+                  <a:lnTo>
+                    <a:pt x="2473942" y="6866467"/>
+                  </a:lnTo>
+                  <a:lnTo>
+                    <a:pt x="0" y="0"/>
+                  </a:lnTo>
+                  <a:close/>
+                </a:path>
+              </a:pathLst>
+            </a:custGeom>
+            <a:solidFill>
+              <a:schemeClr val="accent2">
+                <a:lumMod val="75000"/>
+                <a:alpha val="70000"/>
+              </a:schemeClr>
+            </a:solidFill>
+            <a:ln>
+              <a:noFill/>
+            </a:ln>
+            <a:effectLst/>
+          </p:spPr>
+          <p:style>
+            <a:lnRef idx="1">
+              <a:schemeClr val="accent1"/>
+            </a:lnRef>
+            <a:fillRef idx="3">
+              <a:schemeClr val="accent1"/>
+            </a:fillRef>
+            <a:effectRef idx="2">
+              <a:schemeClr val="accent1"/>
+            </a:effectRef>
+            <a:fontRef idx="minor">
+              <a:schemeClr val="lt1"/>
+            </a:fontRef>
+          </p:style>
+        </p:sp>
+        <p:sp>
+          <p:nvSpPr>
+            <p:cNvPr id="26" name="Rectangle 28"/>
+            <p:cNvSpPr/>
+            <p:nvPr/>
+          </p:nvSpPr>
+          <p:spPr>
+            <a:xfrm>
+              <a:off x="10898730" y="-8467"/>
+              <a:ext cx="1290094" cy="6866467"/>
+            </a:xfrm>
+            <a:custGeom>
+              <a:avLst/>
+              <a:gdLst/>
+              <a:ahLst/>
+              <a:cxnLst/>
+              <a:rect l="l" t="t" r="r" b="b"/>
+              <a:pathLst>
+                <a:path w="1290094" h="6858000">
+                  <a:moveTo>
+                    <a:pt x="1019735" y="0"/>
+                  </a:moveTo>
+                  <a:lnTo>
+                    <a:pt x="1290094" y="0"/>
+                  </a:lnTo>
+                  <a:lnTo>
+                    <a:pt x="1290094" y="6858000"/>
+                  </a:lnTo>
+                  <a:lnTo>
+                    <a:pt x="0" y="6858000"/>
+                  </a:lnTo>
+                  <a:lnTo>
+                    <a:pt x="1019735" y="0"/>
+                  </a:lnTo>
+                  <a:close/>
+                </a:path>
+              </a:pathLst>
+            </a:custGeom>
+            <a:solidFill>
+              <a:schemeClr val="accent1">
+                <a:lumMod val="60000"/>
+                <a:lumOff val="40000"/>
+                <a:alpha val="70000"/>
+              </a:schemeClr>
+            </a:solidFill>
+            <a:ln>
+              <a:noFill/>
+            </a:ln>
+            <a:effectLst/>
+          </p:spPr>
+          <p:style>
+            <a:lnRef idx="1">
+              <a:schemeClr val="accent1"/>
+            </a:lnRef>
+            <a:fillRef idx="3">
+              <a:schemeClr val="accent1"/>
+            </a:fillRef>
+            <a:effectRef idx="2">
+              <a:schemeClr val="accent1"/>
+            </a:effectRef>
+            <a:fontRef idx="minor">
+              <a:schemeClr val="lt1"/>
+            </a:fontRef>
+          </p:style>
+        </p:sp>
+        <p:sp>
+          <p:nvSpPr>
+            <p:cNvPr id="27" name="Rectangle 29"/>
+            <p:cNvSpPr/>
+            <p:nvPr/>
+          </p:nvSpPr>
+          <p:spPr>
+            <a:xfrm>
+              <a:off x="10938999" y="-8467"/>
+              <a:ext cx="1249825" cy="6866467"/>
+            </a:xfrm>
+            <a:custGeom>
+              <a:avLst/>
+              <a:gdLst/>
+              <a:ahLst/>
+              <a:cxnLst/>
+              <a:rect l="l" t="t" r="r" b="b"/>
+              <a:pathLst>
+                <a:path w="1249825" h="6858000">
+                  <a:moveTo>
+                    <a:pt x="0" y="0"/>
+                  </a:moveTo>
+                  <a:lnTo>
+                    <a:pt x="1249825" y="0"/>
+                  </a:lnTo>
+                  <a:lnTo>
+                    <a:pt x="1249825" y="6858000"/>
+                  </a:lnTo>
+                  <a:lnTo>
+                    <a:pt x="1109382" y="6858000"/>
+                  </a:lnTo>
+                  <a:lnTo>
+                    <a:pt x="0" y="0"/>
+                  </a:lnTo>
+                  <a:close/>
+                </a:path>
+              </a:pathLst>
+            </a:custGeom>
+            <a:solidFill>
+              <a:schemeClr val="accent1">
+                <a:alpha val="65000"/>
+              </a:schemeClr>
+            </a:solidFill>
+            <a:ln>
+              <a:noFill/>
+            </a:ln>
+            <a:effectLst/>
+          </p:spPr>
+          <p:style>
+            <a:lnRef idx="1">
+              <a:schemeClr val="accent1"/>
+            </a:lnRef>
+            <a:fillRef idx="3">
+              <a:schemeClr val="accent1"/>
+            </a:fillRef>
+            <a:effectRef idx="2">
+              <a:schemeClr val="accent1"/>
+            </a:effectRef>
+            <a:fontRef idx="minor">
+              <a:schemeClr val="lt1"/>
+            </a:fontRef>
+          </p:style>
+        </p:sp>
+        <p:sp>
+          <p:nvSpPr>
+            <p:cNvPr id="28" name="Isosceles Triangle 27"/>
+            <p:cNvSpPr/>
+            <p:nvPr/>
+          </p:nvSpPr>
+          <p:spPr>
+            <a:xfrm>
+              <a:off x="10371666" y="3589867"/>
+              <a:ext cx="1817159" cy="3268133"/>
+            </a:xfrm>
+            <a:prstGeom prst="triangle">
+              <a:avLst>
+                <a:gd name="adj" fmla="val 100000"/>
+              </a:avLst>
+            </a:prstGeom>
+            <a:solidFill>
+              <a:schemeClr val="accent1">
+                <a:alpha val="80000"/>
+              </a:schemeClr>
+            </a:solidFill>
+            <a:ln>
+              <a:noFill/>
+            </a:ln>
+            <a:effectLst/>
+          </p:spPr>
+          <p:style>
+            <a:lnRef idx="1">
+              <a:schemeClr val="accent1"/>
+            </a:lnRef>
+            <a:fillRef idx="3">
+              <a:schemeClr val="accent1"/>
+            </a:fillRef>
+            <a:effectRef idx="2">
+              <a:schemeClr val="accent1"/>
+            </a:effectRef>
+            <a:fontRef idx="minor">
+              <a:schemeClr val="lt1"/>
+            </a:fontRef>
+          </p:style>
+        </p:sp>
+        <p:sp>
+          <p:nvSpPr>
+            <p:cNvPr id="29" name="Isosceles Triangle 28"/>
+            <p:cNvSpPr/>
+            <p:nvPr/>
+          </p:nvSpPr>
+          <p:spPr>
+            <a:xfrm>
+              <a:off x="0" y="4013200"/>
+              <a:ext cx="448733" cy="2844800"/>
+            </a:xfrm>
+            <a:prstGeom prst="triangle">
+              <a:avLst>
+                <a:gd name="adj" fmla="val 0"/>
+              </a:avLst>
+            </a:prstGeom>
+            <a:solidFill>
+              <a:schemeClr val="accent1">
+                <a:alpha val="85000"/>
+              </a:schemeClr>
+            </a:solidFill>
+            <a:ln>
+              <a:noFill/>
+            </a:ln>
+            <a:effectLst/>
+          </p:spPr>
+          <p:style>
+            <a:lnRef idx="1">
+              <a:schemeClr val="accent1"/>
+            </a:lnRef>
+            <a:fillRef idx="3">
+              <a:schemeClr val="accent1"/>
+            </a:fillRef>
+            <a:effectRef idx="2">
+              <a:schemeClr val="accent1"/>
+            </a:effectRef>
+            <a:fontRef idx="minor">
+              <a:schemeClr val="lt1"/>
+            </a:fontRef>
+          </p:style>
+        </p:sp>
+      </p:grpSp>
+      <p:sp>
+        <p:nvSpPr>
+          <p:cNvPr id="2" name="Title Placeholder 1"/>
           <p:cNvSpPr>
             <a:spLocks noGrp="1"/>
           </p:cNvSpPr>
@@ -2806,15 +5195,15 @@
         </p:nvSpPr>
         <p:spPr>
           <a:xfrm>
-            <a:off x="838200" y="365125"/>
-            <a:ext cx="10515600" cy="1325563"/>
+            <a:off x="677334" y="609600"/>
+            <a:ext cx="8596668" cy="1320800"/>
           </a:xfrm>
           <a:prstGeom prst="rect">
             <a:avLst/>
           </a:prstGeom>
         </p:spPr>
         <p:txBody>
-          <a:bodyPr vert="horz" lIns="91440" tIns="45720" rIns="91440" bIns="45720" rtlCol="0" anchor="ctr">
+          <a:bodyPr vert="horz" lIns="91440" tIns="45720" rIns="91440" bIns="45720" rtlCol="0" anchor="t">
             <a:normAutofit/>
           </a:bodyPr>
           <a:lstStyle/>
@@ -2823,19 +5212,13 @@
               <a:rPr lang="en-US"/>
               <a:t>Click to edit Master title style</a:t>
             </a:r>
-            <a:endParaRPr lang="it-IT"/>
-          </a:p>
-        </p:txBody>
-      </p:sp>
-      <p:sp>
-        <p:nvSpPr>
-          <p:cNvPr id="3" name="Text Placeholder 2">
-            <a:extLst>
-              <a:ext uri="{FF2B5EF4-FFF2-40B4-BE49-F238E27FC236}">
-                <a16:creationId xmlns:a16="http://schemas.microsoft.com/office/drawing/2014/main" id="{AE31034D-68E4-4D49-84A1-C5090C70C151}"/>
-              </a:ext>
-            </a:extLst>
-          </p:cNvPr>
+            <a:endParaRPr lang="en-US" dirty="0"/>
+          </a:p>
+        </p:txBody>
+      </p:sp>
+      <p:sp>
+        <p:nvSpPr>
+          <p:cNvPr id="3" name="Text Placeholder 2"/>
           <p:cNvSpPr>
             <a:spLocks noGrp="1"/>
           </p:cNvSpPr>
@@ -2845,8 +5228,8 @@
         </p:nvSpPr>
         <p:spPr>
           <a:xfrm>
-            <a:off x="838200" y="1825625"/>
-            <a:ext cx="10515600" cy="4351338"/>
+            <a:off x="677334" y="2160589"/>
+            <a:ext cx="8596668" cy="3880773"/>
           </a:xfrm>
           <a:prstGeom prst="rect">
             <a:avLst/>
@@ -2891,19 +5274,13 @@
               <a:rPr lang="en-US"/>
               <a:t>Fifth level</a:t>
             </a:r>
-            <a:endParaRPr lang="it-IT"/>
-          </a:p>
-        </p:txBody>
-      </p:sp>
-      <p:sp>
-        <p:nvSpPr>
-          <p:cNvPr id="4" name="Date Placeholder 3">
-            <a:extLst>
-              <a:ext uri="{FF2B5EF4-FFF2-40B4-BE49-F238E27FC236}">
-                <a16:creationId xmlns:a16="http://schemas.microsoft.com/office/drawing/2014/main" id="{61B7B86A-B6E8-4352-8E65-A7C965A9DBF3}"/>
-              </a:ext>
-            </a:extLst>
-          </p:cNvPr>
+            <a:endParaRPr lang="en-US" dirty="0"/>
+          </a:p>
+        </p:txBody>
+      </p:sp>
+      <p:sp>
+        <p:nvSpPr>
+          <p:cNvPr id="4" name="Date Placeholder 3"/>
           <p:cNvSpPr>
             <a:spLocks noGrp="1"/>
           </p:cNvSpPr>
@@ -2913,8 +5290,8 @@
         </p:nvSpPr>
         <p:spPr>
           <a:xfrm>
-            <a:off x="838200" y="6356350"/>
-            <a:ext cx="2743200" cy="365125"/>
+            <a:off x="7205133" y="6041362"/>
+            <a:ext cx="911939" cy="365125"/>
           </a:xfrm>
           <a:prstGeom prst="rect">
             <a:avLst/>
@@ -2923,8 +5300,8 @@
         <p:txBody>
           <a:bodyPr vert="horz" lIns="91440" tIns="45720" rIns="91440" bIns="45720" rtlCol="0" anchor="ctr"/>
           <a:lstStyle>
-            <a:lvl1pPr algn="l">
-              <a:defRPr sz="1200">
+            <a:lvl1pPr algn="r">
+              <a:defRPr sz="900">
                 <a:solidFill>
                   <a:schemeClr val="tx1">
                     <a:tint val="75000"/>
@@ -2936,7 +5313,7 @@
           <a:p>
             <a:fld id="{3EE63B68-DE22-4FED-B712-512938807F67}" type="datetimeFigureOut">
               <a:rPr lang="it-IT" smtClean="0"/>
-              <a:t>10/07/2018</a:t>
+              <a:t>15/07/2018</a:t>
             </a:fld>
             <a:endParaRPr lang="it-IT"/>
           </a:p>
@@ -2944,13 +5321,7 @@
       </p:sp>
       <p:sp>
         <p:nvSpPr>
-          <p:cNvPr id="5" name="Footer Placeholder 4">
-            <a:extLst>
-              <a:ext uri="{FF2B5EF4-FFF2-40B4-BE49-F238E27FC236}">
-                <a16:creationId xmlns:a16="http://schemas.microsoft.com/office/drawing/2014/main" id="{972935B2-B9C3-4320-A79D-F6BC0DDEAAA9}"/>
-              </a:ext>
-            </a:extLst>
-          </p:cNvPr>
+          <p:cNvPr id="5" name="Footer Placeholder 4"/>
           <p:cNvSpPr>
             <a:spLocks noGrp="1"/>
           </p:cNvSpPr>
@@ -2960,8 +5331,8 @@
         </p:nvSpPr>
         <p:spPr>
           <a:xfrm>
-            <a:off x="4038600" y="6356350"/>
-            <a:ext cx="4114800" cy="365125"/>
+            <a:off x="677334" y="6041362"/>
+            <a:ext cx="6297612" cy="365125"/>
           </a:xfrm>
           <a:prstGeom prst="rect">
             <a:avLst/>
@@ -2970,8 +5341,8 @@
         <p:txBody>
           <a:bodyPr vert="horz" lIns="91440" tIns="45720" rIns="91440" bIns="45720" rtlCol="0" anchor="ctr"/>
           <a:lstStyle>
-            <a:lvl1pPr algn="ctr">
-              <a:defRPr sz="1200">
+            <a:lvl1pPr algn="l">
+              <a:defRPr sz="900">
                 <a:solidFill>
                   <a:schemeClr val="tx1">
                     <a:tint val="75000"/>
@@ -2987,13 +5358,7 @@
       </p:sp>
       <p:sp>
         <p:nvSpPr>
-          <p:cNvPr id="6" name="Slide Number Placeholder 5">
-            <a:extLst>
-              <a:ext uri="{FF2B5EF4-FFF2-40B4-BE49-F238E27FC236}">
-                <a16:creationId xmlns:a16="http://schemas.microsoft.com/office/drawing/2014/main" id="{407D297D-5E2B-460B-8D34-60FB941C7A01}"/>
-              </a:ext>
-            </a:extLst>
-          </p:cNvPr>
+          <p:cNvPr id="6" name="Slide Number Placeholder 5"/>
           <p:cNvSpPr>
             <a:spLocks noGrp="1"/>
           </p:cNvSpPr>
@@ -3003,8 +5368,8 @@
         </p:nvSpPr>
         <p:spPr>
           <a:xfrm>
-            <a:off x="8610600" y="6356350"/>
-            <a:ext cx="2743200" cy="365125"/>
+            <a:off x="8590663" y="6041362"/>
+            <a:ext cx="683339" cy="365125"/>
           </a:xfrm>
           <a:prstGeom prst="rect">
             <a:avLst/>
@@ -3014,11 +5379,9 @@
           <a:bodyPr vert="horz" lIns="91440" tIns="45720" rIns="91440" bIns="45720" rtlCol="0" anchor="ctr"/>
           <a:lstStyle>
             <a:lvl1pPr algn="r">
-              <a:defRPr sz="1200">
-                <a:solidFill>
-                  <a:schemeClr val="tx1">
-                    <a:tint val="75000"/>
-                  </a:schemeClr>
+              <a:defRPr sz="900">
+                <a:solidFill>
+                  <a:schemeClr val="accent1"/>
                 </a:solidFill>
               </a:defRPr>
             </a:lvl1pPr>
@@ -3035,55 +5398,335 @@
     </p:spTree>
     <p:extLst>
       <p:ext uri="{BB962C8B-B14F-4D97-AF65-F5344CB8AC3E}">
-        <p14:creationId xmlns:p14="http://schemas.microsoft.com/office/powerpoint/2010/main" val="1575860595"/>
+        <p14:creationId xmlns:p14="http://schemas.microsoft.com/office/powerpoint/2010/main" val="3887646907"/>
       </p:ext>
     </p:extLst>
   </p:cSld>
   <p:clrMap bg1="lt1" tx1="dk1" bg2="lt2" tx2="dk2" accent1="accent1" accent2="accent2" accent3="accent3" accent4="accent4" accent5="accent5" accent6="accent6" hlink="hlink" folHlink="folHlink"/>
   <p:sldLayoutIdLst>
-    <p:sldLayoutId id="2147483649" r:id="rId1"/>
-    <p:sldLayoutId id="2147483650" r:id="rId2"/>
-    <p:sldLayoutId id="2147483651" r:id="rId3"/>
-    <p:sldLayoutId id="2147483652" r:id="rId4"/>
-    <p:sldLayoutId id="2147483653" r:id="rId5"/>
-    <p:sldLayoutId id="2147483654" r:id="rId6"/>
-    <p:sldLayoutId id="2147483655" r:id="rId7"/>
-    <p:sldLayoutId id="2147483656" r:id="rId8"/>
-    <p:sldLayoutId id="2147483657" r:id="rId9"/>
-    <p:sldLayoutId id="2147483658" r:id="rId10"/>
-    <p:sldLayoutId id="2147483659" r:id="rId11"/>
+    <p:sldLayoutId id="2147483661" r:id="rId1"/>
+    <p:sldLayoutId id="2147483662" r:id="rId2"/>
+    <p:sldLayoutId id="2147483663" r:id="rId3"/>
+    <p:sldLayoutId id="2147483664" r:id="rId4"/>
+    <p:sldLayoutId id="2147483665" r:id="rId5"/>
+    <p:sldLayoutId id="2147483666" r:id="rId6"/>
+    <p:sldLayoutId id="2147483667" r:id="rId7"/>
+    <p:sldLayoutId id="2147483668" r:id="rId8"/>
+    <p:sldLayoutId id="2147483669" r:id="rId9"/>
+    <p:sldLayoutId id="2147483670" r:id="rId10"/>
+    <p:sldLayoutId id="2147483671" r:id="rId11"/>
+    <p:sldLayoutId id="2147483672" r:id="rId12"/>
+    <p:sldLayoutId id="2147483673" r:id="rId13"/>
+    <p:sldLayoutId id="2147483674" r:id="rId14"/>
+    <p:sldLayoutId id="2147483675" r:id="rId15"/>
+    <p:sldLayoutId id="2147483676" r:id="rId16"/>
   </p:sldLayoutIdLst>
   <p:txStyles>
     <p:titleStyle>
-      <a:lvl1pPr algn="l" defTabSz="914400" rtl="0" eaLnBrk="1" latinLnBrk="0" hangingPunct="1">
-        <a:lnSpc>
-          <a:spcPct val="90000"/>
-        </a:lnSpc>
+      <a:lvl1pPr algn="l" defTabSz="457200" rtl="0" eaLnBrk="1" latinLnBrk="0" hangingPunct="1">
         <a:spcBef>
           <a:spcPct val="0"/>
         </a:spcBef>
         <a:buNone/>
-        <a:defRPr sz="4400" kern="1200">
+        <a:defRPr sz="3600" kern="1200">
           <a:solidFill>
-            <a:schemeClr val="tx1"/>
+            <a:schemeClr val="accent1"/>
           </a:solidFill>
           <a:latin typeface="+mj-lt"/>
           <a:ea typeface="+mj-ea"/>
           <a:cs typeface="+mj-cs"/>
         </a:defRPr>
       </a:lvl1pPr>
+      <a:lvl2pPr eaLnBrk="1" hangingPunct="1">
+        <a:defRPr>
+          <a:solidFill>
+            <a:schemeClr val="tx2"/>
+          </a:solidFill>
+        </a:defRPr>
+      </a:lvl2pPr>
+      <a:lvl3pPr eaLnBrk="1" hangingPunct="1">
+        <a:defRPr>
+          <a:solidFill>
+            <a:schemeClr val="tx2"/>
+          </a:solidFill>
+        </a:defRPr>
+      </a:lvl3pPr>
+      <a:lvl4pPr eaLnBrk="1" hangingPunct="1">
+        <a:defRPr>
+          <a:solidFill>
+            <a:schemeClr val="tx2"/>
+          </a:solidFill>
+        </a:defRPr>
+      </a:lvl4pPr>
+      <a:lvl5pPr eaLnBrk="1" hangingPunct="1">
+        <a:defRPr>
+          <a:solidFill>
+            <a:schemeClr val="tx2"/>
+          </a:solidFill>
+        </a:defRPr>
+      </a:lvl5pPr>
+      <a:lvl6pPr eaLnBrk="1" hangingPunct="1">
+        <a:defRPr>
+          <a:solidFill>
+            <a:schemeClr val="tx2"/>
+          </a:solidFill>
+        </a:defRPr>
+      </a:lvl6pPr>
+      <a:lvl7pPr eaLnBrk="1" hangingPunct="1">
+        <a:defRPr>
+          <a:solidFill>
+            <a:schemeClr val="tx2"/>
+          </a:solidFill>
+        </a:defRPr>
+      </a:lvl7pPr>
+      <a:lvl8pPr eaLnBrk="1" hangingPunct="1">
+        <a:defRPr>
+          <a:solidFill>
+            <a:schemeClr val="tx2"/>
+          </a:solidFill>
+        </a:defRPr>
+      </a:lvl8pPr>
+      <a:lvl9pPr eaLnBrk="1" hangingPunct="1">
+        <a:defRPr>
+          <a:solidFill>
+            <a:schemeClr val="tx2"/>
+          </a:solidFill>
+        </a:defRPr>
+      </a:lvl9pPr>
     </p:titleStyle>
     <p:bodyStyle>
-      <a:lvl1pPr marL="228600" indent="-228600" algn="l" defTabSz="914400" rtl="0" eaLnBrk="1" latinLnBrk="0" hangingPunct="1">
-        <a:lnSpc>
-          <a:spcPct val="90000"/>
-        </a:lnSpc>
+      <a:lvl1pPr marL="342900" indent="-342900" algn="l" defTabSz="457200" rtl="0" eaLnBrk="1" latinLnBrk="0" hangingPunct="1">
         <a:spcBef>
           <a:spcPts val="1000"/>
         </a:spcBef>
-        <a:buFont typeface="Arial" panose="020B0604020202020204" pitchFamily="34" charset="0"/>
-        <a:buChar char="•"/>
-        <a:defRPr sz="2800" kern="1200">
+        <a:spcAft>
+          <a:spcPts val="0"/>
+        </a:spcAft>
+        <a:buClr>
+          <a:schemeClr val="accent1"/>
+        </a:buClr>
+        <a:buSzPct val="80000"/>
+        <a:buFont typeface="Wingdings 3" charset="2"/>
+        <a:buChar char=""/>
+        <a:defRPr sz="1800" kern="1200">
+          <a:solidFill>
+            <a:schemeClr val="tx1">
+              <a:lumMod val="75000"/>
+              <a:lumOff val="25000"/>
+            </a:schemeClr>
+          </a:solidFill>
+          <a:latin typeface="+mn-lt"/>
+          <a:ea typeface="+mn-ea"/>
+          <a:cs typeface="+mn-cs"/>
+        </a:defRPr>
+      </a:lvl1pPr>
+      <a:lvl2pPr marL="742950" indent="-285750" algn="l" defTabSz="457200" rtl="0" eaLnBrk="1" latinLnBrk="0" hangingPunct="1">
+        <a:spcBef>
+          <a:spcPts val="1000"/>
+        </a:spcBef>
+        <a:spcAft>
+          <a:spcPts val="0"/>
+        </a:spcAft>
+        <a:buClr>
+          <a:schemeClr val="accent1"/>
+        </a:buClr>
+        <a:buSzPct val="80000"/>
+        <a:buFont typeface="Wingdings 3" charset="2"/>
+        <a:buChar char=""/>
+        <a:defRPr sz="1600" kern="1200">
+          <a:solidFill>
+            <a:schemeClr val="tx1">
+              <a:lumMod val="75000"/>
+              <a:lumOff val="25000"/>
+            </a:schemeClr>
+          </a:solidFill>
+          <a:latin typeface="+mn-lt"/>
+          <a:ea typeface="+mn-ea"/>
+          <a:cs typeface="+mn-cs"/>
+        </a:defRPr>
+      </a:lvl2pPr>
+      <a:lvl3pPr marL="1143000" indent="-228600" algn="l" defTabSz="457200" rtl="0" eaLnBrk="1" latinLnBrk="0" hangingPunct="1">
+        <a:spcBef>
+          <a:spcPts val="1000"/>
+        </a:spcBef>
+        <a:spcAft>
+          <a:spcPts val="0"/>
+        </a:spcAft>
+        <a:buClr>
+          <a:schemeClr val="accent1"/>
+        </a:buClr>
+        <a:buSzPct val="80000"/>
+        <a:buFont typeface="Wingdings 3" charset="2"/>
+        <a:buChar char=""/>
+        <a:defRPr sz="1400" kern="1200">
+          <a:solidFill>
+            <a:schemeClr val="tx1">
+              <a:lumMod val="75000"/>
+              <a:lumOff val="25000"/>
+            </a:schemeClr>
+          </a:solidFill>
+          <a:latin typeface="+mn-lt"/>
+          <a:ea typeface="+mn-ea"/>
+          <a:cs typeface="+mn-cs"/>
+        </a:defRPr>
+      </a:lvl3pPr>
+      <a:lvl4pPr marL="1600200" indent="-228600" algn="l" defTabSz="457200" rtl="0" eaLnBrk="1" latinLnBrk="0" hangingPunct="1">
+        <a:spcBef>
+          <a:spcPts val="1000"/>
+        </a:spcBef>
+        <a:spcAft>
+          <a:spcPts val="0"/>
+        </a:spcAft>
+        <a:buClr>
+          <a:schemeClr val="accent1"/>
+        </a:buClr>
+        <a:buSzPct val="80000"/>
+        <a:buFont typeface="Wingdings 3" charset="2"/>
+        <a:buChar char=""/>
+        <a:defRPr sz="1200" kern="1200">
+          <a:solidFill>
+            <a:schemeClr val="tx1">
+              <a:lumMod val="75000"/>
+              <a:lumOff val="25000"/>
+            </a:schemeClr>
+          </a:solidFill>
+          <a:latin typeface="+mn-lt"/>
+          <a:ea typeface="+mn-ea"/>
+          <a:cs typeface="+mn-cs"/>
+        </a:defRPr>
+      </a:lvl4pPr>
+      <a:lvl5pPr marL="2057400" indent="-228600" algn="l" defTabSz="457200" rtl="0" eaLnBrk="1" latinLnBrk="0" hangingPunct="1">
+        <a:spcBef>
+          <a:spcPts val="1000"/>
+        </a:spcBef>
+        <a:spcAft>
+          <a:spcPts val="0"/>
+        </a:spcAft>
+        <a:buClr>
+          <a:schemeClr val="accent1"/>
+        </a:buClr>
+        <a:buSzPct val="80000"/>
+        <a:buFont typeface="Wingdings 3" charset="2"/>
+        <a:buChar char=""/>
+        <a:defRPr sz="1200" kern="1200">
+          <a:solidFill>
+            <a:schemeClr val="tx1">
+              <a:lumMod val="75000"/>
+              <a:lumOff val="25000"/>
+            </a:schemeClr>
+          </a:solidFill>
+          <a:latin typeface="+mn-lt"/>
+          <a:ea typeface="+mn-ea"/>
+          <a:cs typeface="+mn-cs"/>
+        </a:defRPr>
+      </a:lvl5pPr>
+      <a:lvl6pPr marL="2514600" indent="-228600" algn="l" defTabSz="457200" rtl="0" eaLnBrk="1" latinLnBrk="0" hangingPunct="1">
+        <a:spcBef>
+          <a:spcPts val="1000"/>
+        </a:spcBef>
+        <a:spcAft>
+          <a:spcPts val="0"/>
+        </a:spcAft>
+        <a:buClr>
+          <a:schemeClr val="accent1"/>
+        </a:buClr>
+        <a:buSzPct val="80000"/>
+        <a:buFont typeface="Wingdings 3" charset="2"/>
+        <a:buChar char=""/>
+        <a:defRPr sz="1200" kern="1200">
+          <a:solidFill>
+            <a:schemeClr val="tx1">
+              <a:lumMod val="75000"/>
+              <a:lumOff val="25000"/>
+            </a:schemeClr>
+          </a:solidFill>
+          <a:latin typeface="+mn-lt"/>
+          <a:ea typeface="+mn-ea"/>
+          <a:cs typeface="+mn-cs"/>
+        </a:defRPr>
+      </a:lvl6pPr>
+      <a:lvl7pPr marL="2971800" indent="-228600" algn="l" defTabSz="457200" rtl="0" eaLnBrk="1" latinLnBrk="0" hangingPunct="1">
+        <a:spcBef>
+          <a:spcPts val="1000"/>
+        </a:spcBef>
+        <a:spcAft>
+          <a:spcPts val="0"/>
+        </a:spcAft>
+        <a:buClr>
+          <a:schemeClr val="accent1"/>
+        </a:buClr>
+        <a:buSzPct val="80000"/>
+        <a:buFont typeface="Wingdings 3" charset="2"/>
+        <a:buChar char=""/>
+        <a:defRPr sz="1200" kern="1200">
+          <a:solidFill>
+            <a:schemeClr val="tx1">
+              <a:lumMod val="75000"/>
+              <a:lumOff val="25000"/>
+            </a:schemeClr>
+          </a:solidFill>
+          <a:latin typeface="+mn-lt"/>
+          <a:ea typeface="+mn-ea"/>
+          <a:cs typeface="+mn-cs"/>
+        </a:defRPr>
+      </a:lvl7pPr>
+      <a:lvl8pPr marL="3429000" indent="-228600" algn="l" defTabSz="457200" rtl="0" eaLnBrk="1" latinLnBrk="0" hangingPunct="1">
+        <a:spcBef>
+          <a:spcPts val="1000"/>
+        </a:spcBef>
+        <a:spcAft>
+          <a:spcPts val="0"/>
+        </a:spcAft>
+        <a:buClr>
+          <a:schemeClr val="accent1"/>
+        </a:buClr>
+        <a:buSzPct val="80000"/>
+        <a:buFont typeface="Wingdings 3" charset="2"/>
+        <a:buChar char=""/>
+        <a:defRPr sz="1200" kern="1200">
+          <a:solidFill>
+            <a:schemeClr val="tx1">
+              <a:lumMod val="75000"/>
+              <a:lumOff val="25000"/>
+            </a:schemeClr>
+          </a:solidFill>
+          <a:latin typeface="+mn-lt"/>
+          <a:ea typeface="+mn-ea"/>
+          <a:cs typeface="+mn-cs"/>
+        </a:defRPr>
+      </a:lvl8pPr>
+      <a:lvl9pPr marL="3886200" indent="-228600" algn="l" defTabSz="457200" rtl="0" eaLnBrk="1" latinLnBrk="0" hangingPunct="1">
+        <a:spcBef>
+          <a:spcPts val="1000"/>
+        </a:spcBef>
+        <a:spcAft>
+          <a:spcPts val="0"/>
+        </a:spcAft>
+        <a:buClr>
+          <a:schemeClr val="accent1"/>
+        </a:buClr>
+        <a:buSzPct val="80000"/>
+        <a:buFont typeface="Wingdings 3" charset="2"/>
+        <a:buChar char=""/>
+        <a:defRPr sz="1200" kern="1200">
+          <a:solidFill>
+            <a:schemeClr val="tx1">
+              <a:lumMod val="75000"/>
+              <a:lumOff val="25000"/>
+            </a:schemeClr>
+          </a:solidFill>
+          <a:latin typeface="+mn-lt"/>
+          <a:ea typeface="+mn-ea"/>
+          <a:cs typeface="+mn-cs"/>
+        </a:defRPr>
+      </a:lvl9pPr>
+    </p:bodyStyle>
+    <p:otherStyle>
+      <a:defPPr>
+        <a:defRPr lang="en-US"/>
+      </a:defPPr>
+      <a:lvl1pPr marL="0" algn="l" defTabSz="457200" rtl="0" eaLnBrk="1" latinLnBrk="0" hangingPunct="1">
+        <a:defRPr sz="1800" kern="1200">
           <a:solidFill>
             <a:schemeClr val="tx1"/>
           </a:solidFill>
@@ -3092,16 +5735,8 @@
           <a:cs typeface="+mn-cs"/>
         </a:defRPr>
       </a:lvl1pPr>
-      <a:lvl2pPr marL="685800" indent="-228600" algn="l" defTabSz="914400" rtl="0" eaLnBrk="1" latinLnBrk="0" hangingPunct="1">
-        <a:lnSpc>
-          <a:spcPct val="90000"/>
-        </a:lnSpc>
-        <a:spcBef>
-          <a:spcPts val="500"/>
-        </a:spcBef>
-        <a:buFont typeface="Arial" panose="020B0604020202020204" pitchFamily="34" charset="0"/>
-        <a:buChar char="•"/>
-        <a:defRPr sz="2400" kern="1200">
+      <a:lvl2pPr marL="457200" algn="l" defTabSz="457200" rtl="0" eaLnBrk="1" latinLnBrk="0" hangingPunct="1">
+        <a:defRPr sz="1800" kern="1200">
           <a:solidFill>
             <a:schemeClr val="tx1"/>
           </a:solidFill>
@@ -3110,16 +5745,8 @@
           <a:cs typeface="+mn-cs"/>
         </a:defRPr>
       </a:lvl2pPr>
-      <a:lvl3pPr marL="1143000" indent="-228600" algn="l" defTabSz="914400" rtl="0" eaLnBrk="1" latinLnBrk="0" hangingPunct="1">
-        <a:lnSpc>
-          <a:spcPct val="90000"/>
-        </a:lnSpc>
-        <a:spcBef>
-          <a:spcPts val="500"/>
-        </a:spcBef>
-        <a:buFont typeface="Arial" panose="020B0604020202020204" pitchFamily="34" charset="0"/>
-        <a:buChar char="•"/>
-        <a:defRPr sz="2000" kern="1200">
+      <a:lvl3pPr marL="914400" algn="l" defTabSz="457200" rtl="0" eaLnBrk="1" latinLnBrk="0" hangingPunct="1">
+        <a:defRPr sz="1800" kern="1200">
           <a:solidFill>
             <a:schemeClr val="tx1"/>
           </a:solidFill>
@@ -3128,15 +5755,7 @@
           <a:cs typeface="+mn-cs"/>
         </a:defRPr>
       </a:lvl3pPr>
-      <a:lvl4pPr marL="1600200" indent="-228600" algn="l" defTabSz="914400" rtl="0" eaLnBrk="1" latinLnBrk="0" hangingPunct="1">
-        <a:lnSpc>
-          <a:spcPct val="90000"/>
-        </a:lnSpc>
-        <a:spcBef>
-          <a:spcPts val="500"/>
-        </a:spcBef>
-        <a:buFont typeface="Arial" panose="020B0604020202020204" pitchFamily="34" charset="0"/>
-        <a:buChar char="•"/>
+      <a:lvl4pPr marL="1371600" algn="l" defTabSz="457200" rtl="0" eaLnBrk="1" latinLnBrk="0" hangingPunct="1">
         <a:defRPr sz="1800" kern="1200">
           <a:solidFill>
             <a:schemeClr val="tx1"/>
@@ -3146,15 +5765,7 @@
           <a:cs typeface="+mn-cs"/>
         </a:defRPr>
       </a:lvl4pPr>
-      <a:lvl5pPr marL="2057400" indent="-228600" algn="l" defTabSz="914400" rtl="0" eaLnBrk="1" latinLnBrk="0" hangingPunct="1">
-        <a:lnSpc>
-          <a:spcPct val="90000"/>
-        </a:lnSpc>
-        <a:spcBef>
-          <a:spcPts val="500"/>
-        </a:spcBef>
-        <a:buFont typeface="Arial" panose="020B0604020202020204" pitchFamily="34" charset="0"/>
-        <a:buChar char="•"/>
+      <a:lvl5pPr marL="1828800" algn="l" defTabSz="457200" rtl="0" eaLnBrk="1" latinLnBrk="0" hangingPunct="1">
         <a:defRPr sz="1800" kern="1200">
           <a:solidFill>
             <a:schemeClr val="tx1"/>
@@ -3164,15 +5775,7 @@
           <a:cs typeface="+mn-cs"/>
         </a:defRPr>
       </a:lvl5pPr>
-      <a:lvl6pPr marL="2514600" indent="-228600" algn="l" defTabSz="914400" rtl="0" eaLnBrk="1" latinLnBrk="0" hangingPunct="1">
-        <a:lnSpc>
-          <a:spcPct val="90000"/>
-        </a:lnSpc>
-        <a:spcBef>
-          <a:spcPts val="500"/>
-        </a:spcBef>
-        <a:buFont typeface="Arial" panose="020B0604020202020204" pitchFamily="34" charset="0"/>
-        <a:buChar char="•"/>
+      <a:lvl6pPr marL="2286000" algn="l" defTabSz="457200" rtl="0" eaLnBrk="1" latinLnBrk="0" hangingPunct="1">
         <a:defRPr sz="1800" kern="1200">
           <a:solidFill>
             <a:schemeClr val="tx1"/>
@@ -3182,15 +5785,7 @@
           <a:cs typeface="+mn-cs"/>
         </a:defRPr>
       </a:lvl6pPr>
-      <a:lvl7pPr marL="2971800" indent="-228600" algn="l" defTabSz="914400" rtl="0" eaLnBrk="1" latinLnBrk="0" hangingPunct="1">
-        <a:lnSpc>
-          <a:spcPct val="90000"/>
-        </a:lnSpc>
-        <a:spcBef>
-          <a:spcPts val="500"/>
-        </a:spcBef>
-        <a:buFont typeface="Arial" panose="020B0604020202020204" pitchFamily="34" charset="0"/>
-        <a:buChar char="•"/>
+      <a:lvl7pPr marL="2743200" algn="l" defTabSz="457200" rtl="0" eaLnBrk="1" latinLnBrk="0" hangingPunct="1">
         <a:defRPr sz="1800" kern="1200">
           <a:solidFill>
             <a:schemeClr val="tx1"/>
@@ -3200,15 +5795,7 @@
           <a:cs typeface="+mn-cs"/>
         </a:defRPr>
       </a:lvl7pPr>
-      <a:lvl8pPr marL="3429000" indent="-228600" algn="l" defTabSz="914400" rtl="0" eaLnBrk="1" latinLnBrk="0" hangingPunct="1">
-        <a:lnSpc>
-          <a:spcPct val="90000"/>
-        </a:lnSpc>
-        <a:spcBef>
-          <a:spcPts val="500"/>
-        </a:spcBef>
-        <a:buFont typeface="Arial" panose="020B0604020202020204" pitchFamily="34" charset="0"/>
-        <a:buChar char="•"/>
+      <a:lvl8pPr marL="3200400" algn="l" defTabSz="457200" rtl="0" eaLnBrk="1" latinLnBrk="0" hangingPunct="1">
         <a:defRPr sz="1800" kern="1200">
           <a:solidFill>
             <a:schemeClr val="tx1"/>
@@ -3218,110 +5805,7 @@
           <a:cs typeface="+mn-cs"/>
         </a:defRPr>
       </a:lvl8pPr>
-      <a:lvl9pPr marL="3886200" indent="-228600" algn="l" defTabSz="914400" rtl="0" eaLnBrk="1" latinLnBrk="0" hangingPunct="1">
-        <a:lnSpc>
-          <a:spcPct val="90000"/>
-        </a:lnSpc>
-        <a:spcBef>
-          <a:spcPts val="500"/>
-        </a:spcBef>
-        <a:buFont typeface="Arial" panose="020B0604020202020204" pitchFamily="34" charset="0"/>
-        <a:buChar char="•"/>
-        <a:defRPr sz="1800" kern="1200">
-          <a:solidFill>
-            <a:schemeClr val="tx1"/>
-          </a:solidFill>
-          <a:latin typeface="+mn-lt"/>
-          <a:ea typeface="+mn-ea"/>
-          <a:cs typeface="+mn-cs"/>
-        </a:defRPr>
-      </a:lvl9pPr>
-    </p:bodyStyle>
-    <p:otherStyle>
-      <a:defPPr>
-        <a:defRPr lang="it-IT"/>
-      </a:defPPr>
-      <a:lvl1pPr marL="0" algn="l" defTabSz="914400" rtl="0" eaLnBrk="1" latinLnBrk="0" hangingPunct="1">
-        <a:defRPr sz="1800" kern="1200">
-          <a:solidFill>
-            <a:schemeClr val="tx1"/>
-          </a:solidFill>
-          <a:latin typeface="+mn-lt"/>
-          <a:ea typeface="+mn-ea"/>
-          <a:cs typeface="+mn-cs"/>
-        </a:defRPr>
-      </a:lvl1pPr>
-      <a:lvl2pPr marL="457200" algn="l" defTabSz="914400" rtl="0" eaLnBrk="1" latinLnBrk="0" hangingPunct="1">
-        <a:defRPr sz="1800" kern="1200">
-          <a:solidFill>
-            <a:schemeClr val="tx1"/>
-          </a:solidFill>
-          <a:latin typeface="+mn-lt"/>
-          <a:ea typeface="+mn-ea"/>
-          <a:cs typeface="+mn-cs"/>
-        </a:defRPr>
-      </a:lvl2pPr>
-      <a:lvl3pPr marL="914400" algn="l" defTabSz="914400" rtl="0" eaLnBrk="1" latinLnBrk="0" hangingPunct="1">
-        <a:defRPr sz="1800" kern="1200">
-          <a:solidFill>
-            <a:schemeClr val="tx1"/>
-          </a:solidFill>
-          <a:latin typeface="+mn-lt"/>
-          <a:ea typeface="+mn-ea"/>
-          <a:cs typeface="+mn-cs"/>
-        </a:defRPr>
-      </a:lvl3pPr>
-      <a:lvl4pPr marL="1371600" algn="l" defTabSz="914400" rtl="0" eaLnBrk="1" latinLnBrk="0" hangingPunct="1">
-        <a:defRPr sz="1800" kern="1200">
-          <a:solidFill>
-            <a:schemeClr val="tx1"/>
-          </a:solidFill>
-          <a:latin typeface="+mn-lt"/>
-          <a:ea typeface="+mn-ea"/>
-          <a:cs typeface="+mn-cs"/>
-        </a:defRPr>
-      </a:lvl4pPr>
-      <a:lvl5pPr marL="1828800" algn="l" defTabSz="914400" rtl="0" eaLnBrk="1" latinLnBrk="0" hangingPunct="1">
-        <a:defRPr sz="1800" kern="1200">
-          <a:solidFill>
-            <a:schemeClr val="tx1"/>
-          </a:solidFill>
-          <a:latin typeface="+mn-lt"/>
-          <a:ea typeface="+mn-ea"/>
-          <a:cs typeface="+mn-cs"/>
-        </a:defRPr>
-      </a:lvl5pPr>
-      <a:lvl6pPr marL="2286000" algn="l" defTabSz="914400" rtl="0" eaLnBrk="1" latinLnBrk="0" hangingPunct="1">
-        <a:defRPr sz="1800" kern="1200">
-          <a:solidFill>
-            <a:schemeClr val="tx1"/>
-          </a:solidFill>
-          <a:latin typeface="+mn-lt"/>
-          <a:ea typeface="+mn-ea"/>
-          <a:cs typeface="+mn-cs"/>
-        </a:defRPr>
-      </a:lvl6pPr>
-      <a:lvl7pPr marL="2743200" algn="l" defTabSz="914400" rtl="0" eaLnBrk="1" latinLnBrk="0" hangingPunct="1">
-        <a:defRPr sz="1800" kern="1200">
-          <a:solidFill>
-            <a:schemeClr val="tx1"/>
-          </a:solidFill>
-          <a:latin typeface="+mn-lt"/>
-          <a:ea typeface="+mn-ea"/>
-          <a:cs typeface="+mn-cs"/>
-        </a:defRPr>
-      </a:lvl7pPr>
-      <a:lvl8pPr marL="3200400" algn="l" defTabSz="914400" rtl="0" eaLnBrk="1" latinLnBrk="0" hangingPunct="1">
-        <a:defRPr sz="1800" kern="1200">
-          <a:solidFill>
-            <a:schemeClr val="tx1"/>
-          </a:solidFill>
-          <a:latin typeface="+mn-lt"/>
-          <a:ea typeface="+mn-ea"/>
-          <a:cs typeface="+mn-cs"/>
-        </a:defRPr>
-      </a:lvl8pPr>
-      <a:lvl9pPr marL="3657600" algn="l" defTabSz="914400" rtl="0" eaLnBrk="1" latinLnBrk="0" hangingPunct="1">
+      <a:lvl9pPr marL="3657600" algn="l" defTabSz="457200" rtl="0" eaLnBrk="1" latinLnBrk="0" hangingPunct="1">
         <a:defRPr sz="1800" kern="1200">
           <a:solidFill>
             <a:schemeClr val="tx1"/>
@@ -3369,7 +5853,12 @@
             <p:ph type="ctrTitle"/>
           </p:nvPr>
         </p:nvSpPr>
-        <p:spPr/>
+        <p:spPr>
+          <a:xfrm>
+            <a:off x="0" y="1122363"/>
+            <a:ext cx="12192000" cy="3423512"/>
+          </a:xfrm>
+        </p:spPr>
         <p:txBody>
           <a:bodyPr>
             <a:normAutofit/>
@@ -3385,31 +5874,6 @@
               </a:rPr>
               <a:t>VISIONARIO</a:t>
             </a:r>
-          </a:p>
-        </p:txBody>
-      </p:sp>
-      <p:sp>
-        <p:nvSpPr>
-          <p:cNvPr id="3" name="Subtitle 2">
-            <a:extLst>
-              <a:ext uri="{FF2B5EF4-FFF2-40B4-BE49-F238E27FC236}">
-                <a16:creationId xmlns:a16="http://schemas.microsoft.com/office/drawing/2014/main" id="{FBC77971-FBF1-4F2F-B735-DDD7AF798913}"/>
-              </a:ext>
-            </a:extLst>
-          </p:cNvPr>
-          <p:cNvSpPr>
-            <a:spLocks noGrp="1"/>
-          </p:cNvSpPr>
-          <p:nvPr>
-            <p:ph type="subTitle" idx="1"/>
-          </p:nvPr>
-        </p:nvSpPr>
-        <p:spPr/>
-        <p:txBody>
-          <a:bodyPr/>
-          <a:lstStyle/>
-          <a:p>
-            <a:endParaRPr lang="it-IT"/>
           </a:p>
         </p:txBody>
       </p:sp>
@@ -3517,19 +5981,19 @@
               <a:buNone/>
             </a:pPr>
             <a:r>
+              <a:rPr lang="it-IT" sz="2400" b="1" dirty="0"/>
+              <a:t>Attori</a:t>
+            </a:r>
+          </a:p>
+          <a:p>
+            <a:pPr marL="0" indent="0">
+              <a:buNone/>
+            </a:pPr>
+            <a:r>
               <a:rPr lang="it-IT" b="1" dirty="0"/>
-              <a:t>Attori</a:t>
-            </a:r>
-          </a:p>
-          <a:p>
-            <a:pPr marL="0" indent="0">
-              <a:buNone/>
-            </a:pPr>
-            <a:r>
-              <a:rPr lang="it-IT" sz="2000" b="1" dirty="0"/>
               <a:t>Amministratore</a:t>
             </a:r>
-            <a:endParaRPr lang="it-IT" sz="2200" dirty="0"/>
+            <a:endParaRPr lang="it-IT" dirty="0"/>
           </a:p>
           <a:p>
             <a:pPr lvl="0"/>
@@ -3648,31 +6112,6 @@
       </p:grpSpPr>
       <p:sp>
         <p:nvSpPr>
-          <p:cNvPr id="2" name="Title 1">
-            <a:extLst>
-              <a:ext uri="{FF2B5EF4-FFF2-40B4-BE49-F238E27FC236}">
-                <a16:creationId xmlns:a16="http://schemas.microsoft.com/office/drawing/2014/main" id="{9CE82001-28CE-4F42-9547-0BE4F1CC3609}"/>
-              </a:ext>
-            </a:extLst>
-          </p:cNvPr>
-          <p:cNvSpPr>
-            <a:spLocks noGrp="1"/>
-          </p:cNvSpPr>
-          <p:nvPr>
-            <p:ph type="title"/>
-          </p:nvPr>
-        </p:nvSpPr>
-        <p:spPr/>
-        <p:txBody>
-          <a:bodyPr/>
-          <a:lstStyle/>
-          <a:p>
-            <a:endParaRPr lang="it-IT"/>
-          </a:p>
-        </p:txBody>
-      </p:sp>
-      <p:sp>
-        <p:nvSpPr>
           <p:cNvPr id="3" name="Content Placeholder 2">
             <a:extLst>
               <a:ext uri="{FF2B5EF4-FFF2-40B4-BE49-F238E27FC236}">
@@ -3687,10 +6126,15 @@
             <p:ph idx="1"/>
           </p:nvPr>
         </p:nvSpPr>
-        <p:spPr/>
+        <p:spPr>
+          <a:xfrm>
+            <a:off x="677334" y="836023"/>
+            <a:ext cx="8596668" cy="5643154"/>
+          </a:xfrm>
+        </p:spPr>
         <p:txBody>
           <a:bodyPr>
-            <a:normAutofit fontScale="55000" lnSpcReduction="20000"/>
+            <a:normAutofit fontScale="25000" lnSpcReduction="20000"/>
           </a:bodyPr>
           <a:lstStyle/>
           <a:p>
@@ -3698,103 +6142,103 @@
               <a:buNone/>
             </a:pPr>
             <a:r>
-              <a:rPr lang="it-IT" sz="2900" b="1" dirty="0"/>
+              <a:rPr lang="it-IT" sz="5500" b="1" dirty="0"/>
               <a:t>  </a:t>
             </a:r>
             <a:r>
-              <a:rPr lang="it-IT" sz="3600" b="1" dirty="0"/>
+              <a:rPr lang="it-IT" sz="7200" b="1" dirty="0"/>
               <a:t>Cliente</a:t>
             </a:r>
-            <a:endParaRPr lang="it-IT" sz="3600" dirty="0"/>
+            <a:endParaRPr lang="it-IT" sz="7200" dirty="0"/>
           </a:p>
           <a:p>
             <a:pPr lvl="0"/>
             <a:r>
-              <a:rPr lang="it-IT" sz="2900" dirty="0"/>
+              <a:rPr lang="it-IT" sz="6400" dirty="0"/>
               <a:t>Login/logout</a:t>
             </a:r>
           </a:p>
           <a:p>
             <a:pPr lvl="0"/>
             <a:r>
-              <a:rPr lang="it-IT" sz="2900" dirty="0"/>
+              <a:rPr lang="it-IT" sz="6400" dirty="0"/>
               <a:t>Aggiungere prodotti al carrello</a:t>
             </a:r>
           </a:p>
           <a:p>
             <a:pPr lvl="0"/>
             <a:r>
-              <a:rPr lang="it-IT" sz="2900" dirty="0"/>
+              <a:rPr lang="it-IT" sz="6400" dirty="0"/>
               <a:t>Aggiungere prodotti ad una wish list</a:t>
             </a:r>
           </a:p>
           <a:p>
             <a:pPr lvl="0"/>
             <a:r>
-              <a:rPr lang="it-IT" sz="2900" dirty="0"/>
+              <a:rPr lang="it-IT" sz="6400" dirty="0"/>
               <a:t>Ricercare prodotti filtrandoli per genere (uomo, donna, bambino, bambina), tipologia di prodotto, taglia, colore e ordinandoli in base ai nuovi arrivi, prezzo crescente/decrescente e rilevanza.</a:t>
             </a:r>
           </a:p>
           <a:p>
             <a:pPr lvl="0"/>
             <a:r>
-              <a:rPr lang="it-IT" sz="2900" dirty="0"/>
+              <a:rPr lang="it-IT" sz="6400" dirty="0"/>
               <a:t>Visualizzare dettagli prodotto (foto, descrizione, commenti)</a:t>
             </a:r>
           </a:p>
           <a:p>
             <a:pPr lvl="0"/>
             <a:r>
-              <a:rPr lang="it-IT" sz="2900" dirty="0"/>
+              <a:rPr lang="it-IT" sz="6400" dirty="0"/>
               <a:t>Acquistare i prodotti effettuando il pagamento online</a:t>
             </a:r>
           </a:p>
           <a:p>
             <a:pPr lvl="0"/>
             <a:r>
-              <a:rPr lang="it-IT" sz="2900" dirty="0"/>
+              <a:rPr lang="it-IT" sz="6400" dirty="0"/>
               <a:t>Annullare un ordine che non è stato ancora spedito</a:t>
             </a:r>
           </a:p>
           <a:p>
             <a:pPr lvl="0"/>
             <a:r>
-              <a:rPr lang="it-IT" sz="2900" dirty="0"/>
+              <a:rPr lang="it-IT" sz="6400" dirty="0"/>
               <a:t>Visualizzare gli ordini effettuati</a:t>
             </a:r>
           </a:p>
           <a:p>
             <a:pPr lvl="0"/>
             <a:r>
-              <a:rPr lang="it-IT" sz="2900" dirty="0"/>
+              <a:rPr lang="it-IT" sz="6400" dirty="0"/>
               <a:t>Visualizzazione dettagli singolo ordine</a:t>
             </a:r>
           </a:p>
           <a:p>
             <a:pPr lvl="0"/>
             <a:r>
-              <a:rPr lang="it-IT" sz="2900" dirty="0"/>
+              <a:rPr lang="it-IT" sz="6400" dirty="0"/>
               <a:t>Effettuare un reso</a:t>
             </a:r>
           </a:p>
           <a:p>
             <a:pPr lvl="0"/>
             <a:r>
-              <a:rPr lang="it-IT" sz="2900" dirty="0"/>
+              <a:rPr lang="it-IT" sz="6400" dirty="0"/>
               <a:t>Aggiungere un commento</a:t>
             </a:r>
           </a:p>
           <a:p>
             <a:pPr lvl="0"/>
             <a:r>
-              <a:rPr lang="it-IT" sz="2900" dirty="0"/>
+              <a:rPr lang="it-IT" sz="6400" dirty="0"/>
               <a:t>Modificare indirizzo di spedizione</a:t>
             </a:r>
           </a:p>
           <a:p>
             <a:pPr lvl="0"/>
             <a:r>
-              <a:rPr lang="it-IT" sz="2900" dirty="0"/>
+              <a:rPr lang="it-IT" sz="6400" dirty="0"/>
               <a:t>Modificare password</a:t>
             </a:r>
           </a:p>
@@ -3835,31 +6279,6 @@
       </p:grpSpPr>
       <p:sp>
         <p:nvSpPr>
-          <p:cNvPr id="2" name="Title 1">
-            <a:extLst>
-              <a:ext uri="{FF2B5EF4-FFF2-40B4-BE49-F238E27FC236}">
-                <a16:creationId xmlns:a16="http://schemas.microsoft.com/office/drawing/2014/main" id="{11ACF249-B3DB-44E2-B638-8148A1903009}"/>
-              </a:ext>
-            </a:extLst>
-          </p:cNvPr>
-          <p:cNvSpPr>
-            <a:spLocks noGrp="1"/>
-          </p:cNvSpPr>
-          <p:nvPr>
-            <p:ph type="title"/>
-          </p:nvPr>
-        </p:nvSpPr>
-        <p:spPr/>
-        <p:txBody>
-          <a:bodyPr/>
-          <a:lstStyle/>
-          <a:p>
-            <a:endParaRPr lang="it-IT"/>
-          </a:p>
-        </p:txBody>
-      </p:sp>
-      <p:sp>
-        <p:nvSpPr>
           <p:cNvPr id="3" name="Content Placeholder 2">
             <a:extLst>
               <a:ext uri="{FF2B5EF4-FFF2-40B4-BE49-F238E27FC236}">
@@ -3874,7 +6293,12 @@
             <p:ph idx="1"/>
           </p:nvPr>
         </p:nvSpPr>
-        <p:spPr/>
+        <p:spPr>
+          <a:xfrm>
+            <a:off x="677334" y="783771"/>
+            <a:ext cx="8596668" cy="5257591"/>
+          </a:xfrm>
+        </p:spPr>
         <p:txBody>
           <a:bodyPr>
             <a:normAutofit/>
@@ -3885,10 +6309,10 @@
               <a:buNone/>
             </a:pPr>
             <a:r>
-              <a:rPr lang="it-IT" sz="2000" b="1" dirty="0"/>
+              <a:rPr lang="it-IT" b="1" dirty="0"/>
               <a:t>Utente non registrato</a:t>
             </a:r>
-            <a:endParaRPr lang="it-IT" sz="2000" dirty="0"/>
+            <a:endParaRPr lang="it-IT" dirty="0"/>
           </a:p>
           <a:p>
             <a:pPr lvl="0"/>
@@ -3958,7 +6382,7 @@
           <p:cNvPr id="2" name="Title 1">
             <a:extLst>
               <a:ext uri="{FF2B5EF4-FFF2-40B4-BE49-F238E27FC236}">
-                <a16:creationId xmlns:a16="http://schemas.microsoft.com/office/drawing/2014/main" id="{1929BFAB-4D73-4E24-848C-AECAAD1D9170}"/>
+                <a16:creationId xmlns:a16="http://schemas.microsoft.com/office/drawing/2014/main" id="{DB1F5EC2-39B1-4A63-9209-F90E63ACF756}"/>
               </a:ext>
             </a:extLst>
           </p:cNvPr>
@@ -3969,7 +6393,12 @@
             <p:ph type="title"/>
           </p:nvPr>
         </p:nvSpPr>
-        <p:spPr/>
+        <p:spPr>
+          <a:xfrm>
+            <a:off x="838200" y="365126"/>
+            <a:ext cx="10515600" cy="657340"/>
+          </a:xfrm>
+        </p:spPr>
         <p:txBody>
           <a:bodyPr>
             <a:normAutofit/>
@@ -3978,7 +6407,7 @@
           <a:p>
             <a:r>
               <a:rPr lang="it-IT" dirty="0"/>
-              <a:t>DIAGRAMMA ER</a:t>
+              <a:t>Tecnologie utilizzate</a:t>
             </a:r>
           </a:p>
         </p:txBody>
@@ -3988,7 +6417,7 @@
           <p:cNvPr id="3" name="Content Placeholder 2">
             <a:extLst>
               <a:ext uri="{FF2B5EF4-FFF2-40B4-BE49-F238E27FC236}">
-                <a16:creationId xmlns:a16="http://schemas.microsoft.com/office/drawing/2014/main" id="{7125A8CE-879F-48EC-933E-0C6141DBFCCC}"/>
+                <a16:creationId xmlns:a16="http://schemas.microsoft.com/office/drawing/2014/main" id="{DB2904F9-F298-43AE-B7D8-BEC1DDAE8BFD}"/>
               </a:ext>
             </a:extLst>
           </p:cNvPr>
@@ -3999,22 +6428,77 @@
             <p:ph idx="1"/>
           </p:nvPr>
         </p:nvSpPr>
-        <p:spPr/>
-        <p:txBody>
-          <a:bodyPr/>
-          <a:lstStyle/>
-          <a:p>
-            <a:pPr marL="0" indent="0">
-              <a:buNone/>
-            </a:pPr>
-            <a:endParaRPr lang="it-IT" dirty="0"/>
+        <p:spPr>
+          <a:xfrm>
+            <a:off x="838200" y="1022466"/>
+            <a:ext cx="9063446" cy="5470408"/>
+          </a:xfrm>
+        </p:spPr>
+        <p:txBody>
+          <a:bodyPr>
+            <a:noAutofit/>
+          </a:bodyPr>
+          <a:lstStyle/>
+          <a:p>
+            <a:r>
+              <a:rPr lang="it-IT" dirty="0"/>
+              <a:t>HTML 5</a:t>
+            </a:r>
+          </a:p>
+          <a:p>
+            <a:r>
+              <a:rPr lang="it-IT" dirty="0"/>
+              <a:t>CSS + FRAMEWORK BOOTSRAP v.4</a:t>
+            </a:r>
+          </a:p>
+          <a:p>
+            <a:r>
+              <a:rPr lang="it-IT" dirty="0"/>
+              <a:t>AJAX</a:t>
+            </a:r>
+          </a:p>
+          <a:p>
+            <a:r>
+              <a:rPr lang="it-IT" dirty="0"/>
+              <a:t>JQUERY</a:t>
+            </a:r>
+          </a:p>
+          <a:p>
+            <a:r>
+              <a:rPr lang="it-IT" dirty="0"/>
+              <a:t>JAVA 8</a:t>
+            </a:r>
+          </a:p>
+          <a:p>
+            <a:r>
+              <a:rPr lang="it-IT" dirty="0"/>
+              <a:t>JSP + JSTL v.1.2</a:t>
+            </a:r>
+          </a:p>
+          <a:p>
+            <a:r>
+              <a:rPr lang="it-IT" dirty="0"/>
+              <a:t>SERVLET</a:t>
+            </a:r>
+          </a:p>
+          <a:p>
+            <a:r>
+              <a:rPr lang="it-IT" dirty="0"/>
+              <a:t>DATABASE MYSQL + MYSQL-CONNECTOR V.5.1.46</a:t>
+            </a:r>
+          </a:p>
+          <a:p>
+            <a:r>
+              <a:rPr lang="it-IT" dirty="0"/>
+              <a:t>SERVER APACHE TOMCAT v.8.5</a:t>
+            </a:r>
           </a:p>
         </p:txBody>
       </p:sp>
     </p:spTree>
     <p:extLst>
       <p:ext uri="{BB962C8B-B14F-4D97-AF65-F5344CB8AC3E}">
-        <p14:creationId xmlns:p14="http://schemas.microsoft.com/office/powerpoint/2010/main" val="256187954"/>
+        <p14:creationId xmlns:p14="http://schemas.microsoft.com/office/powerpoint/2010/main" val="3708338172"/>
       </p:ext>
     </p:extLst>
   </p:cSld>
@@ -4046,7 +6530,7 @@
           <p:cNvPr id="2" name="Title 1">
             <a:extLst>
               <a:ext uri="{FF2B5EF4-FFF2-40B4-BE49-F238E27FC236}">
-                <a16:creationId xmlns:a16="http://schemas.microsoft.com/office/drawing/2014/main" id="{41F62177-CD6D-46C1-A922-151CB5297CF6}"/>
+                <a16:creationId xmlns:a16="http://schemas.microsoft.com/office/drawing/2014/main" id="{1929BFAB-4D73-4E24-848C-AECAAD1D9170}"/>
               </a:ext>
             </a:extLst>
           </p:cNvPr>
@@ -4059,45 +6543,57 @@
         </p:nvSpPr>
         <p:spPr/>
         <p:txBody>
-          <a:bodyPr/>
+          <a:bodyPr>
+            <a:normAutofit/>
+          </a:bodyPr>
           <a:lstStyle/>
           <a:p>
             <a:r>
               <a:rPr lang="it-IT" dirty="0"/>
-              <a:t>Architettura sw</a:t>
-            </a:r>
-          </a:p>
-        </p:txBody>
-      </p:sp>
-      <p:sp>
-        <p:nvSpPr>
-          <p:cNvPr id="3" name="Content Placeholder 2">
+              <a:t>DIAGRAMMA ER</a:t>
+            </a:r>
+          </a:p>
+        </p:txBody>
+      </p:sp>
+      <p:pic>
+        <p:nvPicPr>
+          <p:cNvPr id="5" name="Content Placeholder 4">
             <a:extLst>
               <a:ext uri="{FF2B5EF4-FFF2-40B4-BE49-F238E27FC236}">
-                <a16:creationId xmlns:a16="http://schemas.microsoft.com/office/drawing/2014/main" id="{0AF7AFBA-6590-4AF0-80D3-C1793C7876D6}"/>
+                <a16:creationId xmlns:a16="http://schemas.microsoft.com/office/drawing/2014/main" id="{A4C6F99A-BC14-4E4C-A834-EB225FA03CA7}"/>
               </a:ext>
             </a:extLst>
           </p:cNvPr>
-          <p:cNvSpPr>
-            <a:spLocks noGrp="1"/>
-          </p:cNvSpPr>
+          <p:cNvPicPr>
+            <a:picLocks noGrp="1" noChangeAspect="1"/>
+          </p:cNvPicPr>
           <p:nvPr>
             <p:ph idx="1"/>
           </p:nvPr>
-        </p:nvSpPr>
-        <p:spPr/>
-        <p:txBody>
-          <a:bodyPr/>
-          <a:lstStyle/>
-          <a:p>
-            <a:endParaRPr lang="it-IT"/>
-          </a:p>
-        </p:txBody>
-      </p:sp>
+        </p:nvPicPr>
+        <p:blipFill>
+          <a:blip r:embed="rId2">
+            <a:extLst>
+              <a:ext uri="{28A0092B-C50C-407E-A947-70E740481C1C}">
+                <a14:useLocalDpi xmlns:a14="http://schemas.microsoft.com/office/drawing/2010/main" val="0"/>
+              </a:ext>
+            </a:extLst>
+          </a:blip>
+          <a:stretch>
+            <a:fillRect/>
+          </a:stretch>
+        </p:blipFill>
+        <p:spPr>
+          <a:xfrm>
+            <a:off x="418011" y="1593669"/>
+            <a:ext cx="9117875" cy="4654731"/>
+          </a:xfrm>
+        </p:spPr>
+      </p:pic>
     </p:spTree>
     <p:extLst>
       <p:ext uri="{BB962C8B-B14F-4D97-AF65-F5344CB8AC3E}">
-        <p14:creationId xmlns:p14="http://schemas.microsoft.com/office/powerpoint/2010/main" val="1040115892"/>
+        <p14:creationId xmlns:p14="http://schemas.microsoft.com/office/powerpoint/2010/main" val="256187954"/>
       </p:ext>
     </p:extLst>
   </p:cSld>
@@ -4129,7 +6625,7 @@
           <p:cNvPr id="2" name="Title 1">
             <a:extLst>
               <a:ext uri="{FF2B5EF4-FFF2-40B4-BE49-F238E27FC236}">
-                <a16:creationId xmlns:a16="http://schemas.microsoft.com/office/drawing/2014/main" id="{FF9AA6C3-C2CC-4FD3-B686-3D860A8E032D}"/>
+                <a16:creationId xmlns:a16="http://schemas.microsoft.com/office/drawing/2014/main" id="{41F62177-CD6D-46C1-A922-151CB5297CF6}"/>
               </a:ext>
             </a:extLst>
           </p:cNvPr>
@@ -4140,14 +6636,19 @@
             <p:ph type="title"/>
           </p:nvPr>
         </p:nvSpPr>
-        <p:spPr/>
+        <p:spPr>
+          <a:xfrm>
+            <a:off x="677334" y="609600"/>
+            <a:ext cx="8596668" cy="1320800"/>
+          </a:xfrm>
+        </p:spPr>
         <p:txBody>
           <a:bodyPr/>
           <a:lstStyle/>
           <a:p>
             <a:r>
               <a:rPr lang="it-IT" dirty="0"/>
-              <a:t>Checklist</a:t>
+              <a:t>ARCHITETTURA SW</a:t>
             </a:r>
           </a:p>
         </p:txBody>
@@ -4157,7 +6658,7 @@
           <p:cNvPr id="3" name="Content Placeholder 2">
             <a:extLst>
               <a:ext uri="{FF2B5EF4-FFF2-40B4-BE49-F238E27FC236}">
-                <a16:creationId xmlns:a16="http://schemas.microsoft.com/office/drawing/2014/main" id="{85B7BFE1-73D0-45F9-BAC8-9F520C3AE44F}"/>
+                <a16:creationId xmlns:a16="http://schemas.microsoft.com/office/drawing/2014/main" id="{0AF7AFBA-6590-4AF0-80D3-C1793C7876D6}"/>
               </a:ext>
             </a:extLst>
           </p:cNvPr>
@@ -4173,14 +6674,371 @@
           <a:bodyPr/>
           <a:lstStyle/>
           <a:p>
-            <a:endParaRPr lang="it-IT"/>
+            <a:endParaRPr lang="it-IT" dirty="0"/>
           </a:p>
         </p:txBody>
       </p:sp>
     </p:spTree>
     <p:extLst>
       <p:ext uri="{BB962C8B-B14F-4D97-AF65-F5344CB8AC3E}">
-        <p14:creationId xmlns:p14="http://schemas.microsoft.com/office/powerpoint/2010/main" val="2261745303"/>
+        <p14:creationId xmlns:p14="http://schemas.microsoft.com/office/powerpoint/2010/main" val="1040115892"/>
+      </p:ext>
+    </p:extLst>
+  </p:cSld>
+  <p:clrMapOvr>
+    <a:masterClrMapping/>
+  </p:clrMapOvr>
+</p:sld>
+</file>
+
+<file path=ppt/slides/slide8.xml><?xml version="1.0" encoding="utf-8"?>
+<p:sld xmlns:a="http://schemas.openxmlformats.org/drawingml/2006/main" xmlns:r="http://schemas.openxmlformats.org/officeDocument/2006/relationships" xmlns:p="http://schemas.openxmlformats.org/presentationml/2006/main">
+  <p:cSld>
+    <p:spTree>
+      <p:nvGrpSpPr>
+        <p:cNvPr id="1" name=""/>
+        <p:cNvGrpSpPr/>
+        <p:nvPr/>
+      </p:nvGrpSpPr>
+      <p:grpSpPr>
+        <a:xfrm>
+          <a:off x="0" y="0"/>
+          <a:ext cx="0" cy="0"/>
+          <a:chOff x="0" y="0"/>
+          <a:chExt cx="0" cy="0"/>
+        </a:xfrm>
+      </p:grpSpPr>
+      <p:sp>
+        <p:nvSpPr>
+          <p:cNvPr id="2" name="Title 1">
+            <a:extLst>
+              <a:ext uri="{FF2B5EF4-FFF2-40B4-BE49-F238E27FC236}">
+                <a16:creationId xmlns:a16="http://schemas.microsoft.com/office/drawing/2014/main" id="{38AA2175-7169-41BD-8231-1B98DC623967}"/>
+              </a:ext>
+            </a:extLst>
+          </p:cNvPr>
+          <p:cNvSpPr>
+            <a:spLocks noGrp="1"/>
+          </p:cNvSpPr>
+          <p:nvPr>
+            <p:ph type="title"/>
+          </p:nvPr>
+        </p:nvSpPr>
+        <p:spPr>
+          <a:xfrm>
+            <a:off x="677334" y="609600"/>
+            <a:ext cx="8596668" cy="735874"/>
+          </a:xfrm>
+        </p:spPr>
+        <p:txBody>
+          <a:bodyPr/>
+          <a:lstStyle/>
+          <a:p>
+            <a:r>
+              <a:rPr lang="it-IT" dirty="0"/>
+              <a:t>CHECKLIST</a:t>
+            </a:r>
+          </a:p>
+        </p:txBody>
+      </p:sp>
+      <p:sp>
+        <p:nvSpPr>
+          <p:cNvPr id="3" name="Content Placeholder 2">
+            <a:extLst>
+              <a:ext uri="{FF2B5EF4-FFF2-40B4-BE49-F238E27FC236}">
+                <a16:creationId xmlns:a16="http://schemas.microsoft.com/office/drawing/2014/main" id="{6030FE1E-FD6A-44C9-BACE-F502E8AB49BB}"/>
+              </a:ext>
+            </a:extLst>
+          </p:cNvPr>
+          <p:cNvSpPr>
+            <a:spLocks noGrp="1"/>
+          </p:cNvSpPr>
+          <p:nvPr>
+            <p:ph idx="1"/>
+          </p:nvPr>
+        </p:nvSpPr>
+        <p:spPr>
+          <a:xfrm>
+            <a:off x="677334" y="1515291"/>
+            <a:ext cx="8596668" cy="4526071"/>
+          </a:xfrm>
+        </p:spPr>
+        <p:txBody>
+          <a:bodyPr>
+            <a:normAutofit/>
+          </a:bodyPr>
+          <a:lstStyle/>
+          <a:p>
+            <a:pPr>
+              <a:buFont typeface="Wingdings" panose="05000000000000000000" pitchFamily="2" charset="2"/>
+              <a:buChar char="ü"/>
+            </a:pPr>
+            <a:r>
+              <a:rPr lang="it-IT" sz="1600" dirty="0"/>
+              <a:t>Responsive</a:t>
+            </a:r>
+          </a:p>
+          <a:p>
+            <a:pPr>
+              <a:buFont typeface="Wingdings" panose="05000000000000000000" pitchFamily="2" charset="2"/>
+              <a:buChar char="ü"/>
+            </a:pPr>
+            <a:r>
+              <a:rPr lang="it-IT" sz="1600" dirty="0"/>
+              <a:t>Run on Apache Tomcat 8.5</a:t>
+            </a:r>
+          </a:p>
+          <a:p>
+            <a:pPr>
+              <a:buFont typeface="Wingdings" panose="05000000000000000000" pitchFamily="2" charset="2"/>
+              <a:buChar char="ü"/>
+            </a:pPr>
+            <a:r>
+              <a:rPr lang="it-IT" sz="1600" dirty="0"/>
+              <a:t>MVC model</a:t>
+            </a:r>
+          </a:p>
+          <a:p>
+            <a:pPr>
+              <a:buFont typeface="Wingdings" panose="05000000000000000000" pitchFamily="2" charset="2"/>
+              <a:buChar char="ü"/>
+            </a:pPr>
+            <a:r>
+              <a:rPr lang="it-IT" sz="1600" dirty="0"/>
+              <a:t>Package: </a:t>
+            </a:r>
+          </a:p>
+          <a:p>
+            <a:pPr lvl="1">
+              <a:buFont typeface="Wingdings" panose="05000000000000000000" pitchFamily="2" charset="2"/>
+              <a:buChar char="ü"/>
+            </a:pPr>
+            <a:r>
+              <a:rPr lang="it-IT" dirty="0"/>
+              <a:t>config: contiente la configurazione per la connessione al database (DataSource)</a:t>
+            </a:r>
+          </a:p>
+          <a:p>
+            <a:pPr lvl="1">
+              <a:buFont typeface="Wingdings" panose="05000000000000000000" pitchFamily="2" charset="2"/>
+              <a:buChar char="ü"/>
+            </a:pPr>
+            <a:r>
+              <a:rPr lang="it-IT" dirty="0"/>
+              <a:t>Controller: contiente le servlet;</a:t>
+            </a:r>
+          </a:p>
+          <a:p>
+            <a:pPr lvl="1">
+              <a:buFont typeface="Wingdings" panose="05000000000000000000" pitchFamily="2" charset="2"/>
+              <a:buChar char="ü"/>
+            </a:pPr>
+            <a:r>
+              <a:rPr lang="it-IT" dirty="0"/>
+              <a:t>model: contiene la logica dell’interazione con il database;</a:t>
+            </a:r>
+          </a:p>
+          <a:p>
+            <a:pPr lvl="1">
+              <a:buFont typeface="Wingdings" panose="05000000000000000000" pitchFamily="2" charset="2"/>
+              <a:buChar char="ü"/>
+            </a:pPr>
+            <a:r>
+              <a:rPr lang="it-IT" dirty="0"/>
+              <a:t>model.bean: contiente i bean, il carrello e la logica dell’applicazione;</a:t>
+            </a:r>
+          </a:p>
+          <a:p>
+            <a:pPr lvl="1">
+              <a:buFont typeface="Wingdings" panose="05000000000000000000" pitchFamily="2" charset="2"/>
+              <a:buChar char="ü"/>
+            </a:pPr>
+            <a:r>
+              <a:rPr lang="it-IT" dirty="0"/>
+              <a:t>Security: contiene l’implementazione dell’algoritmo PBKDF2 salted password hashing (primi 128 byte di sha256 e 1 byte di salt) per il campo password dell’user;</a:t>
+            </a:r>
+          </a:p>
+          <a:p>
+            <a:endParaRPr lang="it-IT" dirty="0"/>
+          </a:p>
+        </p:txBody>
+      </p:sp>
+    </p:spTree>
+    <p:extLst>
+      <p:ext uri="{BB962C8B-B14F-4D97-AF65-F5344CB8AC3E}">
+        <p14:creationId xmlns:p14="http://schemas.microsoft.com/office/powerpoint/2010/main" val="2076757737"/>
+      </p:ext>
+    </p:extLst>
+  </p:cSld>
+  <p:clrMapOvr>
+    <a:masterClrMapping/>
+  </p:clrMapOvr>
+</p:sld>
+</file>
+
+<file path=ppt/slides/slide9.xml><?xml version="1.0" encoding="utf-8"?>
+<p:sld xmlns:a="http://schemas.openxmlformats.org/drawingml/2006/main" xmlns:r="http://schemas.openxmlformats.org/officeDocument/2006/relationships" xmlns:p="http://schemas.openxmlformats.org/presentationml/2006/main">
+  <p:cSld>
+    <p:spTree>
+      <p:nvGrpSpPr>
+        <p:cNvPr id="1" name=""/>
+        <p:cNvGrpSpPr/>
+        <p:nvPr/>
+      </p:nvGrpSpPr>
+      <p:grpSpPr>
+        <a:xfrm>
+          <a:off x="0" y="0"/>
+          <a:ext cx="0" cy="0"/>
+          <a:chOff x="0" y="0"/>
+          <a:chExt cx="0" cy="0"/>
+        </a:xfrm>
+      </p:grpSpPr>
+      <p:sp>
+        <p:nvSpPr>
+          <p:cNvPr id="2" name="Title 1">
+            <a:extLst>
+              <a:ext uri="{FF2B5EF4-FFF2-40B4-BE49-F238E27FC236}">
+                <a16:creationId xmlns:a16="http://schemas.microsoft.com/office/drawing/2014/main" id="{38AA2175-7169-41BD-8231-1B98DC623967}"/>
+              </a:ext>
+            </a:extLst>
+          </p:cNvPr>
+          <p:cNvSpPr>
+            <a:spLocks noGrp="1"/>
+          </p:cNvSpPr>
+          <p:nvPr>
+            <p:ph type="title"/>
+          </p:nvPr>
+        </p:nvSpPr>
+        <p:spPr>
+          <a:xfrm>
+            <a:off x="677334" y="609600"/>
+            <a:ext cx="8596668" cy="735874"/>
+          </a:xfrm>
+        </p:spPr>
+        <p:txBody>
+          <a:bodyPr/>
+          <a:lstStyle/>
+          <a:p>
+            <a:r>
+              <a:rPr lang="it-IT" dirty="0"/>
+              <a:t>CHECKLIST</a:t>
+            </a:r>
+          </a:p>
+        </p:txBody>
+      </p:sp>
+      <p:sp>
+        <p:nvSpPr>
+          <p:cNvPr id="3" name="Content Placeholder 2">
+            <a:extLst>
+              <a:ext uri="{FF2B5EF4-FFF2-40B4-BE49-F238E27FC236}">
+                <a16:creationId xmlns:a16="http://schemas.microsoft.com/office/drawing/2014/main" id="{6030FE1E-FD6A-44C9-BACE-F502E8AB49BB}"/>
+              </a:ext>
+            </a:extLst>
+          </p:cNvPr>
+          <p:cNvSpPr>
+            <a:spLocks noGrp="1"/>
+          </p:cNvSpPr>
+          <p:nvPr>
+            <p:ph idx="1"/>
+          </p:nvPr>
+        </p:nvSpPr>
+        <p:spPr>
+          <a:xfrm>
+            <a:off x="677334" y="1515291"/>
+            <a:ext cx="8596668" cy="4526071"/>
+          </a:xfrm>
+        </p:spPr>
+        <p:txBody>
+          <a:bodyPr>
+            <a:normAutofit/>
+          </a:bodyPr>
+          <a:lstStyle/>
+          <a:p>
+            <a:pPr>
+              <a:buFont typeface="Wingdings" panose="05000000000000000000" pitchFamily="2" charset="2"/>
+              <a:buChar char="ü"/>
+            </a:pPr>
+            <a:r>
+              <a:rPr lang="it-IT" sz="1600" dirty="0"/>
+              <a:t>Il codice HTML viene creato esclusivamente dalle JSP e HTML che formano il view</a:t>
+            </a:r>
+          </a:p>
+          <a:p>
+            <a:pPr>
+              <a:buFont typeface="Wingdings" panose="05000000000000000000" pitchFamily="2" charset="2"/>
+              <a:buChar char="ü"/>
+            </a:pPr>
+            <a:r>
+              <a:rPr lang="it-IT" sz="1600" dirty="0"/>
+              <a:t> I form sono controllati con javascript. Il form viene inviato al server solo se corretto</a:t>
+            </a:r>
+          </a:p>
+          <a:p>
+            <a:pPr>
+              <a:buFont typeface="Wingdings" panose="05000000000000000000" pitchFamily="2" charset="2"/>
+              <a:buChar char="ü"/>
+            </a:pPr>
+            <a:r>
+              <a:rPr lang="it-IT" sz="1600" dirty="0"/>
+              <a:t>Usare JQuery per modificare il DOM in qualche pagina</a:t>
+            </a:r>
+          </a:p>
+          <a:p>
+            <a:pPr>
+              <a:buFont typeface="Wingdings" panose="05000000000000000000" pitchFamily="2" charset="2"/>
+              <a:buChar char="ü"/>
+            </a:pPr>
+            <a:r>
+              <a:rPr lang="it-IT" sz="1600" dirty="0"/>
+              <a:t>Usare JQuery + AJAX per scambiare piccole informazioni con il server (in formato JSON).</a:t>
+            </a:r>
+          </a:p>
+          <a:p>
+            <a:pPr>
+              <a:buFont typeface="Wingdings" panose="05000000000000000000" pitchFamily="2" charset="2"/>
+              <a:buChar char="ü"/>
+            </a:pPr>
+            <a:r>
+              <a:rPr lang="it-IT" sz="1600" dirty="0"/>
+              <a:t>Gestire le sessioni per realizzare il carrello.</a:t>
+            </a:r>
+          </a:p>
+          <a:p>
+            <a:pPr>
+              <a:buFont typeface="Wingdings" panose="05000000000000000000" pitchFamily="2" charset="2"/>
+              <a:buChar char="ü"/>
+            </a:pPr>
+            <a:r>
+              <a:rPr lang="it-IT" sz="1600" dirty="0"/>
+              <a:t>Usare JQUERY per animare le immagini al passaggio del mouse.</a:t>
+            </a:r>
+          </a:p>
+          <a:p>
+            <a:pPr>
+              <a:buFont typeface="Wingdings" panose="05000000000000000000" pitchFamily="2" charset="2"/>
+              <a:buChar char="ü"/>
+            </a:pPr>
+            <a:r>
+              <a:rPr lang="it-IT" sz="1600" dirty="0"/>
+              <a:t>figura dell'amministratore e delle pagine a lui dedicate, accessibili solo dopo autenticazione. Usare autenticazione programmata.</a:t>
+            </a:r>
+          </a:p>
+          <a:p>
+            <a:pPr>
+              <a:buFont typeface="Wingdings" panose="05000000000000000000" pitchFamily="2" charset="2"/>
+              <a:buChar char="ü"/>
+            </a:pPr>
+            <a:r>
+              <a:rPr lang="it-IT" sz="1600" dirty="0"/>
+              <a:t>Usare i fragment (con include) nelle pagine JSP per creare header, footer e menu</a:t>
+            </a:r>
+          </a:p>
+        </p:txBody>
+      </p:sp>
+    </p:spTree>
+    <p:extLst>
+      <p:ext uri="{BB962C8B-B14F-4D97-AF65-F5344CB8AC3E}">
+        <p14:creationId xmlns:p14="http://schemas.microsoft.com/office/powerpoint/2010/main" val="1624067346"/>
       </p:ext>
     </p:extLst>
   </p:cSld>
@@ -4191,9 +7049,9 @@
 </file>
 
 <file path=ppt/theme/theme1.xml><?xml version="1.0" encoding="utf-8"?>
-<a:theme xmlns:a="http://schemas.openxmlformats.org/drawingml/2006/main" name="Office Theme">
+<a:theme xmlns:a="http://schemas.openxmlformats.org/drawingml/2006/main" name="Facet">
   <a:themeElements>
-    <a:clrScheme name="Office">
+    <a:clrScheme name="Yellow">
       <a:dk1>
         <a:sysClr val="windowText" lastClr="000000"/>
       </a:dk1>
@@ -4201,52 +7059,52 @@
         <a:sysClr val="window" lastClr="FFFFFF"/>
       </a:lt1>
       <a:dk2>
-        <a:srgbClr val="44546A"/>
+        <a:srgbClr val="39302A"/>
       </a:dk2>
       <a:lt2>
-        <a:srgbClr val="E7E6E6"/>
+        <a:srgbClr val="E5DEDB"/>
       </a:lt2>
       <a:accent1>
-        <a:srgbClr val="4472C4"/>
+        <a:srgbClr val="FFCA08"/>
       </a:accent1>
       <a:accent2>
-        <a:srgbClr val="ED7D31"/>
+        <a:srgbClr val="F8931D"/>
       </a:accent2>
       <a:accent3>
-        <a:srgbClr val="A5A5A5"/>
+        <a:srgbClr val="CE8D3E"/>
       </a:accent3>
       <a:accent4>
-        <a:srgbClr val="FFC000"/>
+        <a:srgbClr val="EC7016"/>
       </a:accent4>
       <a:accent5>
-        <a:srgbClr val="5B9BD5"/>
+        <a:srgbClr val="E64823"/>
       </a:accent5>
       <a:accent6>
-        <a:srgbClr val="70AD47"/>
+        <a:srgbClr val="9C6A6A"/>
       </a:accent6>
       <a:hlink>
-        <a:srgbClr val="0563C1"/>
+        <a:srgbClr val="2998E3"/>
       </a:hlink>
       <a:folHlink>
-        <a:srgbClr val="954F72"/>
+        <a:srgbClr val="7F723D"/>
       </a:folHlink>
     </a:clrScheme>
-    <a:fontScheme name="Office">
+    <a:fontScheme name="Facet">
       <a:majorFont>
-        <a:latin typeface="Calibri Light" panose="020F0302020204030204"/>
+        <a:latin typeface="Trebuchet MS" panose="020B0603020202020204"/>
         <a:ea typeface=""/>
         <a:cs typeface=""/>
-        <a:font script="Jpan" typeface="游ゴシック Light"/>
+        <a:font script="Jpan" typeface="メイリオ"/>
         <a:font script="Hang" typeface="맑은 고딕"/>
-        <a:font script="Hans" typeface="等线 Light"/>
-        <a:font script="Hant" typeface="新細明體"/>
-        <a:font script="Arab" typeface="Times New Roman"/>
-        <a:font script="Hebr" typeface="Times New Roman"/>
-        <a:font script="Thai" typeface="Angsana New"/>
+        <a:font script="Hans" typeface="方正姚体"/>
+        <a:font script="Hant" typeface="微軟正黑體"/>
+        <a:font script="Arab" typeface="Tahoma"/>
+        <a:font script="Hebr" typeface="Arial"/>
+        <a:font script="Thai" typeface="Cordia New"/>
         <a:font script="Ethi" typeface="Nyala"/>
         <a:font script="Beng" typeface="Vrinda"/>
         <a:font script="Gujr" typeface="Shruti"/>
-        <a:font script="Khmr" typeface="MoolBoran"/>
+        <a:font script="Khmr" typeface="DaunPenh"/>
         <a:font script="Knda" typeface="Tunga"/>
         <a:font script="Guru" typeface="Raavi"/>
         <a:font script="Cans" typeface="Euphemia"/>
@@ -4263,38 +7121,21 @@
         <a:font script="Laoo" typeface="DokChampa"/>
         <a:font script="Sinh" typeface="Iskoola Pota"/>
         <a:font script="Mong" typeface="Mongolian Baiti"/>
-        <a:font script="Viet" typeface="Times New Roman"/>
+        <a:font script="Viet" typeface="Tahoma"/>
         <a:font script="Uigh" typeface="Microsoft Uighur"/>
         <a:font script="Geor" typeface="Sylfaen"/>
-        <a:font script="Armn" typeface="Arial"/>
-        <a:font script="Bugi" typeface="Leelawadee UI"/>
-        <a:font script="Bopo" typeface="Microsoft JhengHei"/>
-        <a:font script="Java" typeface="Javanese Text"/>
-        <a:font script="Lisu" typeface="Segoe UI"/>
-        <a:font script="Mymr" typeface="Myanmar Text"/>
-        <a:font script="Nkoo" typeface="Ebrima"/>
-        <a:font script="Olck" typeface="Nirmala UI"/>
-        <a:font script="Osma" typeface="Ebrima"/>
-        <a:font script="Phag" typeface="Phagspa"/>
-        <a:font script="Syrn" typeface="Estrangelo Edessa"/>
-        <a:font script="Syrj" typeface="Estrangelo Edessa"/>
-        <a:font script="Syre" typeface="Estrangelo Edessa"/>
-        <a:font script="Sora" typeface="Nirmala UI"/>
-        <a:font script="Tale" typeface="Microsoft Tai Le"/>
-        <a:font script="Talu" typeface="Microsoft New Tai Lue"/>
-        <a:font script="Tfng" typeface="Ebrima"/>
       </a:majorFont>
       <a:minorFont>
-        <a:latin typeface="Calibri" panose="020F0502020204030204"/>
+        <a:latin typeface="Trebuchet MS" panose="020B0603020202020204"/>
         <a:ea typeface=""/>
         <a:cs typeface=""/>
-        <a:font script="Jpan" typeface="游ゴシック"/>
-        <a:font script="Hang" typeface="맑은 고딕"/>
-        <a:font script="Hans" typeface="等线"/>
-        <a:font script="Hant" typeface="新細明體"/>
-        <a:font script="Arab" typeface="Arial"/>
-        <a:font script="Hebr" typeface="Arial"/>
-        <a:font script="Thai" typeface="Cordia New"/>
+        <a:font script="Jpan" typeface="メイリオ"/>
+        <a:font script="Hang" typeface="HY그래픽M"/>
+        <a:font script="Hans" typeface="华文新魏"/>
+        <a:font script="Hant" typeface="微軟正黑體"/>
+        <a:font script="Arab" typeface="Tahoma"/>
+        <a:font script="Hebr" typeface="Gisha"/>
+        <a:font script="Thai" typeface="IrisUPC"/>
         <a:font script="Ethi" typeface="Nyala"/>
         <a:font script="Beng" typeface="Vrinda"/>
         <a:font script="Gujr" typeface="Shruti"/>
@@ -4318,26 +7159,9 @@
         <a:font script="Viet" typeface="Arial"/>
         <a:font script="Uigh" typeface="Microsoft Uighur"/>
         <a:font script="Geor" typeface="Sylfaen"/>
-        <a:font script="Armn" typeface="Arial"/>
-        <a:font script="Bugi" typeface="Leelawadee UI"/>
-        <a:font script="Bopo" typeface="Microsoft JhengHei"/>
-        <a:font script="Java" typeface="Javanese Text"/>
-        <a:font script="Lisu" typeface="Segoe UI"/>
-        <a:font script="Mymr" typeface="Myanmar Text"/>
-        <a:font script="Nkoo" typeface="Ebrima"/>
-        <a:font script="Olck" typeface="Nirmala UI"/>
-        <a:font script="Osma" typeface="Ebrima"/>
-        <a:font script="Phag" typeface="Phagspa"/>
-        <a:font script="Syrn" typeface="Estrangelo Edessa"/>
-        <a:font script="Syrj" typeface="Estrangelo Edessa"/>
-        <a:font script="Syre" typeface="Estrangelo Edessa"/>
-        <a:font script="Sora" typeface="Nirmala UI"/>
-        <a:font script="Tale" typeface="Microsoft Tai Le"/>
-        <a:font script="Talu" typeface="Microsoft New Tai Lue"/>
-        <a:font script="Tfng" typeface="Ebrima"/>
       </a:minorFont>
     </a:fontScheme>
-    <a:fmtScheme name="Office">
+    <a:fmtScheme name="Facet">
       <a:fillStyleLst>
         <a:solidFill>
           <a:schemeClr val="phClr"/>
@@ -4346,23 +7170,13 @@
           <a:gsLst>
             <a:gs pos="0">
               <a:schemeClr val="phClr">
+                <a:tint val="65000"/>
                 <a:lumMod val="110000"/>
-                <a:satMod val="105000"/>
-                <a:tint val="67000"/>
               </a:schemeClr>
             </a:gs>
-            <a:gs pos="50000">
+            <a:gs pos="88000">
               <a:schemeClr val="phClr">
-                <a:lumMod val="105000"/>
-                <a:satMod val="103000"/>
-                <a:tint val="73000"/>
-              </a:schemeClr>
-            </a:gs>
-            <a:gs pos="100000">
-              <a:schemeClr val="phClr">
-                <a:lumMod val="105000"/>
-                <a:satMod val="109000"/>
-                <a:tint val="81000"/>
+                <a:tint val="90000"/>
               </a:schemeClr>
             </a:gs>
           </a:gsLst>
@@ -4372,23 +7186,14 @@
           <a:gsLst>
             <a:gs pos="0">
               <a:schemeClr val="phClr">
-                <a:satMod val="103000"/>
-                <a:lumMod val="102000"/>
-                <a:tint val="94000"/>
+                <a:tint val="96000"/>
+                <a:lumMod val="100000"/>
               </a:schemeClr>
             </a:gs>
-            <a:gs pos="50000">
+            <a:gs pos="78000">
               <a:schemeClr val="phClr">
-                <a:satMod val="110000"/>
-                <a:lumMod val="100000"/>
-                <a:shade val="100000"/>
-              </a:schemeClr>
-            </a:gs>
-            <a:gs pos="100000">
-              <a:schemeClr val="phClr">
-                <a:lumMod val="99000"/>
-                <a:satMod val="120000"/>
-                <a:shade val="78000"/>
+                <a:shade val="94000"/>
+                <a:lumMod val="94000"/>
               </a:schemeClr>
             </a:gs>
           </a:gsLst>
@@ -4396,26 +7201,23 @@
         </a:gradFill>
       </a:fillStyleLst>
       <a:lnStyleLst>
-        <a:ln w="6350" cap="flat" cmpd="sng" algn="ctr">
+        <a:ln w="12700" cap="rnd" cmpd="sng" algn="ctr">
           <a:solidFill>
             <a:schemeClr val="phClr"/>
           </a:solidFill>
           <a:prstDash val="solid"/>
-          <a:miter lim="800000"/>
         </a:ln>
-        <a:ln w="12700" cap="flat" cmpd="sng" algn="ctr">
+        <a:ln w="19050" cap="rnd" cmpd="sng" algn="ctr">
           <a:solidFill>
             <a:schemeClr val="phClr"/>
           </a:solidFill>
           <a:prstDash val="solid"/>
-          <a:miter lim="800000"/>
         </a:ln>
-        <a:ln w="19050" cap="flat" cmpd="sng" algn="ctr">
+        <a:ln w="25400" cap="rnd" cmpd="sng" algn="ctr">
           <a:solidFill>
             <a:schemeClr val="phClr"/>
           </a:solidFill>
           <a:prstDash val="solid"/>
-          <a:miter lim="800000"/>
         </a:ln>
       </a:lnStyleLst>
       <a:effectStyleLst>
@@ -4423,54 +7225,72 @@
           <a:effectLst/>
         </a:effectStyle>
         <a:effectStyle>
-          <a:effectLst/>
+          <a:effectLst>
+            <a:outerShdw blurRad="38100" dist="25400" dir="5400000" rotWithShape="0">
+              <a:srgbClr val="000000">
+                <a:alpha val="35000"/>
+              </a:srgbClr>
+            </a:outerShdw>
+          </a:effectLst>
         </a:effectStyle>
         <a:effectStyle>
           <a:effectLst>
-            <a:outerShdw blurRad="57150" dist="19050" dir="5400000" algn="ctr" rotWithShape="0">
+            <a:outerShdw blurRad="50800" dist="38100" dir="5400000" rotWithShape="0">
               <a:srgbClr val="000000">
-                <a:alpha val="63000"/>
+                <a:alpha val="35000"/>
               </a:srgbClr>
             </a:outerShdw>
           </a:effectLst>
+          <a:scene3d>
+            <a:camera prst="orthographicFront">
+              <a:rot lat="0" lon="0" rev="0"/>
+            </a:camera>
+            <a:lightRig rig="threePt" dir="tl"/>
+          </a:scene3d>
+          <a:sp3d prstMaterial="plastic">
+            <a:bevelT w="0" h="0"/>
+          </a:sp3d>
         </a:effectStyle>
       </a:effectStyleLst>
       <a:bgFillStyleLst>
         <a:solidFill>
           <a:schemeClr val="phClr"/>
         </a:solidFill>
-        <a:solidFill>
-          <a:schemeClr val="phClr">
-            <a:tint val="95000"/>
-            <a:satMod val="170000"/>
-          </a:schemeClr>
-        </a:solidFill>
         <a:gradFill rotWithShape="1">
           <a:gsLst>
             <a:gs pos="0">
               <a:schemeClr val="phClr">
-                <a:tint val="93000"/>
-                <a:satMod val="150000"/>
-                <a:shade val="98000"/>
-                <a:lumMod val="102000"/>
+                <a:tint val="90000"/>
+                <a:lumMod val="104000"/>
               </a:schemeClr>
             </a:gs>
-            <a:gs pos="50000">
+            <a:gs pos="94000">
               <a:schemeClr val="phClr">
-                <a:tint val="98000"/>
-                <a:satMod val="130000"/>
-                <a:shade val="90000"/>
-                <a:lumMod val="103000"/>
+                <a:shade val="96000"/>
+                <a:lumMod val="82000"/>
+              </a:schemeClr>
+            </a:gs>
+          </a:gsLst>
+          <a:lin ang="5400000" scaled="0"/>
+        </a:gradFill>
+        <a:gradFill rotWithShape="1">
+          <a:gsLst>
+            <a:gs pos="0">
+              <a:schemeClr val="phClr">
+                <a:tint val="90000"/>
+                <a:lumMod val="110000"/>
               </a:schemeClr>
             </a:gs>
             <a:gs pos="100000">
               <a:schemeClr val="phClr">
-                <a:shade val="63000"/>
-                <a:satMod val="120000"/>
+                <a:shade val="94000"/>
+                <a:lumMod val="96000"/>
               </a:schemeClr>
             </a:gs>
           </a:gsLst>
-          <a:lin ang="5400000" scaled="0"/>
+          <a:path path="circle">
+            <a:fillToRect l="50000" t="50000" r="100000" b="100000"/>
+          </a:path>
         </a:gradFill>
       </a:bgFillStyleLst>
     </a:fmtScheme>
@@ -4479,7 +7299,7 @@
   <a:extraClrSchemeLst/>
   <a:extLst>
     <a:ext uri="{05A4C25C-085E-4340-85A3-A5531E510DB2}">
-      <thm15:themeFamily xmlns:thm15="http://schemas.microsoft.com/office/thememl/2012/main" name="Office Theme" id="{62F939B6-93AF-4DB8-9C6B-D6C7DFDC589F}" vid="{4A3C46E8-61CC-4603-A589-7422A47A8E4A}"/>
+      <thm15:themeFamily xmlns:thm15="http://schemas.microsoft.com/office/thememl/2012/main" name="Facet" id="{C0C680CD-088A-49FC-A102-D699147F32B2}" vid="{CFBC31BA-B70F-4F30-BCAA-4F3011E16C4D}"/>
     </a:ext>
   </a:extLst>
 </a:theme>

--- a/documentation/it/Presentazione.pptx
+++ b/documentation/it/Presentazione.pptx
@@ -842,7 +842,7 @@
           <a:p>
             <a:fld id="{3EE63B68-DE22-4FED-B712-512938807F67}" type="datetimeFigureOut">
               <a:rPr lang="it-IT" smtClean="0"/>
-              <a:t>15/07/2018</a:t>
+              <a:t>16/07/2018</a:t>
             </a:fld>
             <a:endParaRPr lang="it-IT"/>
           </a:p>
@@ -1093,7 +1093,7 @@
           <a:p>
             <a:fld id="{3EE63B68-DE22-4FED-B712-512938807F67}" type="datetimeFigureOut">
               <a:rPr lang="it-IT" smtClean="0"/>
-              <a:t>15/07/2018</a:t>
+              <a:t>16/07/2018</a:t>
             </a:fld>
             <a:endParaRPr lang="it-IT"/>
           </a:p>
@@ -1407,7 +1407,7 @@
           <a:p>
             <a:fld id="{3EE63B68-DE22-4FED-B712-512938807F67}" type="datetimeFigureOut">
               <a:rPr lang="it-IT" smtClean="0"/>
-              <a:t>15/07/2018</a:t>
+              <a:t>16/07/2018</a:t>
             </a:fld>
             <a:endParaRPr lang="it-IT"/>
           </a:p>
@@ -1748,7 +1748,7 @@
           <a:p>
             <a:fld id="{3EE63B68-DE22-4FED-B712-512938807F67}" type="datetimeFigureOut">
               <a:rPr lang="it-IT" smtClean="0"/>
-              <a:t>15/07/2018</a:t>
+              <a:t>16/07/2018</a:t>
             </a:fld>
             <a:endParaRPr lang="it-IT"/>
           </a:p>
@@ -2062,7 +2062,7 @@
           <a:p>
             <a:fld id="{3EE63B68-DE22-4FED-B712-512938807F67}" type="datetimeFigureOut">
               <a:rPr lang="it-IT" smtClean="0"/>
-              <a:t>15/07/2018</a:t>
+              <a:t>16/07/2018</a:t>
             </a:fld>
             <a:endParaRPr lang="it-IT"/>
           </a:p>
@@ -2455,7 +2455,7 @@
           <a:p>
             <a:fld id="{3EE63B68-DE22-4FED-B712-512938807F67}" type="datetimeFigureOut">
               <a:rPr lang="it-IT" smtClean="0"/>
-              <a:t>15/07/2018</a:t>
+              <a:t>16/07/2018</a:t>
             </a:fld>
             <a:endParaRPr lang="it-IT"/>
           </a:p>
@@ -2625,7 +2625,7 @@
           <a:p>
             <a:fld id="{3EE63B68-DE22-4FED-B712-512938807F67}" type="datetimeFigureOut">
               <a:rPr lang="it-IT" smtClean="0"/>
-              <a:t>15/07/2018</a:t>
+              <a:t>16/07/2018</a:t>
             </a:fld>
             <a:endParaRPr lang="it-IT"/>
           </a:p>
@@ -2805,7 +2805,7 @@
           <a:p>
             <a:fld id="{3EE63B68-DE22-4FED-B712-512938807F67}" type="datetimeFigureOut">
               <a:rPr lang="it-IT" smtClean="0"/>
-              <a:t>15/07/2018</a:t>
+              <a:t>16/07/2018</a:t>
             </a:fld>
             <a:endParaRPr lang="it-IT"/>
           </a:p>
@@ -2981,7 +2981,7 @@
           <a:p>
             <a:fld id="{3EE63B68-DE22-4FED-B712-512938807F67}" type="datetimeFigureOut">
               <a:rPr lang="it-IT" smtClean="0"/>
-              <a:t>15/07/2018</a:t>
+              <a:t>16/07/2018</a:t>
             </a:fld>
             <a:endParaRPr lang="it-IT"/>
           </a:p>
@@ -3228,7 +3228,7 @@
           <a:p>
             <a:fld id="{3EE63B68-DE22-4FED-B712-512938807F67}" type="datetimeFigureOut">
               <a:rPr lang="it-IT" smtClean="0"/>
-              <a:t>15/07/2018</a:t>
+              <a:t>16/07/2018</a:t>
             </a:fld>
             <a:endParaRPr lang="it-IT"/>
           </a:p>
@@ -3460,7 +3460,7 @@
           <a:p>
             <a:fld id="{3EE63B68-DE22-4FED-B712-512938807F67}" type="datetimeFigureOut">
               <a:rPr lang="it-IT" smtClean="0"/>
-              <a:t>15/07/2018</a:t>
+              <a:t>16/07/2018</a:t>
             </a:fld>
             <a:endParaRPr lang="it-IT"/>
           </a:p>
@@ -3834,7 +3834,7 @@
           <a:p>
             <a:fld id="{3EE63B68-DE22-4FED-B712-512938807F67}" type="datetimeFigureOut">
               <a:rPr lang="it-IT" smtClean="0"/>
-              <a:t>15/07/2018</a:t>
+              <a:t>16/07/2018</a:t>
             </a:fld>
             <a:endParaRPr lang="it-IT"/>
           </a:p>
@@ -3957,7 +3957,7 @@
           <a:p>
             <a:fld id="{3EE63B68-DE22-4FED-B712-512938807F67}" type="datetimeFigureOut">
               <a:rPr lang="it-IT" smtClean="0"/>
-              <a:t>15/07/2018</a:t>
+              <a:t>16/07/2018</a:t>
             </a:fld>
             <a:endParaRPr lang="it-IT"/>
           </a:p>
@@ -4052,7 +4052,7 @@
           <a:p>
             <a:fld id="{3EE63B68-DE22-4FED-B712-512938807F67}" type="datetimeFigureOut">
               <a:rPr lang="it-IT" smtClean="0"/>
-              <a:t>15/07/2018</a:t>
+              <a:t>16/07/2018</a:t>
             </a:fld>
             <a:endParaRPr lang="it-IT"/>
           </a:p>
@@ -4307,7 +4307,7 @@
           <a:p>
             <a:fld id="{3EE63B68-DE22-4FED-B712-512938807F67}" type="datetimeFigureOut">
               <a:rPr lang="it-IT" smtClean="0"/>
-              <a:t>15/07/2018</a:t>
+              <a:t>16/07/2018</a:t>
             </a:fld>
             <a:endParaRPr lang="it-IT"/>
           </a:p>
@@ -4570,7 +4570,7 @@
           <a:p>
             <a:fld id="{3EE63B68-DE22-4FED-B712-512938807F67}" type="datetimeFigureOut">
               <a:rPr lang="it-IT" smtClean="0"/>
-              <a:t>15/07/2018</a:t>
+              <a:t>16/07/2018</a:t>
             </a:fld>
             <a:endParaRPr lang="it-IT"/>
           </a:p>
@@ -5313,7 +5313,7 @@
           <a:p>
             <a:fld id="{3EE63B68-DE22-4FED-B712-512938807F67}" type="datetimeFigureOut">
               <a:rPr lang="it-IT" smtClean="0"/>
-              <a:t>15/07/2018</a:t>
+              <a:t>16/07/2018</a:t>
             </a:fld>
             <a:endParaRPr lang="it-IT"/>
           </a:p>
@@ -6653,31 +6653,149 @@
           </a:p>
         </p:txBody>
       </p:sp>
-      <p:sp>
-        <p:nvSpPr>
-          <p:cNvPr id="3" name="Content Placeholder 2">
+      <p:pic>
+        <p:nvPicPr>
+          <p:cNvPr id="9" name="Content Placeholder 8">
             <a:extLst>
               <a:ext uri="{FF2B5EF4-FFF2-40B4-BE49-F238E27FC236}">
-                <a16:creationId xmlns:a16="http://schemas.microsoft.com/office/drawing/2014/main" id="{0AF7AFBA-6590-4AF0-80D3-C1793C7876D6}"/>
+                <a16:creationId xmlns:a16="http://schemas.microsoft.com/office/drawing/2014/main" id="{63C98C98-75B2-4FC2-B610-7E4CEDF90E07}"/>
               </a:ext>
             </a:extLst>
           </p:cNvPr>
-          <p:cNvSpPr>
-            <a:spLocks noGrp="1"/>
-          </p:cNvSpPr>
+          <p:cNvPicPr>
+            <a:picLocks noGrp="1" noChangeAspect="1"/>
+          </p:cNvPicPr>
           <p:nvPr>
             <p:ph idx="1"/>
           </p:nvPr>
-        </p:nvSpPr>
-        <p:spPr/>
-        <p:txBody>
-          <a:bodyPr/>
-          <a:lstStyle/>
-          <a:p>
-            <a:endParaRPr lang="it-IT" dirty="0"/>
-          </a:p>
-        </p:txBody>
-      </p:sp>
+        </p:nvPicPr>
+        <p:blipFill>
+          <a:blip r:embed="rId2">
+            <a:extLst>
+              <a:ext uri="{28A0092B-C50C-407E-A947-70E740481C1C}">
+                <a14:useLocalDpi xmlns:a14="http://schemas.microsoft.com/office/drawing/2010/main" val="0"/>
+              </a:ext>
+            </a:extLst>
+          </a:blip>
+          <a:stretch>
+            <a:fillRect/>
+          </a:stretch>
+        </p:blipFill>
+        <p:spPr>
+          <a:xfrm>
+            <a:off x="677333" y="1269999"/>
+            <a:ext cx="2448251" cy="5488247"/>
+          </a:xfrm>
+        </p:spPr>
+      </p:pic>
+      <p:pic>
+        <p:nvPicPr>
+          <p:cNvPr id="11" name="Picture 10">
+            <a:extLst>
+              <a:ext uri="{FF2B5EF4-FFF2-40B4-BE49-F238E27FC236}">
+                <a16:creationId xmlns:a16="http://schemas.microsoft.com/office/drawing/2014/main" id="{BBBDA397-3827-472E-9E41-2CE8776C348C}"/>
+              </a:ext>
+            </a:extLst>
+          </p:cNvPr>
+          <p:cNvPicPr>
+            <a:picLocks noChangeAspect="1"/>
+          </p:cNvPicPr>
+          <p:nvPr/>
+        </p:nvPicPr>
+        <p:blipFill>
+          <a:blip r:embed="rId3">
+            <a:extLst>
+              <a:ext uri="{28A0092B-C50C-407E-A947-70E740481C1C}">
+                <a14:useLocalDpi xmlns:a14="http://schemas.microsoft.com/office/drawing/2010/main" val="0"/>
+              </a:ext>
+            </a:extLst>
+          </a:blip>
+          <a:stretch>
+            <a:fillRect/>
+          </a:stretch>
+        </p:blipFill>
+        <p:spPr>
+          <a:xfrm>
+            <a:off x="2812279" y="1269997"/>
+            <a:ext cx="2370204" cy="5488247"/>
+          </a:xfrm>
+          <a:prstGeom prst="rect">
+            <a:avLst/>
+          </a:prstGeom>
+        </p:spPr>
+      </p:pic>
+      <p:pic>
+        <p:nvPicPr>
+          <p:cNvPr id="15" name="Picture 14">
+            <a:extLst>
+              <a:ext uri="{FF2B5EF4-FFF2-40B4-BE49-F238E27FC236}">
+                <a16:creationId xmlns:a16="http://schemas.microsoft.com/office/drawing/2014/main" id="{A3BCF838-437A-482B-A156-1241888E8B04}"/>
+              </a:ext>
+            </a:extLst>
+          </p:cNvPr>
+          <p:cNvPicPr>
+            <a:picLocks noChangeAspect="1"/>
+          </p:cNvPicPr>
+          <p:nvPr/>
+        </p:nvPicPr>
+        <p:blipFill>
+          <a:blip r:embed="rId4">
+            <a:extLst>
+              <a:ext uri="{28A0092B-C50C-407E-A947-70E740481C1C}">
+                <a14:useLocalDpi xmlns:a14="http://schemas.microsoft.com/office/drawing/2010/main" val="0"/>
+              </a:ext>
+            </a:extLst>
+          </a:blip>
+          <a:stretch>
+            <a:fillRect/>
+          </a:stretch>
+        </p:blipFill>
+        <p:spPr>
+          <a:xfrm>
+            <a:off x="5010114" y="1269997"/>
+            <a:ext cx="2240664" cy="5488247"/>
+          </a:xfrm>
+          <a:prstGeom prst="rect">
+            <a:avLst/>
+          </a:prstGeom>
+        </p:spPr>
+      </p:pic>
+      <p:pic>
+        <p:nvPicPr>
+          <p:cNvPr id="17" name="Picture 16">
+            <a:extLst>
+              <a:ext uri="{FF2B5EF4-FFF2-40B4-BE49-F238E27FC236}">
+                <a16:creationId xmlns:a16="http://schemas.microsoft.com/office/drawing/2014/main" id="{64F9B382-2DD4-4E27-AC45-0B245B27C417}"/>
+              </a:ext>
+            </a:extLst>
+          </p:cNvPr>
+          <p:cNvPicPr>
+            <a:picLocks noChangeAspect="1"/>
+          </p:cNvPicPr>
+          <p:nvPr/>
+        </p:nvPicPr>
+        <p:blipFill>
+          <a:blip r:embed="rId5">
+            <a:extLst>
+              <a:ext uri="{28A0092B-C50C-407E-A947-70E740481C1C}">
+                <a14:useLocalDpi xmlns:a14="http://schemas.microsoft.com/office/drawing/2010/main" val="0"/>
+              </a:ext>
+            </a:extLst>
+          </a:blip>
+          <a:stretch>
+            <a:fillRect/>
+          </a:stretch>
+        </p:blipFill>
+        <p:spPr>
+          <a:xfrm>
+            <a:off x="7121238" y="1269998"/>
+            <a:ext cx="1873133" cy="5488246"/>
+          </a:xfrm>
+          <a:prstGeom prst="rect">
+            <a:avLst/>
+          </a:prstGeom>
+        </p:spPr>
+      </p:pic>
     </p:spTree>
     <p:extLst>
       <p:ext uri="{BB962C8B-B14F-4D97-AF65-F5344CB8AC3E}">

--- a/documentation/it/Presentazione.pptx
+++ b/documentation/it/Presentazione.pptx
@@ -842,7 +842,7 @@
           <a:p>
             <a:fld id="{3EE63B68-DE22-4FED-B712-512938807F67}" type="datetimeFigureOut">
               <a:rPr lang="it-IT" smtClean="0"/>
-              <a:t>16/07/2018</a:t>
+              <a:t>17/07/2018</a:t>
             </a:fld>
             <a:endParaRPr lang="it-IT"/>
           </a:p>
@@ -884,7 +884,7 @@
           <a:p>
             <a:fld id="{E8AAA38B-53BF-4A81-B622-EA5020151E25}" type="slidenum">
               <a:rPr lang="it-IT" smtClean="0"/>
-              <a:t>‹#›</a:t>
+              <a:t>‹N›</a:t>
             </a:fld>
             <a:endParaRPr lang="it-IT"/>
           </a:p>
@@ -1093,7 +1093,7 @@
           <a:p>
             <a:fld id="{3EE63B68-DE22-4FED-B712-512938807F67}" type="datetimeFigureOut">
               <a:rPr lang="it-IT" smtClean="0"/>
-              <a:t>16/07/2018</a:t>
+              <a:t>17/07/2018</a:t>
             </a:fld>
             <a:endParaRPr lang="it-IT"/>
           </a:p>
@@ -1135,7 +1135,7 @@
           <a:p>
             <a:fld id="{E8AAA38B-53BF-4A81-B622-EA5020151E25}" type="slidenum">
               <a:rPr lang="it-IT" smtClean="0"/>
-              <a:t>‹#›</a:t>
+              <a:t>‹N›</a:t>
             </a:fld>
             <a:endParaRPr lang="it-IT"/>
           </a:p>
@@ -1407,7 +1407,7 @@
           <a:p>
             <a:fld id="{3EE63B68-DE22-4FED-B712-512938807F67}" type="datetimeFigureOut">
               <a:rPr lang="it-IT" smtClean="0"/>
-              <a:t>16/07/2018</a:t>
+              <a:t>17/07/2018</a:t>
             </a:fld>
             <a:endParaRPr lang="it-IT"/>
           </a:p>
@@ -1449,7 +1449,7 @@
           <a:p>
             <a:fld id="{E8AAA38B-53BF-4A81-B622-EA5020151E25}" type="slidenum">
               <a:rPr lang="it-IT" smtClean="0"/>
-              <a:t>‹#›</a:t>
+              <a:t>‹N›</a:t>
             </a:fld>
             <a:endParaRPr lang="it-IT"/>
           </a:p>
@@ -1748,7 +1748,7 @@
           <a:p>
             <a:fld id="{3EE63B68-DE22-4FED-B712-512938807F67}" type="datetimeFigureOut">
               <a:rPr lang="it-IT" smtClean="0"/>
-              <a:t>16/07/2018</a:t>
+              <a:t>17/07/2018</a:t>
             </a:fld>
             <a:endParaRPr lang="it-IT"/>
           </a:p>
@@ -1790,7 +1790,7 @@
           <a:p>
             <a:fld id="{E8AAA38B-53BF-4A81-B622-EA5020151E25}" type="slidenum">
               <a:rPr lang="it-IT" smtClean="0"/>
-              <a:t>‹#›</a:t>
+              <a:t>‹N›</a:t>
             </a:fld>
             <a:endParaRPr lang="it-IT"/>
           </a:p>
@@ -2062,7 +2062,7 @@
           <a:p>
             <a:fld id="{3EE63B68-DE22-4FED-B712-512938807F67}" type="datetimeFigureOut">
               <a:rPr lang="it-IT" smtClean="0"/>
-              <a:t>16/07/2018</a:t>
+              <a:t>17/07/2018</a:t>
             </a:fld>
             <a:endParaRPr lang="it-IT"/>
           </a:p>
@@ -2104,7 +2104,7 @@
           <a:p>
             <a:fld id="{E8AAA38B-53BF-4A81-B622-EA5020151E25}" type="slidenum">
               <a:rPr lang="it-IT" smtClean="0"/>
-              <a:t>‹#›</a:t>
+              <a:t>‹N›</a:t>
             </a:fld>
             <a:endParaRPr lang="it-IT"/>
           </a:p>
@@ -2455,7 +2455,7 @@
           <a:p>
             <a:fld id="{3EE63B68-DE22-4FED-B712-512938807F67}" type="datetimeFigureOut">
               <a:rPr lang="it-IT" smtClean="0"/>
-              <a:t>16/07/2018</a:t>
+              <a:t>17/07/2018</a:t>
             </a:fld>
             <a:endParaRPr lang="it-IT"/>
           </a:p>
@@ -2497,7 +2497,7 @@
           <a:p>
             <a:fld id="{E8AAA38B-53BF-4A81-B622-EA5020151E25}" type="slidenum">
               <a:rPr lang="it-IT" smtClean="0"/>
-              <a:t>‹#›</a:t>
+              <a:t>‹N›</a:t>
             </a:fld>
             <a:endParaRPr lang="it-IT"/>
           </a:p>
@@ -2625,7 +2625,7 @@
           <a:p>
             <a:fld id="{3EE63B68-DE22-4FED-B712-512938807F67}" type="datetimeFigureOut">
               <a:rPr lang="it-IT" smtClean="0"/>
-              <a:t>16/07/2018</a:t>
+              <a:t>17/07/2018</a:t>
             </a:fld>
             <a:endParaRPr lang="it-IT"/>
           </a:p>
@@ -2667,7 +2667,7 @@
           <a:p>
             <a:fld id="{E8AAA38B-53BF-4A81-B622-EA5020151E25}" type="slidenum">
               <a:rPr lang="it-IT" smtClean="0"/>
-              <a:t>‹#›</a:t>
+              <a:t>‹N›</a:t>
             </a:fld>
             <a:endParaRPr lang="it-IT"/>
           </a:p>
@@ -2805,7 +2805,7 @@
           <a:p>
             <a:fld id="{3EE63B68-DE22-4FED-B712-512938807F67}" type="datetimeFigureOut">
               <a:rPr lang="it-IT" smtClean="0"/>
-              <a:t>16/07/2018</a:t>
+              <a:t>17/07/2018</a:t>
             </a:fld>
             <a:endParaRPr lang="it-IT"/>
           </a:p>
@@ -2847,7 +2847,7 @@
           <a:p>
             <a:fld id="{E8AAA38B-53BF-4A81-B622-EA5020151E25}" type="slidenum">
               <a:rPr lang="it-IT" smtClean="0"/>
-              <a:t>‹#›</a:t>
+              <a:t>‹N›</a:t>
             </a:fld>
             <a:endParaRPr lang="it-IT"/>
           </a:p>
@@ -2981,7 +2981,7 @@
           <a:p>
             <a:fld id="{3EE63B68-DE22-4FED-B712-512938807F67}" type="datetimeFigureOut">
               <a:rPr lang="it-IT" smtClean="0"/>
-              <a:t>16/07/2018</a:t>
+              <a:t>17/07/2018</a:t>
             </a:fld>
             <a:endParaRPr lang="it-IT"/>
           </a:p>
@@ -3023,7 +3023,7 @@
           <a:p>
             <a:fld id="{E8AAA38B-53BF-4A81-B622-EA5020151E25}" type="slidenum">
               <a:rPr lang="it-IT" smtClean="0"/>
-              <a:t>‹#›</a:t>
+              <a:t>‹N›</a:t>
             </a:fld>
             <a:endParaRPr lang="it-IT"/>
           </a:p>
@@ -3228,7 +3228,7 @@
           <a:p>
             <a:fld id="{3EE63B68-DE22-4FED-B712-512938807F67}" type="datetimeFigureOut">
               <a:rPr lang="it-IT" smtClean="0"/>
-              <a:t>16/07/2018</a:t>
+              <a:t>17/07/2018</a:t>
             </a:fld>
             <a:endParaRPr lang="it-IT"/>
           </a:p>
@@ -3270,7 +3270,7 @@
           <a:p>
             <a:fld id="{E8AAA38B-53BF-4A81-B622-EA5020151E25}" type="slidenum">
               <a:rPr lang="it-IT" smtClean="0"/>
-              <a:t>‹#›</a:t>
+              <a:t>‹N›</a:t>
             </a:fld>
             <a:endParaRPr lang="it-IT"/>
           </a:p>
@@ -3460,7 +3460,7 @@
           <a:p>
             <a:fld id="{3EE63B68-DE22-4FED-B712-512938807F67}" type="datetimeFigureOut">
               <a:rPr lang="it-IT" smtClean="0"/>
-              <a:t>16/07/2018</a:t>
+              <a:t>17/07/2018</a:t>
             </a:fld>
             <a:endParaRPr lang="it-IT"/>
           </a:p>
@@ -3502,7 +3502,7 @@
           <a:p>
             <a:fld id="{E8AAA38B-53BF-4A81-B622-EA5020151E25}" type="slidenum">
               <a:rPr lang="it-IT" smtClean="0"/>
-              <a:t>‹#›</a:t>
+              <a:t>‹N›</a:t>
             </a:fld>
             <a:endParaRPr lang="it-IT"/>
           </a:p>
@@ -3834,7 +3834,7 @@
           <a:p>
             <a:fld id="{3EE63B68-DE22-4FED-B712-512938807F67}" type="datetimeFigureOut">
               <a:rPr lang="it-IT" smtClean="0"/>
-              <a:t>16/07/2018</a:t>
+              <a:t>17/07/2018</a:t>
             </a:fld>
             <a:endParaRPr lang="it-IT"/>
           </a:p>
@@ -3876,7 +3876,7 @@
           <a:p>
             <a:fld id="{E8AAA38B-53BF-4A81-B622-EA5020151E25}" type="slidenum">
               <a:rPr lang="it-IT" smtClean="0"/>
-              <a:t>‹#›</a:t>
+              <a:t>‹N›</a:t>
             </a:fld>
             <a:endParaRPr lang="it-IT"/>
           </a:p>
@@ -3957,7 +3957,7 @@
           <a:p>
             <a:fld id="{3EE63B68-DE22-4FED-B712-512938807F67}" type="datetimeFigureOut">
               <a:rPr lang="it-IT" smtClean="0"/>
-              <a:t>16/07/2018</a:t>
+              <a:t>17/07/2018</a:t>
             </a:fld>
             <a:endParaRPr lang="it-IT"/>
           </a:p>
@@ -3999,7 +3999,7 @@
           <a:p>
             <a:fld id="{E8AAA38B-53BF-4A81-B622-EA5020151E25}" type="slidenum">
               <a:rPr lang="it-IT" smtClean="0"/>
-              <a:t>‹#›</a:t>
+              <a:t>‹N›</a:t>
             </a:fld>
             <a:endParaRPr lang="it-IT"/>
           </a:p>
@@ -4052,7 +4052,7 @@
           <a:p>
             <a:fld id="{3EE63B68-DE22-4FED-B712-512938807F67}" type="datetimeFigureOut">
               <a:rPr lang="it-IT" smtClean="0"/>
-              <a:t>16/07/2018</a:t>
+              <a:t>17/07/2018</a:t>
             </a:fld>
             <a:endParaRPr lang="it-IT"/>
           </a:p>
@@ -4094,7 +4094,7 @@
           <a:p>
             <a:fld id="{E8AAA38B-53BF-4A81-B622-EA5020151E25}" type="slidenum">
               <a:rPr lang="it-IT" smtClean="0"/>
-              <a:t>‹#›</a:t>
+              <a:t>‹N›</a:t>
             </a:fld>
             <a:endParaRPr lang="it-IT"/>
           </a:p>
@@ -4307,7 +4307,7 @@
           <a:p>
             <a:fld id="{3EE63B68-DE22-4FED-B712-512938807F67}" type="datetimeFigureOut">
               <a:rPr lang="it-IT" smtClean="0"/>
-              <a:t>16/07/2018</a:t>
+              <a:t>17/07/2018</a:t>
             </a:fld>
             <a:endParaRPr lang="it-IT"/>
           </a:p>
@@ -4349,7 +4349,7 @@
           <a:p>
             <a:fld id="{E8AAA38B-53BF-4A81-B622-EA5020151E25}" type="slidenum">
               <a:rPr lang="it-IT" smtClean="0"/>
-              <a:t>‹#›</a:t>
+              <a:t>‹N›</a:t>
             </a:fld>
             <a:endParaRPr lang="it-IT"/>
           </a:p>
@@ -4570,7 +4570,7 @@
           <a:p>
             <a:fld id="{3EE63B68-DE22-4FED-B712-512938807F67}" type="datetimeFigureOut">
               <a:rPr lang="it-IT" smtClean="0"/>
-              <a:t>16/07/2018</a:t>
+              <a:t>17/07/2018</a:t>
             </a:fld>
             <a:endParaRPr lang="it-IT"/>
           </a:p>
@@ -4612,7 +4612,7 @@
           <a:p>
             <a:fld id="{E8AAA38B-53BF-4A81-B622-EA5020151E25}" type="slidenum">
               <a:rPr lang="it-IT" smtClean="0"/>
-              <a:t>‹#›</a:t>
+              <a:t>‹N›</a:t>
             </a:fld>
             <a:endParaRPr lang="it-IT"/>
           </a:p>
@@ -5313,7 +5313,7 @@
           <a:p>
             <a:fld id="{3EE63B68-DE22-4FED-B712-512938807F67}" type="datetimeFigureOut">
               <a:rPr lang="it-IT" smtClean="0"/>
-              <a:t>16/07/2018</a:t>
+              <a:t>17/07/2018</a:t>
             </a:fld>
             <a:endParaRPr lang="it-IT"/>
           </a:p>
@@ -5389,7 +5389,7 @@
           <a:p>
             <a:fld id="{E8AAA38B-53BF-4A81-B622-EA5020151E25}" type="slidenum">
               <a:rPr lang="it-IT" smtClean="0"/>
-              <a:t>‹#›</a:t>
+              <a:t>‹N›</a:t>
             </a:fld>
             <a:endParaRPr lang="it-IT"/>
           </a:p>
@@ -6034,14 +6034,7 @@
             <a:pPr lvl="0"/>
             <a:r>
               <a:rPr lang="it-IT" sz="1600" dirty="0"/>
-              <a:t>Bannare un utente registrato</a:t>
-            </a:r>
-          </a:p>
-          <a:p>
-            <a:pPr lvl="0"/>
-            <a:r>
-              <a:rPr lang="it-IT" sz="1600" dirty="0"/>
-              <a:t>Annullare un ordine</a:t>
+              <a:t>Disattivare un utente registrato</a:t>
             </a:r>
           </a:p>
           <a:p>
@@ -6062,7 +6055,7 @@
             <a:pPr lvl="0"/>
             <a:r>
               <a:rPr lang="it-IT" sz="1600" dirty="0"/>
-              <a:t>Visualizzare le informazioni su un cliente (dati anagrafici, storico ordini)</a:t>
+              <a:t>Visualizzare le informazioni su un cliente </a:t>
             </a:r>
           </a:p>
           <a:p>
@@ -6134,7 +6127,7 @@
         </p:spPr>
         <p:txBody>
           <a:bodyPr>
-            <a:normAutofit fontScale="25000" lnSpcReduction="20000"/>
+            <a:normAutofit fontScale="32500" lnSpcReduction="20000"/>
           </a:bodyPr>
           <a:lstStyle/>
           <a:p>
@@ -6169,13 +6162,6 @@
             <a:pPr lvl="0"/>
             <a:r>
               <a:rPr lang="it-IT" sz="6400" dirty="0"/>
-              <a:t>Aggiungere prodotti ad una wish list</a:t>
-            </a:r>
-          </a:p>
-          <a:p>
-            <a:pPr lvl="0"/>
-            <a:r>
-              <a:rPr lang="it-IT" sz="6400" dirty="0"/>
               <a:t>Ricercare prodotti filtrandoli per genere (uomo, donna, bambino, bambina), tipologia di prodotto, taglia, colore e ordinandoli in base ai nuovi arrivi, prezzo crescente/decrescente e rilevanza.</a:t>
             </a:r>
           </a:p>
@@ -6197,13 +6183,6 @@
             <a:pPr lvl="0"/>
             <a:r>
               <a:rPr lang="it-IT" sz="6400" dirty="0"/>
-              <a:t>Annullare un ordine che non è stato ancora spedito</a:t>
-            </a:r>
-          </a:p>
-          <a:p>
-            <a:pPr lvl="0"/>
-            <a:r>
-              <a:rPr lang="it-IT" sz="6400" dirty="0"/>
               <a:t>Visualizzare gli ordini effettuati</a:t>
             </a:r>
           </a:p>
@@ -6212,20 +6191,6 @@
             <a:r>
               <a:rPr lang="it-IT" sz="6400" dirty="0"/>
               <a:t>Visualizzazione dettagli singolo ordine</a:t>
-            </a:r>
-          </a:p>
-          <a:p>
-            <a:pPr lvl="0"/>
-            <a:r>
-              <a:rPr lang="it-IT" sz="6400" dirty="0"/>
-              <a:t>Effettuare un reso</a:t>
-            </a:r>
-          </a:p>
-          <a:p>
-            <a:pPr lvl="0"/>
-            <a:r>
-              <a:rPr lang="it-IT" sz="6400" dirty="0"/>
-              <a:t>Aggiungere un commento</a:t>
             </a:r>
           </a:p>
           <a:p>
@@ -6448,7 +6413,7 @@
           <a:p>
             <a:r>
               <a:rPr lang="it-IT" dirty="0"/>
-              <a:t>CSS + FRAMEWORK BOOTSRAP v.4</a:t>
+              <a:t>CSS + FRAMEWORK BOOTSRAP v.4 + FONT AWESOME v4.7.0</a:t>
             </a:r>
           </a:p>
           <a:p>
@@ -6472,7 +6437,13 @@
           <a:p>
             <a:r>
               <a:rPr lang="it-IT" dirty="0"/>
-              <a:t>JSP + JSTL v.1.2</a:t>
+              <a:t>JSP</a:t>
+            </a:r>
+          </a:p>
+          <a:p>
+            <a:r>
+              <a:rPr lang="it-IT" dirty="0"/>
+              <a:t>JSTL v.1.2</a:t>
             </a:r>
           </a:p>
           <a:p>
@@ -6484,7 +6455,7 @@
           <a:p>
             <a:r>
               <a:rPr lang="it-IT" dirty="0"/>
-              <a:t>DATABASE MYSQL + MYSQL-CONNECTOR V.5.1.46</a:t>
+              <a:t>DBMS MYSQL 5.7 + MYSQL-CONNECTOR V.5.1.46</a:t>
             </a:r>
           </a:p>
           <a:p>
@@ -6753,7 +6724,7 @@
         <p:spPr>
           <a:xfrm>
             <a:off x="5010114" y="1269997"/>
-            <a:ext cx="2240664" cy="5488247"/>
+            <a:ext cx="1999405" cy="5488247"/>
           </a:xfrm>
           <a:prstGeom prst="rect">
             <a:avLst/>
@@ -6943,7 +6914,7 @@
             </a:pPr>
             <a:r>
               <a:rPr lang="it-IT" dirty="0"/>
-              <a:t>Controller: contiente le servlet;</a:t>
+              <a:t>controller: contiente le servlet;</a:t>
             </a:r>
           </a:p>
           <a:p>
@@ -6973,11 +6944,16 @@
             </a:pPr>
             <a:r>
               <a:rPr lang="it-IT" dirty="0"/>
-              <a:t>Security: contiene l’implementazione dell’algoritmo PBKDF2 salted password hashing (primi 128 byte di sha256 e 1 byte di salt) per il campo password dell’user;</a:t>
-            </a:r>
-          </a:p>
-          <a:p>
-            <a:endParaRPr lang="it-IT" dirty="0"/>
+              <a:t>security: contiene l’implementazione dell’algoritmo PBKDF2 salted password hashing (primi 128 byte di sha256 e 1 byte di </a:t>
+            </a:r>
+            <a:r>
+              <a:rPr lang="it-IT" dirty="0" err="1"/>
+              <a:t>salt</a:t>
+            </a:r>
+            <a:r>
+              <a:rPr lang="it-IT" dirty="0"/>
+              <a:t>), utilizzata per il salvataggio delle password</a:t>
+            </a:r>
           </a:p>
         </p:txBody>
       </p:sp>
@@ -7068,7 +7044,7 @@
         </p:spPr>
         <p:txBody>
           <a:bodyPr>
-            <a:normAutofit/>
+            <a:normAutofit lnSpcReduction="10000"/>
           </a:bodyPr>
           <a:lstStyle/>
           <a:p>
@@ -7088,8 +7064,35 @@
             </a:pPr>
             <a:r>
               <a:rPr lang="it-IT" sz="1600" dirty="0"/>
-              <a:t> I form sono controllati con javascript. Il form viene inviato al server solo se corretto</a:t>
-            </a:r>
+              <a:t>I form sono controllati con javascript. Il form viene inviato al server solo se corretto:</a:t>
+            </a:r>
+          </a:p>
+          <a:p>
+            <a:pPr lvl="1">
+              <a:buFont typeface="Wingdings" panose="05000000000000000000" pitchFamily="2" charset="2"/>
+              <a:buChar char="ü"/>
+            </a:pPr>
+            <a:r>
+              <a:rPr lang="it-IT" sz="1200" dirty="0"/>
+              <a:t>Ad esempio il </a:t>
+            </a:r>
+            <a:r>
+              <a:rPr lang="it-IT" sz="1200" dirty="0" err="1"/>
+              <a:t>form</a:t>
+            </a:r>
+            <a:r>
+              <a:rPr lang="it-IT" sz="1200" dirty="0"/>
+              <a:t> di registrazione è controllato anche con </a:t>
+            </a:r>
+            <a:r>
+              <a:rPr lang="it-IT" sz="1200" dirty="0" err="1"/>
+              <a:t>javascript</a:t>
+            </a:r>
+            <a:r>
+              <a:rPr lang="it-IT" sz="1200" dirty="0"/>
+              <a:t>, ma ve ne sono molti altri :)</a:t>
+            </a:r>
+            <a:endParaRPr lang="it-IT" sz="1400" dirty="0"/>
           </a:p>
           <a:p>
             <a:pPr>
@@ -7102,6 +7105,32 @@
             </a:r>
           </a:p>
           <a:p>
+            <a:pPr lvl="1">
+              <a:buFont typeface="Wingdings" panose="05000000000000000000" pitchFamily="2" charset="2"/>
+              <a:buChar char="ü"/>
+            </a:pPr>
+            <a:r>
+              <a:rPr lang="it-IT" sz="1200" dirty="0"/>
+              <a:t>Ad esempio nel </a:t>
+            </a:r>
+            <a:r>
+              <a:rPr lang="it-IT" sz="1200" dirty="0" err="1"/>
+              <a:t>carousel</a:t>
+            </a:r>
+            <a:r>
+              <a:rPr lang="it-IT" sz="1200" dirty="0"/>
+              <a:t> per renderlo infinito, nella </a:t>
+            </a:r>
+            <a:r>
+              <a:rPr lang="it-IT" sz="1200" dirty="0" err="1"/>
+              <a:t>navbar</a:t>
+            </a:r>
+            <a:r>
+              <a:rPr lang="it-IT" sz="1200" dirty="0"/>
+              <a:t> per renderla responsive, per far apparire i popup.</a:t>
+            </a:r>
+          </a:p>
+          <a:p>
             <a:pPr>
               <a:buFont typeface="Wingdings" panose="05000000000000000000" pitchFamily="2" charset="2"/>
               <a:buChar char="ü"/>
@@ -7112,6 +7141,24 @@
             </a:r>
           </a:p>
           <a:p>
+            <a:pPr lvl="1">
+              <a:buFont typeface="Wingdings" panose="05000000000000000000" pitchFamily="2" charset="2"/>
+              <a:buChar char="ü"/>
+            </a:pPr>
+            <a:r>
+              <a:rPr lang="it-IT" sz="1400" dirty="0"/>
+              <a:t>Il login è validato in </a:t>
+            </a:r>
+            <a:r>
+              <a:rPr lang="it-IT" sz="1400" dirty="0" err="1"/>
+              <a:t>ajax</a:t>
+            </a:r>
+            <a:r>
+              <a:rPr lang="it-IT" sz="1400" dirty="0"/>
+              <a:t>.</a:t>
+            </a:r>
+          </a:p>
+          <a:p>
             <a:pPr>
               <a:buFont typeface="Wingdings" panose="05000000000000000000" pitchFamily="2" charset="2"/>
               <a:buChar char="ü"/>
@@ -7132,13 +7179,43 @@
             </a:r>
           </a:p>
           <a:p>
+            <a:pPr lvl="1">
+              <a:buFont typeface="Wingdings" panose="05000000000000000000" pitchFamily="2" charset="2"/>
+              <a:buChar char="ü"/>
+            </a:pPr>
+            <a:r>
+              <a:rPr lang="it-IT" sz="1400" dirty="0"/>
+              <a:t>Nel </a:t>
+            </a:r>
+            <a:r>
+              <a:rPr lang="it-IT" sz="1400" dirty="0" err="1"/>
+              <a:t>carousel</a:t>
+            </a:r>
+            <a:r>
+              <a:rPr lang="it-IT" sz="1400" dirty="0"/>
+              <a:t> viene usato </a:t>
+            </a:r>
+            <a:r>
+              <a:rPr lang="it-IT" sz="1400" dirty="0" err="1"/>
+              <a:t>JQuery</a:t>
+            </a:r>
+            <a:r>
+              <a:rPr lang="it-IT" sz="1400" dirty="0"/>
+              <a:t> per animare le immagini dei prodotti.</a:t>
+            </a:r>
+          </a:p>
+          <a:p>
             <a:pPr>
               <a:buFont typeface="Wingdings" panose="05000000000000000000" pitchFamily="2" charset="2"/>
               <a:buChar char="ü"/>
             </a:pPr>
             <a:r>
+              <a:rPr lang="it-IT" sz="1600" u="sng" dirty="0"/>
+              <a:t>Figura</a:t>
+            </a:r>
+            <a:r>
               <a:rPr lang="it-IT" sz="1600" dirty="0"/>
-              <a:t>figura dell'amministratore e delle pagine a lui dedicate, accessibili solo dopo autenticazione. Usare autenticazione programmata.</a:t>
+              <a:t> dell'amministratore e delle pagine a lui dedicate, accessibili solo dopo autenticazione. Usare autenticazione programmata.</a:t>
             </a:r>
           </a:p>
           <a:p>

--- a/documentation/it/Presentazione.pptx
+++ b/documentation/it/Presentazione.pptx
@@ -6048,13 +6048,6 @@
             <a:pPr lvl="0"/>
             <a:r>
               <a:rPr lang="it-IT" sz="1600" dirty="0"/>
-              <a:t>Visualizzare l’elenco di ordini</a:t>
-            </a:r>
-          </a:p>
-          <a:p>
-            <a:pPr lvl="0"/>
-            <a:r>
-              <a:rPr lang="it-IT" sz="1600" dirty="0"/>
               <a:t>Visualizzare le informazioni su un cliente </a:t>
             </a:r>
           </a:p>
@@ -6162,7 +6155,7 @@
             <a:pPr lvl="0"/>
             <a:r>
               <a:rPr lang="it-IT" sz="6400" dirty="0"/>
-              <a:t>Ricercare prodotti filtrandoli per genere (uomo, donna, bambino, bambina), tipologia di prodotto, taglia, colore e ordinandoli in base ai nuovi arrivi, prezzo crescente/decrescente e rilevanza.</a:t>
+              <a:t>Ricercare prodotti filtrandoli per genere (uomo, donna, bambino, bambina), tipologia di prodotto, taglia, colore e ordinandoli in base al prezzo crescente/decrescente e rilevanza.</a:t>
             </a:r>
           </a:p>
           <a:p>
@@ -6190,7 +6183,7 @@
             <a:pPr lvl="0"/>
             <a:r>
               <a:rPr lang="it-IT" sz="6400" dirty="0"/>
-              <a:t>Visualizzazione dettagli singolo ordine</a:t>
+              <a:t>Visualizzare fattura </a:t>
             </a:r>
           </a:p>
           <a:p>
@@ -6297,7 +6290,7 @@
             <a:pPr lvl="0"/>
             <a:r>
               <a:rPr lang="it-IT" sz="1600" dirty="0"/>
-              <a:t>Ricercare prodotti filtrandoli per genere (uomo, donna, bambino, bambina), tipologia di prodotto, taglia, colore e ordinandoli in base ai nuovi arrivi, prezzo crescente/decrescente e rilevanza.</a:t>
+              <a:t>Ricercare prodotti filtrandoli per genere (uomo, donna, bambino, bambina), tipologia di prodotto, taglia, colore e ordinandoli in base al prezzo crescente/decrescente e rilevanza.</a:t>
             </a:r>
           </a:p>
           <a:p>
@@ -6455,7 +6448,7 @@
           <a:p>
             <a:r>
               <a:rPr lang="it-IT" dirty="0"/>
-              <a:t>DBMS MYSQL 5.7 + MYSQL-CONNECTOR V.5.1.46</a:t>
+              <a:t>DBMS MYSQL 5.7 + MYSQL-CONNECTOR JDBC</a:t>
             </a:r>
           </a:p>
           <a:p>
@@ -7119,15 +7112,7 @@
             </a:r>
             <a:r>
               <a:rPr lang="it-IT" sz="1200" dirty="0"/>
-              <a:t> per renderlo infinito, nella </a:t>
-            </a:r>
-            <a:r>
-              <a:rPr lang="it-IT" sz="1200" dirty="0" err="1"/>
-              <a:t>navbar</a:t>
-            </a:r>
-            <a:r>
-              <a:rPr lang="it-IT" sz="1200" dirty="0"/>
-              <a:t> per renderla responsive, per far apparire i popup.</a:t>
+              <a:t> per renderlo infinito, per far apparire i popup.</a:t>
             </a:r>
           </a:p>
           <a:p>
@@ -7147,7 +7132,15 @@
             </a:pPr>
             <a:r>
               <a:rPr lang="it-IT" sz="1400" dirty="0"/>
-              <a:t>Il login è validato in </a:t>
+              <a:t>Il login, la registrazione e altri </a:t>
+            </a:r>
+            <a:r>
+              <a:rPr lang="it-IT" sz="1400" dirty="0" err="1"/>
+              <a:t>form</a:t>
+            </a:r>
+            <a:r>
+              <a:rPr lang="it-IT" sz="1400" dirty="0"/>
+              <a:t> sono gestiti con chiamate </a:t>
             </a:r>
             <a:r>
               <a:rPr lang="it-IT" sz="1400" dirty="0" err="1"/>
